--- a/graphed.pptx
+++ b/graphed.pptx
@@ -5,29 +5,37 @@
     <p:sldMasterId id="2147483648" r:id="rId1"/>
   </p:sldMasterIdLst>
   <p:sldIdLst>
-    <p:sldId id="264" r:id="rId2"/>
-    <p:sldId id="260" r:id="rId3"/>
-    <p:sldId id="271" r:id="rId4"/>
-    <p:sldId id="272" r:id="rId5"/>
-    <p:sldId id="273" r:id="rId6"/>
-    <p:sldId id="274" r:id="rId7"/>
-    <p:sldId id="268" r:id="rId8"/>
-    <p:sldId id="267" r:id="rId9"/>
-    <p:sldId id="265" r:id="rId10"/>
-    <p:sldId id="266" r:id="rId11"/>
-    <p:sldId id="263" r:id="rId12"/>
-    <p:sldId id="256" r:id="rId13"/>
-    <p:sldId id="257" r:id="rId14"/>
-    <p:sldId id="258" r:id="rId15"/>
-    <p:sldId id="259" r:id="rId16"/>
-    <p:sldId id="269" r:id="rId17"/>
-    <p:sldId id="270" r:id="rId18"/>
-    <p:sldId id="261" r:id="rId19"/>
-    <p:sldId id="275" r:id="rId20"/>
-    <p:sldId id="276" r:id="rId21"/>
-    <p:sldId id="277" r:id="rId22"/>
-    <p:sldId id="278" r:id="rId23"/>
-    <p:sldId id="262" r:id="rId24"/>
+    <p:sldId id="279" r:id="rId2"/>
+    <p:sldId id="264" r:id="rId3"/>
+    <p:sldId id="260" r:id="rId4"/>
+    <p:sldId id="284" r:id="rId5"/>
+    <p:sldId id="263" r:id="rId6"/>
+    <p:sldId id="256" r:id="rId7"/>
+    <p:sldId id="257" r:id="rId8"/>
+    <p:sldId id="258" r:id="rId9"/>
+    <p:sldId id="259" r:id="rId10"/>
+    <p:sldId id="269" r:id="rId11"/>
+    <p:sldId id="270" r:id="rId12"/>
+    <p:sldId id="271" r:id="rId13"/>
+    <p:sldId id="272" r:id="rId14"/>
+    <p:sldId id="273" r:id="rId15"/>
+    <p:sldId id="274" r:id="rId16"/>
+    <p:sldId id="268" r:id="rId17"/>
+    <p:sldId id="267" r:id="rId18"/>
+    <p:sldId id="265" r:id="rId19"/>
+    <p:sldId id="266" r:id="rId20"/>
+    <p:sldId id="275" r:id="rId21"/>
+    <p:sldId id="276" r:id="rId22"/>
+    <p:sldId id="277" r:id="rId23"/>
+    <p:sldId id="278" r:id="rId24"/>
+    <p:sldId id="262" r:id="rId25"/>
+    <p:sldId id="280" r:id="rId26"/>
+    <p:sldId id="281" r:id="rId27"/>
+    <p:sldId id="282" r:id="rId28"/>
+    <p:sldId id="288" r:id="rId29"/>
+    <p:sldId id="283" r:id="rId30"/>
+    <p:sldId id="285" r:id="rId31"/>
+    <p:sldId id="286" r:id="rId32"/>
   </p:sldIdLst>
   <p:sldSz cx="12192000" cy="6858000"/>
   <p:notesSz cx="6858000" cy="9144000"/>
@@ -283,7 +291,7 @@
           <a:p>
             <a:fld id="{ADDFD3E2-2824-4391-89B0-AE2F5554698A}" type="datetimeFigureOut">
               <a:rPr lang="en-GB" smtClean="0"/>
-              <a:t>25/02/2020</a:t>
+              <a:t>27/02/2020</a:t>
             </a:fld>
             <a:endParaRPr lang="en-GB"/>
           </a:p>
@@ -483,7 +491,7 @@
           <a:p>
             <a:fld id="{ADDFD3E2-2824-4391-89B0-AE2F5554698A}" type="datetimeFigureOut">
               <a:rPr lang="en-GB" smtClean="0"/>
-              <a:t>25/02/2020</a:t>
+              <a:t>27/02/2020</a:t>
             </a:fld>
             <a:endParaRPr lang="en-GB"/>
           </a:p>
@@ -693,7 +701,7 @@
           <a:p>
             <a:fld id="{ADDFD3E2-2824-4391-89B0-AE2F5554698A}" type="datetimeFigureOut">
               <a:rPr lang="en-GB" smtClean="0"/>
-              <a:t>25/02/2020</a:t>
+              <a:t>27/02/2020</a:t>
             </a:fld>
             <a:endParaRPr lang="en-GB"/>
           </a:p>
@@ -893,7 +901,7 @@
           <a:p>
             <a:fld id="{ADDFD3E2-2824-4391-89B0-AE2F5554698A}" type="datetimeFigureOut">
               <a:rPr lang="en-GB" smtClean="0"/>
-              <a:t>25/02/2020</a:t>
+              <a:t>27/02/2020</a:t>
             </a:fld>
             <a:endParaRPr lang="en-GB"/>
           </a:p>
@@ -1169,7 +1177,7 @@
           <a:p>
             <a:fld id="{ADDFD3E2-2824-4391-89B0-AE2F5554698A}" type="datetimeFigureOut">
               <a:rPr lang="en-GB" smtClean="0"/>
-              <a:t>25/02/2020</a:t>
+              <a:t>27/02/2020</a:t>
             </a:fld>
             <a:endParaRPr lang="en-GB"/>
           </a:p>
@@ -1437,7 +1445,7 @@
           <a:p>
             <a:fld id="{ADDFD3E2-2824-4391-89B0-AE2F5554698A}" type="datetimeFigureOut">
               <a:rPr lang="en-GB" smtClean="0"/>
-              <a:t>25/02/2020</a:t>
+              <a:t>27/02/2020</a:t>
             </a:fld>
             <a:endParaRPr lang="en-GB"/>
           </a:p>
@@ -1852,7 +1860,7 @@
           <a:p>
             <a:fld id="{ADDFD3E2-2824-4391-89B0-AE2F5554698A}" type="datetimeFigureOut">
               <a:rPr lang="en-GB" smtClean="0"/>
-              <a:t>25/02/2020</a:t>
+              <a:t>27/02/2020</a:t>
             </a:fld>
             <a:endParaRPr lang="en-GB"/>
           </a:p>
@@ -1994,7 +2002,7 @@
           <a:p>
             <a:fld id="{ADDFD3E2-2824-4391-89B0-AE2F5554698A}" type="datetimeFigureOut">
               <a:rPr lang="en-GB" smtClean="0"/>
-              <a:t>25/02/2020</a:t>
+              <a:t>27/02/2020</a:t>
             </a:fld>
             <a:endParaRPr lang="en-GB"/>
           </a:p>
@@ -2107,7 +2115,7 @@
           <a:p>
             <a:fld id="{ADDFD3E2-2824-4391-89B0-AE2F5554698A}" type="datetimeFigureOut">
               <a:rPr lang="en-GB" smtClean="0"/>
-              <a:t>25/02/2020</a:t>
+              <a:t>27/02/2020</a:t>
             </a:fld>
             <a:endParaRPr lang="en-GB"/>
           </a:p>
@@ -2420,7 +2428,7 @@
           <a:p>
             <a:fld id="{ADDFD3E2-2824-4391-89B0-AE2F5554698A}" type="datetimeFigureOut">
               <a:rPr lang="en-GB" smtClean="0"/>
-              <a:t>25/02/2020</a:t>
+              <a:t>27/02/2020</a:t>
             </a:fld>
             <a:endParaRPr lang="en-GB"/>
           </a:p>
@@ -2709,7 +2717,7 @@
           <a:p>
             <a:fld id="{ADDFD3E2-2824-4391-89B0-AE2F5554698A}" type="datetimeFigureOut">
               <a:rPr lang="en-GB" smtClean="0"/>
-              <a:t>25/02/2020</a:t>
+              <a:t>27/02/2020</a:t>
             </a:fld>
             <a:endParaRPr lang="en-GB"/>
           </a:p>
@@ -2952,7 +2960,7 @@
           <a:p>
             <a:fld id="{ADDFD3E2-2824-4391-89B0-AE2F5554698A}" type="datetimeFigureOut">
               <a:rPr lang="en-GB" smtClean="0"/>
-              <a:t>25/02/2020</a:t>
+              <a:t>27/02/2020</a:t>
             </a:fld>
             <a:endParaRPr lang="en-GB"/>
           </a:p>
@@ -3374,7 +3382,7 @@
           <p:cNvPr id="2" name="Title 1">
             <a:extLst>
               <a:ext uri="{FF2B5EF4-FFF2-40B4-BE49-F238E27FC236}">
-                <a16:creationId xmlns:a16="http://schemas.microsoft.com/office/drawing/2014/main" id="{73E0E955-CC9C-446C-9B71-C21E8FE142C1}"/>
+                <a16:creationId xmlns:a16="http://schemas.microsoft.com/office/drawing/2014/main" id="{83DBDD57-1EDB-4F82-B61F-AFB557CC5174}"/>
               </a:ext>
             </a:extLst>
           </p:cNvPr>
@@ -3387,8 +3395,8 @@
         </p:nvSpPr>
         <p:spPr>
           <a:xfrm>
-            <a:off x="3193059" y="2286204"/>
-            <a:ext cx="5805881" cy="1325563"/>
+            <a:off x="4568854" y="398681"/>
+            <a:ext cx="3054292" cy="1325563"/>
           </a:xfrm>
         </p:spPr>
         <p:txBody>
@@ -3397,7 +3405,46 @@
           <a:p>
             <a:r>
               <a:rPr lang="en-GB" dirty="0"/>
-              <a:t>Food webs (2015+ data) &amp; locations</a:t>
+              <a:t>Background </a:t>
+            </a:r>
+          </a:p>
+        </p:txBody>
+      </p:sp>
+      <p:sp>
+        <p:nvSpPr>
+          <p:cNvPr id="4" name="TextBox 3">
+            <a:extLst>
+              <a:ext uri="{FF2B5EF4-FFF2-40B4-BE49-F238E27FC236}">
+                <a16:creationId xmlns:a16="http://schemas.microsoft.com/office/drawing/2014/main" id="{67B14D9E-8E3B-4F56-9346-B77DBC6F789B}"/>
+              </a:ext>
+            </a:extLst>
+          </p:cNvPr>
+          <p:cNvSpPr txBox="1"/>
+          <p:nvPr/>
+        </p:nvSpPr>
+        <p:spPr>
+          <a:xfrm>
+            <a:off x="1283516" y="2239861"/>
+            <a:ext cx="2357306" cy="2031325"/>
+          </a:xfrm>
+          <a:prstGeom prst="rect">
+            <a:avLst/>
+          </a:prstGeom>
+          <a:noFill/>
+        </p:spPr>
+        <p:txBody>
+          <a:bodyPr wrap="square" rtlCol="0">
+            <a:spAutoFit/>
+          </a:bodyPr>
+          <a:lstStyle/>
+          <a:p>
+            <a:r>
+              <a:rPr lang="en-GB" dirty="0">
+                <a:solidFill>
+                  <a:srgbClr val="FF0000"/>
+                </a:solidFill>
+              </a:rPr>
+              <a:t>This section of the PowerPoint presentation will introduce the different available datasets and basic things we can tell about Eigg from them</a:t>
             </a:r>
           </a:p>
         </p:txBody>
@@ -3405,7 +3452,7 @@
     </p:spTree>
     <p:extLst>
       <p:ext uri="{BB962C8B-B14F-4D97-AF65-F5344CB8AC3E}">
-        <p14:creationId xmlns:p14="http://schemas.microsoft.com/office/powerpoint/2010/main" val="3587614050"/>
+        <p14:creationId xmlns:p14="http://schemas.microsoft.com/office/powerpoint/2010/main" val="203561606"/>
       </p:ext>
     </p:extLst>
   </p:cSld>
@@ -3432,69 +3479,82 @@
           <a:chExt cx="0" cy="0"/>
         </a:xfrm>
       </p:grpSpPr>
-      <p:pic>
-        <p:nvPicPr>
-          <p:cNvPr id="4" name="Picture 3">
-            <a:extLst>
-              <a:ext uri="{FF2B5EF4-FFF2-40B4-BE49-F238E27FC236}">
-                <a16:creationId xmlns:a16="http://schemas.microsoft.com/office/drawing/2014/main" id="{A34CBCB5-7B9E-4C3E-A084-950E20F2169B}"/>
-              </a:ext>
-            </a:extLst>
-          </p:cNvPr>
-          <p:cNvPicPr>
-            <a:picLocks noChangeAspect="1"/>
-          </p:cNvPicPr>
+      <p:sp>
+        <p:nvSpPr>
+          <p:cNvPr id="2" name="Title 1">
+            <a:extLst>
+              <a:ext uri="{FF2B5EF4-FFF2-40B4-BE49-F238E27FC236}">
+                <a16:creationId xmlns:a16="http://schemas.microsoft.com/office/drawing/2014/main" id="{093DA359-FF00-47D4-ADDD-6DBF7630E5C1}"/>
+              </a:ext>
+            </a:extLst>
+          </p:cNvPr>
+          <p:cNvSpPr>
+            <a:spLocks noGrp="1"/>
+          </p:cNvSpPr>
+          <p:nvPr>
+            <p:ph type="title"/>
+          </p:nvPr>
+        </p:nvSpPr>
+        <p:spPr>
+          <a:xfrm>
+            <a:off x="3112316" y="2563041"/>
+            <a:ext cx="5629013" cy="1325563"/>
+          </a:xfrm>
+        </p:spPr>
+        <p:txBody>
+          <a:bodyPr/>
+          <a:lstStyle/>
+          <a:p>
+            <a:r>
+              <a:rPr lang="en-GB" dirty="0"/>
+              <a:t>Eigg Observers (2015+)</a:t>
+            </a:r>
+          </a:p>
+        </p:txBody>
+      </p:sp>
+      <p:sp>
+        <p:nvSpPr>
+          <p:cNvPr id="3" name="TextBox 2">
+            <a:extLst>
+              <a:ext uri="{FF2B5EF4-FFF2-40B4-BE49-F238E27FC236}">
+                <a16:creationId xmlns:a16="http://schemas.microsoft.com/office/drawing/2014/main" id="{E8B99004-0056-4454-AF3A-920087B6E47F}"/>
+              </a:ext>
+            </a:extLst>
+          </p:cNvPr>
+          <p:cNvSpPr txBox="1"/>
           <p:nvPr/>
-        </p:nvPicPr>
-        <p:blipFill rotWithShape="1">
-          <a:blip r:embed="rId2"/>
-          <a:srcRect l="34885" r="28303"/>
-          <a:stretch/>
-        </p:blipFill>
-        <p:spPr>
-          <a:xfrm>
-            <a:off x="478172" y="329374"/>
-            <a:ext cx="4488110" cy="5880469"/>
+        </p:nvSpPr>
+        <p:spPr>
+          <a:xfrm>
+            <a:off x="3229762" y="4924338"/>
+            <a:ext cx="2357306" cy="1200329"/>
           </a:xfrm>
           <a:prstGeom prst="rect">
             <a:avLst/>
           </a:prstGeom>
-        </p:spPr>
-      </p:pic>
-      <p:pic>
-        <p:nvPicPr>
-          <p:cNvPr id="5" name="Picture 4">
-            <a:extLst>
-              <a:ext uri="{FF2B5EF4-FFF2-40B4-BE49-F238E27FC236}">
-                <a16:creationId xmlns:a16="http://schemas.microsoft.com/office/drawing/2014/main" id="{22442F06-560C-44F7-8A7D-E9163423F884}"/>
-              </a:ext>
-            </a:extLst>
-          </p:cNvPr>
-          <p:cNvPicPr>
-            <a:picLocks noChangeAspect="1"/>
-          </p:cNvPicPr>
-          <p:nvPr/>
-        </p:nvPicPr>
-        <p:blipFill>
-          <a:blip r:embed="rId3"/>
-          <a:stretch>
-            <a:fillRect/>
-          </a:stretch>
-        </p:blipFill>
-        <p:spPr>
-          <a:xfrm>
-            <a:off x="5516771" y="1314143"/>
-            <a:ext cx="6197057" cy="3910930"/>
-          </a:xfrm>
-          <a:prstGeom prst="rect">
-            <a:avLst/>
-          </a:prstGeom>
-        </p:spPr>
-      </p:pic>
+          <a:noFill/>
+        </p:spPr>
+        <p:txBody>
+          <a:bodyPr wrap="square" rtlCol="0">
+            <a:spAutoFit/>
+          </a:bodyPr>
+          <a:lstStyle/>
+          <a:p>
+            <a:r>
+              <a:rPr lang="en-GB" dirty="0">
+                <a:solidFill>
+                  <a:srgbClr val="FF0000"/>
+                </a:solidFill>
+              </a:rPr>
+              <a:t>Is there any useful information in who is making the observations?</a:t>
+            </a:r>
+          </a:p>
+        </p:txBody>
+      </p:sp>
     </p:spTree>
     <p:extLst>
       <p:ext uri="{BB962C8B-B14F-4D97-AF65-F5344CB8AC3E}">
-        <p14:creationId xmlns:p14="http://schemas.microsoft.com/office/powerpoint/2010/main" val="734471834"/>
+        <p14:creationId xmlns:p14="http://schemas.microsoft.com/office/powerpoint/2010/main" val="1912608616"/>
       </p:ext>
     </p:extLst>
   </p:cSld>
@@ -3521,35 +3581,1107 @@
           <a:chExt cx="0" cy="0"/>
         </a:xfrm>
       </p:grpSpPr>
-      <p:sp>
-        <p:nvSpPr>
-          <p:cNvPr id="2" name="Title 1">
-            <a:extLst>
-              <a:ext uri="{FF2B5EF4-FFF2-40B4-BE49-F238E27FC236}">
-                <a16:creationId xmlns:a16="http://schemas.microsoft.com/office/drawing/2014/main" id="{9F06B8A0-661C-4D41-A634-50CC658EA1DB}"/>
+      <p:pic>
+        <p:nvPicPr>
+          <p:cNvPr id="4" name="Picture 3">
+            <a:extLst>
+              <a:ext uri="{FF2B5EF4-FFF2-40B4-BE49-F238E27FC236}">
+                <a16:creationId xmlns:a16="http://schemas.microsoft.com/office/drawing/2014/main" id="{5D370398-9EDE-450B-BB4E-E0D4B97D55BB}"/>
+              </a:ext>
+            </a:extLst>
+          </p:cNvPr>
+          <p:cNvPicPr>
+            <a:picLocks noChangeAspect="1"/>
+          </p:cNvPicPr>
+          <p:nvPr/>
+        </p:nvPicPr>
+        <p:blipFill>
+          <a:blip r:embed="rId2"/>
+          <a:stretch>
+            <a:fillRect/>
+          </a:stretch>
+        </p:blipFill>
+        <p:spPr>
+          <a:xfrm>
+            <a:off x="2229069" y="204787"/>
+            <a:ext cx="9629775" cy="6448425"/>
+          </a:xfrm>
+          <a:prstGeom prst="rect">
+            <a:avLst/>
+          </a:prstGeom>
+        </p:spPr>
+      </p:pic>
+      <p:sp>
+        <p:nvSpPr>
+          <p:cNvPr id="3" name="TextBox 2">
+            <a:extLst>
+              <a:ext uri="{FF2B5EF4-FFF2-40B4-BE49-F238E27FC236}">
+                <a16:creationId xmlns:a16="http://schemas.microsoft.com/office/drawing/2014/main" id="{BABFC6DE-6992-40F9-BAA2-07B32E6FC430}"/>
+              </a:ext>
+            </a:extLst>
+          </p:cNvPr>
+          <p:cNvSpPr txBox="1"/>
+          <p:nvPr/>
+        </p:nvSpPr>
+        <p:spPr>
+          <a:xfrm>
+            <a:off x="458992" y="5251686"/>
+            <a:ext cx="3601280" cy="1477328"/>
+          </a:xfrm>
+          <a:prstGeom prst="rect">
+            <a:avLst/>
+          </a:prstGeom>
+          <a:noFill/>
+        </p:spPr>
+        <p:txBody>
+          <a:bodyPr wrap="square" rtlCol="0">
+            <a:spAutoFit/>
+          </a:bodyPr>
+          <a:lstStyle/>
+          <a:p>
+            <a:r>
+              <a:rPr lang="en-GB" dirty="0">
+                <a:solidFill>
+                  <a:srgbClr val="FF0000"/>
+                </a:solidFill>
+              </a:rPr>
+              <a:t>The above names are those who are also resident on Eigg. The residents of Eigg contributed to 0% of </a:t>
+            </a:r>
+            <a:r>
+              <a:rPr lang="en-GB" dirty="0" err="1">
+                <a:solidFill>
+                  <a:srgbClr val="FF0000"/>
+                </a:solidFill>
+              </a:rPr>
+              <a:t>observatios</a:t>
+            </a:r>
+            <a:r>
+              <a:rPr lang="en-GB" dirty="0">
+                <a:solidFill>
+                  <a:srgbClr val="FF0000"/>
+                </a:solidFill>
+              </a:rPr>
+              <a:t> prior to buyout and to 1% of observations after the buyout.</a:t>
+            </a:r>
+          </a:p>
+        </p:txBody>
+      </p:sp>
+      <p:sp>
+        <p:nvSpPr>
+          <p:cNvPr id="5" name="Rectangle 1">
+            <a:extLst>
+              <a:ext uri="{FF2B5EF4-FFF2-40B4-BE49-F238E27FC236}">
+                <a16:creationId xmlns:a16="http://schemas.microsoft.com/office/drawing/2014/main" id="{3F9192CC-4907-4BA0-88D8-6D949927C8C4}"/>
               </a:ext>
             </a:extLst>
           </p:cNvPr>
           <p:cNvSpPr>
-            <a:spLocks noGrp="1"/>
+            <a:spLocks noChangeArrowheads="1"/>
           </p:cNvSpPr>
-          <p:nvPr>
-            <p:ph type="title"/>
-          </p:nvPr>
-        </p:nvSpPr>
-        <p:spPr>
-          <a:xfrm>
-            <a:off x="2916572" y="2554652"/>
-            <a:ext cx="6358855" cy="1325563"/>
-          </a:xfrm>
-        </p:spPr>
-        <p:txBody>
-          <a:bodyPr/>
-          <a:lstStyle/>
-          <a:p>
-            <a:r>
-              <a:rPr lang="en-GB" dirty="0"/>
-              <a:t>Clustering on observations</a:t>
+          <p:nvPr/>
+        </p:nvSpPr>
+        <p:spPr bwMode="auto">
+          <a:xfrm>
+            <a:off x="458992" y="2957608"/>
+            <a:ext cx="1862983" cy="2000548"/>
+          </a:xfrm>
+          <a:prstGeom prst="rect">
+            <a:avLst/>
+          </a:prstGeom>
+          <a:solidFill>
+            <a:srgbClr val="FFFFFF"/>
+          </a:solidFill>
+          <a:ln>
+            <a:noFill/>
+          </a:ln>
+          <a:effectLst/>
+          <a:extLst>
+            <a:ext uri="{91240B29-F687-4F45-9708-019B960494DF}">
+              <a14:hiddenLine xmlns:a14="http://schemas.microsoft.com/office/drawing/2010/main" w="9525">
+                <a:solidFill>
+                  <a:schemeClr val="tx1"/>
+                </a:solidFill>
+                <a:miter lim="800000"/>
+                <a:headEnd/>
+                <a:tailEnd/>
+              </a14:hiddenLine>
+            </a:ext>
+            <a:ext uri="{AF507438-7753-43E0-B8FC-AC1667EBCBE1}">
+              <a14:hiddenEffects xmlns:a14="http://schemas.microsoft.com/office/drawing/2010/main">
+                <a:effectLst>
+                  <a:outerShdw dist="35921" dir="2700000" algn="ctr" rotWithShape="0">
+                    <a:schemeClr val="bg2"/>
+                  </a:outerShdw>
+                </a:effectLst>
+              </a14:hiddenEffects>
+            </a:ext>
+          </a:extLst>
+        </p:spPr>
+        <p:txBody>
+          <a:bodyPr vert="horz" wrap="square" lIns="0" tIns="0" rIns="0" bIns="0" numCol="1" anchor="ctr" anchorCtr="0" compatLnSpc="1">
+            <a:prstTxWarp prst="textNoShape">
+              <a:avLst/>
+            </a:prstTxWarp>
+            <a:spAutoFit/>
+          </a:bodyPr>
+          <a:lstStyle/>
+          <a:p>
+            <a:pPr marL="0" marR="0" lvl="0" indent="0" algn="l" defTabSz="914400" rtl="0" eaLnBrk="0" fontAlgn="base" latinLnBrk="0" hangingPunct="0">
+              <a:lnSpc>
+                <a:spcPct val="100000"/>
+              </a:lnSpc>
+              <a:spcBef>
+                <a:spcPct val="0"/>
+              </a:spcBef>
+              <a:spcAft>
+                <a:spcPct val="0"/>
+              </a:spcAft>
+              <a:buClrTx/>
+              <a:buSzTx/>
+              <a:buFontTx/>
+              <a:buNone/>
+              <a:tabLst/>
+            </a:pPr>
+            <a:r>
+              <a:rPr kumimoji="0" lang="en-US" altLang="en-US" sz="1000" b="0" i="0" u="none" strike="noStrike" cap="none" normalizeH="0" baseline="0" dirty="0">
+                <a:ln>
+                  <a:noFill/>
+                </a:ln>
+                <a:solidFill>
+                  <a:srgbClr val="000000"/>
+                </a:solidFill>
+                <a:effectLst/>
+                <a:latin typeface="Courier New" panose="02070309020205020404" pitchFamily="49" charset="0"/>
+              </a:rPr>
+              <a:t>{'</a:t>
+            </a:r>
+            <a:r>
+              <a:rPr kumimoji="0" lang="en-US" altLang="en-US" sz="1000" b="0" i="0" u="none" strike="noStrike" cap="none" normalizeH="0" baseline="0" dirty="0" err="1">
+                <a:ln>
+                  <a:noFill/>
+                </a:ln>
+                <a:solidFill>
+                  <a:srgbClr val="000000"/>
+                </a:solidFill>
+                <a:effectLst/>
+                <a:latin typeface="Courier New" panose="02070309020205020404" pitchFamily="49" charset="0"/>
+              </a:rPr>
+              <a:t>simon</a:t>
+            </a:r>
+            <a:r>
+              <a:rPr kumimoji="0" lang="en-US" altLang="en-US" sz="1000" b="0" i="0" u="none" strike="noStrike" cap="none" normalizeH="0" baseline="0" dirty="0">
+                <a:ln>
+                  <a:noFill/>
+                </a:ln>
+                <a:solidFill>
+                  <a:srgbClr val="000000"/>
+                </a:solidFill>
+                <a:effectLst/>
+                <a:latin typeface="Courier New" panose="02070309020205020404" pitchFamily="49" charset="0"/>
+              </a:rPr>
+              <a:t> </a:t>
+            </a:r>
+            <a:r>
+              <a:rPr kumimoji="0" lang="en-US" altLang="en-US" sz="1000" b="0" i="0" u="none" strike="noStrike" cap="none" normalizeH="0" baseline="0" dirty="0" err="1">
+                <a:ln>
+                  <a:noFill/>
+                </a:ln>
+                <a:solidFill>
+                  <a:srgbClr val="000000"/>
+                </a:solidFill>
+                <a:effectLst/>
+                <a:latin typeface="Courier New" panose="02070309020205020404" pitchFamily="49" charset="0"/>
+              </a:rPr>
+              <a:t>helliwell</a:t>
+            </a:r>
+            <a:r>
+              <a:rPr kumimoji="0" lang="en-US" altLang="en-US" sz="1000" b="0" i="0" u="none" strike="noStrike" cap="none" normalizeH="0" baseline="0" dirty="0">
+                <a:ln>
+                  <a:noFill/>
+                </a:ln>
+                <a:solidFill>
+                  <a:srgbClr val="000000"/>
+                </a:solidFill>
+                <a:effectLst/>
+                <a:latin typeface="Courier New" panose="02070309020205020404" pitchFamily="49" charset="0"/>
+              </a:rPr>
+              <a:t>', '</a:t>
+            </a:r>
+            <a:r>
+              <a:rPr kumimoji="0" lang="en-US" altLang="en-US" sz="1000" b="0" i="0" u="none" strike="noStrike" cap="none" normalizeH="0" baseline="0" dirty="0" err="1">
+                <a:ln>
+                  <a:noFill/>
+                </a:ln>
+                <a:solidFill>
+                  <a:srgbClr val="000000"/>
+                </a:solidFill>
+                <a:effectLst/>
+                <a:latin typeface="Courier New" panose="02070309020205020404" pitchFamily="49" charset="0"/>
+              </a:rPr>
+              <a:t>marie</a:t>
+            </a:r>
+            <a:r>
+              <a:rPr kumimoji="0" lang="en-US" altLang="en-US" sz="1000" b="0" i="0" u="none" strike="noStrike" cap="none" normalizeH="0" baseline="0" dirty="0">
+                <a:ln>
+                  <a:noFill/>
+                </a:ln>
+                <a:solidFill>
+                  <a:srgbClr val="000000"/>
+                </a:solidFill>
+                <a:effectLst/>
+                <a:latin typeface="Courier New" panose="02070309020205020404" pitchFamily="49" charset="0"/>
+              </a:rPr>
+              <a:t> </a:t>
+            </a:r>
+            <a:r>
+              <a:rPr kumimoji="0" lang="en-US" altLang="en-US" sz="1000" b="0" i="0" u="none" strike="noStrike" cap="none" normalizeH="0" baseline="0" dirty="0" err="1">
+                <a:ln>
+                  <a:noFill/>
+                </a:ln>
+                <a:solidFill>
+                  <a:srgbClr val="000000"/>
+                </a:solidFill>
+                <a:effectLst/>
+                <a:latin typeface="Courier New" panose="02070309020205020404" pitchFamily="49" charset="0"/>
+              </a:rPr>
+              <a:t>carr</a:t>
+            </a:r>
+            <a:r>
+              <a:rPr kumimoji="0" lang="en-US" altLang="en-US" sz="1000" b="0" i="0" u="none" strike="noStrike" cap="none" normalizeH="0" baseline="0" dirty="0">
+                <a:ln>
+                  <a:noFill/>
+                </a:ln>
+                <a:solidFill>
+                  <a:srgbClr val="000000"/>
+                </a:solidFill>
+                <a:effectLst/>
+                <a:latin typeface="Courier New" panose="02070309020205020404" pitchFamily="49" charset="0"/>
+              </a:rPr>
+              <a:t>’, </a:t>
+            </a:r>
+          </a:p>
+          <a:p>
+            <a:pPr marL="0" marR="0" lvl="0" indent="0" algn="l" defTabSz="914400" rtl="0" eaLnBrk="0" fontAlgn="base" latinLnBrk="0" hangingPunct="0">
+              <a:lnSpc>
+                <a:spcPct val="100000"/>
+              </a:lnSpc>
+              <a:spcBef>
+                <a:spcPct val="0"/>
+              </a:spcBef>
+              <a:spcAft>
+                <a:spcPct val="0"/>
+              </a:spcAft>
+              <a:buClrTx/>
+              <a:buSzTx/>
+              <a:buFontTx/>
+              <a:buNone/>
+              <a:tabLst/>
+            </a:pPr>
+            <a:r>
+              <a:rPr kumimoji="0" lang="en-US" altLang="en-US" sz="1000" b="0" i="0" u="none" strike="noStrike" cap="none" normalizeH="0" baseline="0" dirty="0">
+                <a:ln>
+                  <a:noFill/>
+                </a:ln>
+                <a:solidFill>
+                  <a:srgbClr val="000000"/>
+                </a:solidFill>
+                <a:effectLst/>
+                <a:latin typeface="Courier New" panose="02070309020205020404" pitchFamily="49" charset="0"/>
+              </a:rPr>
+              <a:t>'</a:t>
+            </a:r>
+            <a:r>
+              <a:rPr kumimoji="0" lang="en-US" altLang="en-US" sz="1000" b="0" i="0" u="none" strike="noStrike" cap="none" normalizeH="0" baseline="0" dirty="0" err="1">
+                <a:ln>
+                  <a:noFill/>
+                </a:ln>
+                <a:solidFill>
+                  <a:srgbClr val="000000"/>
+                </a:solidFill>
+                <a:effectLst/>
+                <a:latin typeface="Courier New" panose="02070309020205020404" pitchFamily="49" charset="0"/>
+              </a:rPr>
+              <a:t>mairi</a:t>
+            </a:r>
+            <a:r>
+              <a:rPr kumimoji="0" lang="en-US" altLang="en-US" sz="1000" b="0" i="0" u="none" strike="noStrike" cap="none" normalizeH="0" baseline="0" dirty="0">
+                <a:ln>
+                  <a:noFill/>
+                </a:ln>
+                <a:solidFill>
+                  <a:srgbClr val="000000"/>
+                </a:solidFill>
+                <a:effectLst/>
+                <a:latin typeface="Courier New" panose="02070309020205020404" pitchFamily="49" charset="0"/>
+              </a:rPr>
+              <a:t> </a:t>
+            </a:r>
+            <a:r>
+              <a:rPr kumimoji="0" lang="en-US" altLang="en-US" sz="1000" b="0" i="0" u="none" strike="noStrike" cap="none" normalizeH="0" baseline="0" dirty="0" err="1">
+                <a:ln>
+                  <a:noFill/>
+                </a:ln>
+                <a:solidFill>
+                  <a:srgbClr val="000000"/>
+                </a:solidFill>
+                <a:effectLst/>
+                <a:latin typeface="Courier New" panose="02070309020205020404" pitchFamily="49" charset="0"/>
+              </a:rPr>
+              <a:t>mckinnon</a:t>
+            </a:r>
+            <a:r>
+              <a:rPr kumimoji="0" lang="en-US" altLang="en-US" sz="1000" b="0" i="0" u="none" strike="noStrike" cap="none" normalizeH="0" baseline="0" dirty="0">
+                <a:ln>
+                  <a:noFill/>
+                </a:ln>
+                <a:solidFill>
+                  <a:srgbClr val="000000"/>
+                </a:solidFill>
+                <a:effectLst/>
+                <a:latin typeface="Courier New" panose="02070309020205020404" pitchFamily="49" charset="0"/>
+              </a:rPr>
+              <a:t>’, </a:t>
+            </a:r>
+          </a:p>
+          <a:p>
+            <a:pPr marL="0" marR="0" lvl="0" indent="0" algn="l" defTabSz="914400" rtl="0" eaLnBrk="0" fontAlgn="base" latinLnBrk="0" hangingPunct="0">
+              <a:lnSpc>
+                <a:spcPct val="100000"/>
+              </a:lnSpc>
+              <a:spcBef>
+                <a:spcPct val="0"/>
+              </a:spcBef>
+              <a:spcAft>
+                <a:spcPct val="0"/>
+              </a:spcAft>
+              <a:buClrTx/>
+              <a:buSzTx/>
+              <a:buFontTx/>
+              <a:buNone/>
+              <a:tabLst/>
+            </a:pPr>
+            <a:r>
+              <a:rPr kumimoji="0" lang="en-US" altLang="en-US" sz="1000" b="0" i="0" u="none" strike="noStrike" cap="none" normalizeH="0" baseline="0" dirty="0">
+                <a:ln>
+                  <a:noFill/>
+                </a:ln>
+                <a:solidFill>
+                  <a:srgbClr val="000000"/>
+                </a:solidFill>
+                <a:effectLst/>
+                <a:latin typeface="Courier New" panose="02070309020205020404" pitchFamily="49" charset="0"/>
+              </a:rPr>
+              <a:t>'</a:t>
+            </a:r>
+            <a:r>
+              <a:rPr kumimoji="0" lang="en-US" altLang="en-US" sz="1000" b="0" i="0" u="none" strike="noStrike" cap="none" normalizeH="0" baseline="0" dirty="0" err="1">
+                <a:ln>
+                  <a:noFill/>
+                </a:ln>
+                <a:solidFill>
+                  <a:srgbClr val="000000"/>
+                </a:solidFill>
+                <a:effectLst/>
+                <a:latin typeface="Courier New" panose="02070309020205020404" pitchFamily="49" charset="0"/>
+              </a:rPr>
+              <a:t>alex</a:t>
+            </a:r>
+            <a:r>
+              <a:rPr kumimoji="0" lang="en-US" altLang="en-US" sz="1000" b="0" i="0" u="none" strike="noStrike" cap="none" normalizeH="0" baseline="0" dirty="0">
+                <a:ln>
+                  <a:noFill/>
+                </a:ln>
+                <a:solidFill>
+                  <a:srgbClr val="000000"/>
+                </a:solidFill>
+                <a:effectLst/>
+                <a:latin typeface="Courier New" panose="02070309020205020404" pitchFamily="49" charset="0"/>
+              </a:rPr>
+              <a:t> </a:t>
+            </a:r>
+            <a:r>
+              <a:rPr kumimoji="0" lang="en-US" altLang="en-US" sz="1000" b="0" i="0" u="none" strike="noStrike" cap="none" normalizeH="0" baseline="0" dirty="0" err="1">
+                <a:ln>
+                  <a:noFill/>
+                </a:ln>
+                <a:solidFill>
+                  <a:srgbClr val="000000"/>
+                </a:solidFill>
+                <a:effectLst/>
+                <a:latin typeface="Courier New" panose="02070309020205020404" pitchFamily="49" charset="0"/>
+              </a:rPr>
+              <a:t>boden</a:t>
+            </a:r>
+            <a:r>
+              <a:rPr kumimoji="0" lang="en-US" altLang="en-US" sz="1000" b="0" i="0" u="none" strike="noStrike" cap="none" normalizeH="0" baseline="0" dirty="0">
+                <a:ln>
+                  <a:noFill/>
+                </a:ln>
+                <a:solidFill>
+                  <a:srgbClr val="000000"/>
+                </a:solidFill>
+                <a:effectLst/>
+                <a:latin typeface="Courier New" panose="02070309020205020404" pitchFamily="49" charset="0"/>
+              </a:rPr>
+              <a:t>’, </a:t>
+            </a:r>
+          </a:p>
+          <a:p>
+            <a:pPr marL="0" marR="0" lvl="0" indent="0" algn="l" defTabSz="914400" rtl="0" eaLnBrk="0" fontAlgn="base" latinLnBrk="0" hangingPunct="0">
+              <a:lnSpc>
+                <a:spcPct val="100000"/>
+              </a:lnSpc>
+              <a:spcBef>
+                <a:spcPct val="0"/>
+              </a:spcBef>
+              <a:spcAft>
+                <a:spcPct val="0"/>
+              </a:spcAft>
+              <a:buClrTx/>
+              <a:buSzTx/>
+              <a:buFontTx/>
+              <a:buNone/>
+              <a:tabLst/>
+            </a:pPr>
+            <a:r>
+              <a:rPr kumimoji="0" lang="en-US" altLang="en-US" sz="1000" b="0" i="0" u="none" strike="noStrike" cap="none" normalizeH="0" baseline="0" dirty="0">
+                <a:ln>
+                  <a:noFill/>
+                </a:ln>
+                <a:solidFill>
+                  <a:srgbClr val="000000"/>
+                </a:solidFill>
+                <a:effectLst/>
+                <a:latin typeface="Courier New" panose="02070309020205020404" pitchFamily="49" charset="0"/>
+              </a:rPr>
+              <a:t>'</a:t>
+            </a:r>
+            <a:r>
+              <a:rPr kumimoji="0" lang="en-US" altLang="en-US" sz="1000" b="0" i="0" u="none" strike="noStrike" cap="none" normalizeH="0" baseline="0" dirty="0" err="1">
+                <a:ln>
+                  <a:noFill/>
+                </a:ln>
+                <a:solidFill>
+                  <a:srgbClr val="000000"/>
+                </a:solidFill>
+                <a:effectLst/>
+                <a:latin typeface="Courier New" panose="02070309020205020404" pitchFamily="49" charset="0"/>
+              </a:rPr>
+              <a:t>stuart</a:t>
+            </a:r>
+            <a:r>
+              <a:rPr kumimoji="0" lang="en-US" altLang="en-US" sz="1000" b="0" i="0" u="none" strike="noStrike" cap="none" normalizeH="0" baseline="0" dirty="0">
+                <a:ln>
+                  <a:noFill/>
+                </a:ln>
+                <a:solidFill>
+                  <a:srgbClr val="000000"/>
+                </a:solidFill>
+                <a:effectLst/>
+                <a:latin typeface="Courier New" panose="02070309020205020404" pitchFamily="49" charset="0"/>
+              </a:rPr>
+              <a:t> </a:t>
+            </a:r>
+            <a:r>
+              <a:rPr kumimoji="0" lang="en-US" altLang="en-US" sz="1000" b="0" i="0" u="none" strike="noStrike" cap="none" normalizeH="0" baseline="0" dirty="0" err="1">
+                <a:ln>
+                  <a:noFill/>
+                </a:ln>
+                <a:solidFill>
+                  <a:srgbClr val="000000"/>
+                </a:solidFill>
+                <a:effectLst/>
+                <a:latin typeface="Courier New" panose="02070309020205020404" pitchFamily="49" charset="0"/>
+              </a:rPr>
+              <a:t>millar</a:t>
+            </a:r>
+            <a:r>
+              <a:rPr kumimoji="0" lang="en-US" altLang="en-US" sz="1000" b="0" i="0" u="none" strike="noStrike" cap="none" normalizeH="0" baseline="0" dirty="0">
+                <a:ln>
+                  <a:noFill/>
+                </a:ln>
+                <a:solidFill>
+                  <a:srgbClr val="000000"/>
+                </a:solidFill>
+                <a:effectLst/>
+                <a:latin typeface="Courier New" panose="02070309020205020404" pitchFamily="49" charset="0"/>
+              </a:rPr>
+              <a:t>’, </a:t>
+            </a:r>
+          </a:p>
+          <a:p>
+            <a:pPr marL="0" marR="0" lvl="0" indent="0" algn="l" defTabSz="914400" rtl="0" eaLnBrk="0" fontAlgn="base" latinLnBrk="0" hangingPunct="0">
+              <a:lnSpc>
+                <a:spcPct val="100000"/>
+              </a:lnSpc>
+              <a:spcBef>
+                <a:spcPct val="0"/>
+              </a:spcBef>
+              <a:spcAft>
+                <a:spcPct val="0"/>
+              </a:spcAft>
+              <a:buClrTx/>
+              <a:buSzTx/>
+              <a:buFontTx/>
+              <a:buNone/>
+              <a:tabLst/>
+            </a:pPr>
+            <a:r>
+              <a:rPr kumimoji="0" lang="en-US" altLang="en-US" sz="1000" b="0" i="0" u="none" strike="noStrike" cap="none" normalizeH="0" baseline="0" dirty="0">
+                <a:ln>
+                  <a:noFill/>
+                </a:ln>
+                <a:solidFill>
+                  <a:srgbClr val="000000"/>
+                </a:solidFill>
+                <a:effectLst/>
+                <a:latin typeface="Courier New" panose="02070309020205020404" pitchFamily="49" charset="0"/>
+              </a:rPr>
+              <a:t>'</a:t>
+            </a:r>
+            <a:r>
+              <a:rPr kumimoji="0" lang="en-US" altLang="en-US" sz="1000" b="0" i="0" u="none" strike="noStrike" cap="none" normalizeH="0" baseline="0" dirty="0" err="1">
+                <a:ln>
+                  <a:noFill/>
+                </a:ln>
+                <a:solidFill>
+                  <a:srgbClr val="000000"/>
+                </a:solidFill>
+                <a:effectLst/>
+                <a:latin typeface="Courier New" panose="02070309020205020404" pitchFamily="49" charset="0"/>
+              </a:rPr>
+              <a:t>katrin</a:t>
+            </a:r>
+            <a:r>
+              <a:rPr kumimoji="0" lang="en-US" altLang="en-US" sz="1000" b="0" i="0" u="none" strike="noStrike" cap="none" normalizeH="0" baseline="0" dirty="0">
+                <a:ln>
+                  <a:noFill/>
+                </a:ln>
+                <a:solidFill>
+                  <a:srgbClr val="000000"/>
+                </a:solidFill>
+                <a:effectLst/>
+                <a:latin typeface="Courier New" panose="02070309020205020404" pitchFamily="49" charset="0"/>
+              </a:rPr>
+              <a:t> </a:t>
+            </a:r>
+            <a:r>
+              <a:rPr kumimoji="0" lang="en-US" altLang="en-US" sz="1000" b="0" i="0" u="none" strike="noStrike" cap="none" normalizeH="0" baseline="0" dirty="0" err="1">
+                <a:ln>
+                  <a:noFill/>
+                </a:ln>
+                <a:solidFill>
+                  <a:srgbClr val="000000"/>
+                </a:solidFill>
+                <a:effectLst/>
+                <a:latin typeface="Courier New" panose="02070309020205020404" pitchFamily="49" charset="0"/>
+              </a:rPr>
+              <a:t>bach</a:t>
+            </a:r>
+            <a:r>
+              <a:rPr kumimoji="0" lang="en-US" altLang="en-US" sz="1000" b="0" i="0" u="none" strike="noStrike" cap="none" normalizeH="0" baseline="0" dirty="0">
+                <a:ln>
+                  <a:noFill/>
+                </a:ln>
+                <a:solidFill>
+                  <a:srgbClr val="000000"/>
+                </a:solidFill>
+                <a:effectLst/>
+                <a:latin typeface="Courier New" panose="02070309020205020404" pitchFamily="49" charset="0"/>
+              </a:rPr>
+              <a:t>’, </a:t>
+            </a:r>
+          </a:p>
+          <a:p>
+            <a:pPr marL="0" marR="0" lvl="0" indent="0" algn="l" defTabSz="914400" rtl="0" eaLnBrk="0" fontAlgn="base" latinLnBrk="0" hangingPunct="0">
+              <a:lnSpc>
+                <a:spcPct val="100000"/>
+              </a:lnSpc>
+              <a:spcBef>
+                <a:spcPct val="0"/>
+              </a:spcBef>
+              <a:spcAft>
+                <a:spcPct val="0"/>
+              </a:spcAft>
+              <a:buClrTx/>
+              <a:buSzTx/>
+              <a:buFontTx/>
+              <a:buNone/>
+              <a:tabLst/>
+            </a:pPr>
+            <a:r>
+              <a:rPr kumimoji="0" lang="en-US" altLang="en-US" sz="1000" b="0" i="0" u="none" strike="noStrike" cap="none" normalizeH="0" baseline="0" dirty="0">
+                <a:ln>
+                  <a:noFill/>
+                </a:ln>
+                <a:solidFill>
+                  <a:srgbClr val="000000"/>
+                </a:solidFill>
+                <a:effectLst/>
+                <a:latin typeface="Courier New" panose="02070309020205020404" pitchFamily="49" charset="0"/>
+              </a:rPr>
+              <a:t>'john booth’, </a:t>
+            </a:r>
+          </a:p>
+          <a:p>
+            <a:pPr marL="0" marR="0" lvl="0" indent="0" algn="l" defTabSz="914400" rtl="0" eaLnBrk="0" fontAlgn="base" latinLnBrk="0" hangingPunct="0">
+              <a:lnSpc>
+                <a:spcPct val="100000"/>
+              </a:lnSpc>
+              <a:spcBef>
+                <a:spcPct val="0"/>
+              </a:spcBef>
+              <a:spcAft>
+                <a:spcPct val="0"/>
+              </a:spcAft>
+              <a:buClrTx/>
+              <a:buSzTx/>
+              <a:buFontTx/>
+              <a:buNone/>
+              <a:tabLst/>
+            </a:pPr>
+            <a:r>
+              <a:rPr kumimoji="0" lang="en-US" altLang="en-US" sz="1000" b="0" i="0" u="none" strike="noStrike" cap="none" normalizeH="0" baseline="0" dirty="0">
+                <a:ln>
+                  <a:noFill/>
+                </a:ln>
+                <a:solidFill>
+                  <a:srgbClr val="000000"/>
+                </a:solidFill>
+                <a:effectLst/>
+                <a:latin typeface="Courier New" panose="02070309020205020404" pitchFamily="49" charset="0"/>
+              </a:rPr>
+              <a:t>'</a:t>
+            </a:r>
+            <a:r>
+              <a:rPr kumimoji="0" lang="en-US" altLang="en-US" sz="1000" b="0" i="0" u="none" strike="noStrike" cap="none" normalizeH="0" baseline="0" dirty="0" err="1">
+                <a:ln>
+                  <a:noFill/>
+                </a:ln>
+                <a:solidFill>
+                  <a:srgbClr val="000000"/>
+                </a:solidFill>
+                <a:effectLst/>
+                <a:latin typeface="Courier New" panose="02070309020205020404" pitchFamily="49" charset="0"/>
+              </a:rPr>
+              <a:t>neil</a:t>
+            </a:r>
+            <a:r>
+              <a:rPr kumimoji="0" lang="en-US" altLang="en-US" sz="1000" b="0" i="0" u="none" strike="noStrike" cap="none" normalizeH="0" baseline="0" dirty="0">
+                <a:ln>
+                  <a:noFill/>
+                </a:ln>
+                <a:solidFill>
+                  <a:srgbClr val="000000"/>
+                </a:solidFill>
+                <a:effectLst/>
+                <a:latin typeface="Courier New" panose="02070309020205020404" pitchFamily="49" charset="0"/>
+              </a:rPr>
+              <a:t> </a:t>
+            </a:r>
+            <a:r>
+              <a:rPr kumimoji="0" lang="en-US" altLang="en-US" sz="1000" b="0" i="0" u="none" strike="noStrike" cap="none" normalizeH="0" baseline="0" dirty="0" err="1">
+                <a:ln>
+                  <a:noFill/>
+                </a:ln>
+                <a:solidFill>
+                  <a:srgbClr val="000000"/>
+                </a:solidFill>
+                <a:effectLst/>
+                <a:latin typeface="Courier New" panose="02070309020205020404" pitchFamily="49" charset="0"/>
+              </a:rPr>
+              <a:t>robertson</a:t>
+            </a:r>
+            <a:r>
+              <a:rPr kumimoji="0" lang="en-US" altLang="en-US" sz="1000" b="0" i="0" u="none" strike="noStrike" cap="none" normalizeH="0" baseline="0" dirty="0">
+                <a:ln>
+                  <a:noFill/>
+                </a:ln>
+                <a:solidFill>
+                  <a:srgbClr val="000000"/>
+                </a:solidFill>
+                <a:effectLst/>
+                <a:latin typeface="Courier New" panose="02070309020205020404" pitchFamily="49" charset="0"/>
+              </a:rPr>
+              <a:t>', '</a:t>
+            </a:r>
+            <a:r>
+              <a:rPr kumimoji="0" lang="en-US" altLang="en-US" sz="1000" b="0" i="0" u="none" strike="noStrike" cap="none" normalizeH="0" baseline="0" dirty="0" err="1">
+                <a:ln>
+                  <a:noFill/>
+                </a:ln>
+                <a:solidFill>
+                  <a:srgbClr val="000000"/>
+                </a:solidFill>
+                <a:effectLst/>
+                <a:latin typeface="Courier New" panose="02070309020205020404" pitchFamily="49" charset="0"/>
+              </a:rPr>
+              <a:t>kenneth</a:t>
+            </a:r>
+            <a:r>
+              <a:rPr kumimoji="0" lang="en-US" altLang="en-US" sz="1000" b="0" i="0" u="none" strike="noStrike" cap="none" normalizeH="0" baseline="0" dirty="0">
+                <a:ln>
+                  <a:noFill/>
+                </a:ln>
+                <a:solidFill>
+                  <a:srgbClr val="000000"/>
+                </a:solidFill>
+                <a:effectLst/>
+                <a:latin typeface="Courier New" panose="02070309020205020404" pitchFamily="49" charset="0"/>
+              </a:rPr>
+              <a:t> </a:t>
+            </a:r>
+            <a:r>
+              <a:rPr kumimoji="0" lang="en-US" altLang="en-US" sz="1000" b="0" i="0" u="none" strike="noStrike" cap="none" normalizeH="0" baseline="0" dirty="0" err="1">
+                <a:ln>
+                  <a:noFill/>
+                </a:ln>
+                <a:solidFill>
+                  <a:srgbClr val="000000"/>
+                </a:solidFill>
+                <a:effectLst/>
+                <a:latin typeface="Courier New" panose="02070309020205020404" pitchFamily="49" charset="0"/>
+              </a:rPr>
+              <a:t>kean</a:t>
+            </a:r>
+            <a:r>
+              <a:rPr kumimoji="0" lang="en-US" altLang="en-US" sz="1000" b="0" i="0" u="none" strike="noStrike" cap="none" normalizeH="0" baseline="0" dirty="0">
+                <a:ln>
+                  <a:noFill/>
+                </a:ln>
+                <a:solidFill>
+                  <a:srgbClr val="000000"/>
+                </a:solidFill>
+                <a:effectLst/>
+                <a:latin typeface="Courier New" panose="02070309020205020404" pitchFamily="49" charset="0"/>
+              </a:rPr>
+              <a:t>’, </a:t>
+            </a:r>
+          </a:p>
+          <a:p>
+            <a:pPr marL="0" marR="0" lvl="0" indent="0" algn="l" defTabSz="914400" rtl="0" eaLnBrk="0" fontAlgn="base" latinLnBrk="0" hangingPunct="0">
+              <a:lnSpc>
+                <a:spcPct val="100000"/>
+              </a:lnSpc>
+              <a:spcBef>
+                <a:spcPct val="0"/>
+              </a:spcBef>
+              <a:spcAft>
+                <a:spcPct val="0"/>
+              </a:spcAft>
+              <a:buClrTx/>
+              <a:buSzTx/>
+              <a:buFontTx/>
+              <a:buNone/>
+              <a:tabLst/>
+            </a:pPr>
+            <a:r>
+              <a:rPr kumimoji="0" lang="en-US" altLang="en-US" sz="1000" b="0" i="0" u="none" strike="noStrike" cap="none" normalizeH="0" baseline="0" dirty="0">
+                <a:ln>
+                  <a:noFill/>
+                </a:ln>
+                <a:solidFill>
+                  <a:srgbClr val="000000"/>
+                </a:solidFill>
+                <a:effectLst/>
+                <a:latin typeface="Courier New" panose="02070309020205020404" pitchFamily="49" charset="0"/>
+              </a:rPr>
+              <a:t>'</a:t>
+            </a:r>
+            <a:r>
+              <a:rPr kumimoji="0" lang="en-US" altLang="en-US" sz="1000" b="0" i="0" u="none" strike="noStrike" cap="none" normalizeH="0" baseline="0" dirty="0" err="1">
+                <a:ln>
+                  <a:noFill/>
+                </a:ln>
+                <a:solidFill>
+                  <a:srgbClr val="000000"/>
+                </a:solidFill>
+                <a:effectLst/>
+                <a:latin typeface="Courier New" panose="02070309020205020404" pitchFamily="49" charset="0"/>
+              </a:rPr>
+              <a:t>stuart</a:t>
+            </a:r>
+            <a:r>
+              <a:rPr kumimoji="0" lang="en-US" altLang="en-US" sz="1000" b="0" i="0" u="none" strike="noStrike" cap="none" normalizeH="0" baseline="0" dirty="0">
+                <a:ln>
+                  <a:noFill/>
+                </a:ln>
+                <a:solidFill>
+                  <a:srgbClr val="000000"/>
+                </a:solidFill>
+                <a:effectLst/>
+                <a:latin typeface="Courier New" panose="02070309020205020404" pitchFamily="49" charset="0"/>
+              </a:rPr>
+              <a:t> </a:t>
+            </a:r>
+            <a:r>
+              <a:rPr kumimoji="0" lang="en-US" altLang="en-US" sz="1000" b="0" i="0" u="none" strike="noStrike" cap="none" normalizeH="0" baseline="0" dirty="0" err="1">
+                <a:ln>
+                  <a:noFill/>
+                </a:ln>
+                <a:solidFill>
+                  <a:srgbClr val="000000"/>
+                </a:solidFill>
+                <a:effectLst/>
+                <a:latin typeface="Courier New" panose="02070309020205020404" pitchFamily="49" charset="0"/>
+              </a:rPr>
+              <a:t>fergusson</a:t>
+            </a:r>
+            <a:r>
+              <a:rPr kumimoji="0" lang="en-US" altLang="en-US" sz="1000" b="0" i="0" u="none" strike="noStrike" cap="none" normalizeH="0" baseline="0" dirty="0">
+                <a:ln>
+                  <a:noFill/>
+                </a:ln>
+                <a:solidFill>
+                  <a:srgbClr val="000000"/>
+                </a:solidFill>
+                <a:effectLst/>
+                <a:latin typeface="Courier New" panose="02070309020205020404" pitchFamily="49" charset="0"/>
+              </a:rPr>
+              <a:t>', 'pascal </a:t>
+            </a:r>
+            <a:r>
+              <a:rPr kumimoji="0" lang="en-US" altLang="en-US" sz="1000" b="0" i="0" u="none" strike="noStrike" cap="none" normalizeH="0" baseline="0" dirty="0" err="1">
+                <a:ln>
+                  <a:noFill/>
+                </a:ln>
+                <a:solidFill>
+                  <a:srgbClr val="000000"/>
+                </a:solidFill>
+                <a:effectLst/>
+                <a:latin typeface="Courier New" panose="02070309020205020404" pitchFamily="49" charset="0"/>
+              </a:rPr>
+              <a:t>carr</a:t>
+            </a:r>
+            <a:r>
+              <a:rPr kumimoji="0" lang="en-US" altLang="en-US" sz="1000" b="0" i="0" u="none" strike="noStrike" cap="none" normalizeH="0" baseline="0" dirty="0">
+                <a:ln>
+                  <a:noFill/>
+                </a:ln>
+                <a:solidFill>
+                  <a:srgbClr val="000000"/>
+                </a:solidFill>
+                <a:effectLst/>
+                <a:latin typeface="Courier New" panose="02070309020205020404" pitchFamily="49" charset="0"/>
+              </a:rPr>
+              <a:t>’, </a:t>
+            </a:r>
+          </a:p>
+          <a:p>
+            <a:pPr marL="0" marR="0" lvl="0" indent="0" algn="l" defTabSz="914400" rtl="0" eaLnBrk="0" fontAlgn="base" latinLnBrk="0" hangingPunct="0">
+              <a:lnSpc>
+                <a:spcPct val="100000"/>
+              </a:lnSpc>
+              <a:spcBef>
+                <a:spcPct val="0"/>
+              </a:spcBef>
+              <a:spcAft>
+                <a:spcPct val="0"/>
+              </a:spcAft>
+              <a:buClrTx/>
+              <a:buSzTx/>
+              <a:buFontTx/>
+              <a:buNone/>
+              <a:tabLst/>
+            </a:pPr>
+            <a:r>
+              <a:rPr kumimoji="0" lang="en-US" altLang="en-US" sz="1000" b="0" i="0" u="none" strike="noStrike" cap="none" normalizeH="0" baseline="0" dirty="0">
+                <a:ln>
+                  <a:noFill/>
+                </a:ln>
+                <a:solidFill>
+                  <a:srgbClr val="000000"/>
+                </a:solidFill>
+                <a:effectLst/>
+                <a:latin typeface="Courier New" panose="02070309020205020404" pitchFamily="49" charset="0"/>
+              </a:rPr>
+              <a:t>'colin </a:t>
+            </a:r>
+            <a:r>
+              <a:rPr kumimoji="0" lang="en-US" altLang="en-US" sz="1000" b="0" i="0" u="none" strike="noStrike" cap="none" normalizeH="0" baseline="0" dirty="0" err="1">
+                <a:ln>
+                  <a:noFill/>
+                </a:ln>
+                <a:solidFill>
+                  <a:srgbClr val="000000"/>
+                </a:solidFill>
+                <a:effectLst/>
+                <a:latin typeface="Courier New" panose="02070309020205020404" pitchFamily="49" charset="0"/>
+              </a:rPr>
+              <a:t>carr</a:t>
+            </a:r>
+            <a:r>
+              <a:rPr kumimoji="0" lang="en-US" altLang="en-US" sz="1000" b="0" i="0" u="none" strike="noStrike" cap="none" normalizeH="0" baseline="0" dirty="0">
+                <a:ln>
+                  <a:noFill/>
+                </a:ln>
+                <a:solidFill>
+                  <a:srgbClr val="000000"/>
+                </a:solidFill>
+                <a:effectLst/>
+                <a:latin typeface="Courier New" panose="02070309020205020404" pitchFamily="49" charset="0"/>
+              </a:rPr>
+              <a:t>’, </a:t>
+            </a:r>
+          </a:p>
+          <a:p>
+            <a:pPr marL="0" marR="0" lvl="0" indent="0" algn="l" defTabSz="914400" rtl="0" eaLnBrk="0" fontAlgn="base" latinLnBrk="0" hangingPunct="0">
+              <a:lnSpc>
+                <a:spcPct val="100000"/>
+              </a:lnSpc>
+              <a:spcBef>
+                <a:spcPct val="0"/>
+              </a:spcBef>
+              <a:spcAft>
+                <a:spcPct val="0"/>
+              </a:spcAft>
+              <a:buClrTx/>
+              <a:buSzTx/>
+              <a:buFontTx/>
+              <a:buNone/>
+              <a:tabLst/>
+            </a:pPr>
+            <a:r>
+              <a:rPr kumimoji="0" lang="en-US" altLang="en-US" sz="1000" b="0" i="0" u="none" strike="noStrike" cap="none" normalizeH="0" baseline="0" dirty="0">
+                <a:ln>
+                  <a:noFill/>
+                </a:ln>
+                <a:solidFill>
+                  <a:srgbClr val="000000"/>
+                </a:solidFill>
+                <a:effectLst/>
+                <a:latin typeface="Courier New" panose="02070309020205020404" pitchFamily="49" charset="0"/>
+              </a:rPr>
+              <a:t>'</a:t>
+            </a:r>
+            <a:r>
+              <a:rPr kumimoji="0" lang="en-US" altLang="en-US" sz="1000" b="0" i="0" u="none" strike="noStrike" cap="none" normalizeH="0" baseline="0" dirty="0" err="1">
+                <a:ln>
+                  <a:noFill/>
+                </a:ln>
+                <a:solidFill>
+                  <a:srgbClr val="000000"/>
+                </a:solidFill>
+                <a:effectLst/>
+                <a:latin typeface="Courier New" panose="02070309020205020404" pitchFamily="49" charset="0"/>
+              </a:rPr>
+              <a:t>eddie</a:t>
+            </a:r>
+            <a:r>
+              <a:rPr kumimoji="0" lang="en-US" altLang="en-US" sz="1000" b="0" i="0" u="none" strike="noStrike" cap="none" normalizeH="0" baseline="0" dirty="0">
+                <a:ln>
+                  <a:noFill/>
+                </a:ln>
+                <a:solidFill>
+                  <a:srgbClr val="000000"/>
+                </a:solidFill>
+                <a:effectLst/>
+                <a:latin typeface="Courier New" panose="02070309020205020404" pitchFamily="49" charset="0"/>
+              </a:rPr>
+              <a:t> </a:t>
+            </a:r>
+            <a:r>
+              <a:rPr kumimoji="0" lang="en-US" altLang="en-US" sz="1000" b="0" i="0" u="none" strike="noStrike" cap="none" normalizeH="0" baseline="0" dirty="0" err="1">
+                <a:ln>
+                  <a:noFill/>
+                </a:ln>
+                <a:solidFill>
+                  <a:srgbClr val="000000"/>
+                </a:solidFill>
+                <a:effectLst/>
+                <a:latin typeface="Courier New" panose="02070309020205020404" pitchFamily="49" charset="0"/>
+              </a:rPr>
+              <a:t>scott</a:t>
+            </a:r>
+            <a:r>
+              <a:rPr kumimoji="0" lang="en-US" altLang="en-US" sz="1000" b="0" i="0" u="none" strike="noStrike" cap="none" normalizeH="0" baseline="0" dirty="0">
+                <a:ln>
+                  <a:noFill/>
+                </a:ln>
+                <a:solidFill>
+                  <a:srgbClr val="000000"/>
+                </a:solidFill>
+                <a:effectLst/>
+                <a:latin typeface="Courier New" panose="02070309020205020404" pitchFamily="49" charset="0"/>
+              </a:rPr>
+              <a:t>'}</a:t>
+            </a:r>
+            <a:r>
+              <a:rPr kumimoji="0" lang="en-US" altLang="en-US" sz="800" b="0" i="0" u="none" strike="noStrike" cap="none" normalizeH="0" baseline="0" dirty="0">
+                <a:ln>
+                  <a:noFill/>
+                </a:ln>
+                <a:solidFill>
+                  <a:schemeClr val="tx1"/>
+                </a:solidFill>
+                <a:effectLst/>
+              </a:rPr>
+              <a:t> </a:t>
+            </a:r>
+            <a:endParaRPr kumimoji="0" lang="en-US" altLang="en-US" sz="1800" b="0" i="0" u="none" strike="noStrike" cap="none" normalizeH="0" baseline="0" dirty="0">
+              <a:ln>
+                <a:noFill/>
+              </a:ln>
+              <a:solidFill>
+                <a:schemeClr val="tx1"/>
+              </a:solidFill>
+              <a:effectLst/>
+              <a:latin typeface="Arial" panose="020B0604020202020204" pitchFamily="34" charset="0"/>
+            </a:endParaRPr>
+          </a:p>
+        </p:txBody>
+      </p:sp>
+      <p:sp>
+        <p:nvSpPr>
+          <p:cNvPr id="6" name="TextBox 5">
+            <a:extLst>
+              <a:ext uri="{FF2B5EF4-FFF2-40B4-BE49-F238E27FC236}">
+                <a16:creationId xmlns:a16="http://schemas.microsoft.com/office/drawing/2014/main" id="{B2384D51-963C-41C4-BE48-9FBE807FE5BB}"/>
+              </a:ext>
+            </a:extLst>
+          </p:cNvPr>
+          <p:cNvSpPr txBox="1"/>
+          <p:nvPr/>
+        </p:nvSpPr>
+        <p:spPr>
+          <a:xfrm>
+            <a:off x="563461" y="756407"/>
+            <a:ext cx="2357306" cy="2031325"/>
+          </a:xfrm>
+          <a:prstGeom prst="rect">
+            <a:avLst/>
+          </a:prstGeom>
+          <a:noFill/>
+        </p:spPr>
+        <p:txBody>
+          <a:bodyPr wrap="square" rtlCol="0">
+            <a:spAutoFit/>
+          </a:bodyPr>
+          <a:lstStyle/>
+          <a:p>
+            <a:r>
+              <a:rPr lang="en-GB" dirty="0">
+                <a:solidFill>
+                  <a:srgbClr val="FF0000"/>
+                </a:solidFill>
+              </a:rPr>
+              <a:t>Plots the names in the observations together; an edge represents the names being at a close proximity (100 metres). This is also </a:t>
+            </a:r>
+            <a:r>
+              <a:rPr lang="en-GB" dirty="0" err="1">
+                <a:solidFill>
+                  <a:srgbClr val="FF0000"/>
+                </a:solidFill>
+              </a:rPr>
+              <a:t>thresholded</a:t>
+            </a:r>
+            <a:r>
+              <a:rPr lang="en-GB" dirty="0">
+                <a:solidFill>
+                  <a:srgbClr val="FF0000"/>
+                </a:solidFill>
+              </a:rPr>
+              <a:t> for 2010+</a:t>
             </a:r>
           </a:p>
         </p:txBody>
@@ -3557,7 +4689,7 @@
     </p:spTree>
     <p:extLst>
       <p:ext uri="{BB962C8B-B14F-4D97-AF65-F5344CB8AC3E}">
-        <p14:creationId xmlns:p14="http://schemas.microsoft.com/office/powerpoint/2010/main" val="2268903456"/>
+        <p14:creationId xmlns:p14="http://schemas.microsoft.com/office/powerpoint/2010/main" val="1437063930"/>
       </p:ext>
     </p:extLst>
   </p:cSld>
@@ -3584,40 +4716,43 @@
           <a:chExt cx="0" cy="0"/>
         </a:xfrm>
       </p:grpSpPr>
-      <p:pic>
-        <p:nvPicPr>
-          <p:cNvPr id="4" name="Picture 3">
-            <a:extLst>
-              <a:ext uri="{FF2B5EF4-FFF2-40B4-BE49-F238E27FC236}">
-                <a16:creationId xmlns:a16="http://schemas.microsoft.com/office/drawing/2014/main" id="{8B055442-F517-44BC-93A7-60170AAAB639}"/>
-              </a:ext>
-            </a:extLst>
-          </p:cNvPr>
-          <p:cNvPicPr>
-            <a:picLocks noChangeAspect="1"/>
-          </p:cNvPicPr>
-          <p:nvPr/>
-        </p:nvPicPr>
-        <p:blipFill>
-          <a:blip r:embed="rId2"/>
-          <a:stretch>
-            <a:fillRect/>
-          </a:stretch>
-        </p:blipFill>
-        <p:spPr>
-          <a:xfrm>
-            <a:off x="1257822" y="0"/>
-            <a:ext cx="9676356" cy="6858000"/>
-          </a:xfrm>
-          <a:prstGeom prst="rect">
-            <a:avLst/>
-          </a:prstGeom>
-        </p:spPr>
-      </p:pic>
+      <p:sp>
+        <p:nvSpPr>
+          <p:cNvPr id="2" name="Title 1">
+            <a:extLst>
+              <a:ext uri="{FF2B5EF4-FFF2-40B4-BE49-F238E27FC236}">
+                <a16:creationId xmlns:a16="http://schemas.microsoft.com/office/drawing/2014/main" id="{57E283AF-9353-4D15-8A66-AA41E1329225}"/>
+              </a:ext>
+            </a:extLst>
+          </p:cNvPr>
+          <p:cNvSpPr>
+            <a:spLocks noGrp="1"/>
+          </p:cNvSpPr>
+          <p:nvPr>
+            <p:ph type="title"/>
+          </p:nvPr>
+        </p:nvSpPr>
+        <p:spPr>
+          <a:xfrm>
+            <a:off x="4098471" y="2539158"/>
+            <a:ext cx="3995057" cy="1325563"/>
+          </a:xfrm>
+        </p:spPr>
+        <p:txBody>
+          <a:bodyPr/>
+          <a:lstStyle/>
+          <a:p>
+            <a:r>
+              <a:rPr lang="en-GB" dirty="0"/>
+              <a:t>Hotels &amp; Ratings</a:t>
+            </a:r>
+          </a:p>
+        </p:txBody>
+      </p:sp>
     </p:spTree>
     <p:extLst>
       <p:ext uri="{BB962C8B-B14F-4D97-AF65-F5344CB8AC3E}">
-        <p14:creationId xmlns:p14="http://schemas.microsoft.com/office/powerpoint/2010/main" val="2966317692"/>
+        <p14:creationId xmlns:p14="http://schemas.microsoft.com/office/powerpoint/2010/main" val="3906973874"/>
       </p:ext>
     </p:extLst>
   </p:cSld>
@@ -3646,10 +4781,10 @@
       </p:grpSpPr>
       <p:pic>
         <p:nvPicPr>
-          <p:cNvPr id="4" name="Picture 3">
-            <a:extLst>
-              <a:ext uri="{FF2B5EF4-FFF2-40B4-BE49-F238E27FC236}">
-                <a16:creationId xmlns:a16="http://schemas.microsoft.com/office/drawing/2014/main" id="{B8AE51F6-A23E-4D95-9C6D-5D729E0CDCF9}"/>
+          <p:cNvPr id="5" name="Picture 4">
+            <a:extLst>
+              <a:ext uri="{FF2B5EF4-FFF2-40B4-BE49-F238E27FC236}">
+                <a16:creationId xmlns:a16="http://schemas.microsoft.com/office/drawing/2014/main" id="{4344E5CF-E432-4142-BB7E-83ADD01672F5}"/>
               </a:ext>
             </a:extLst>
           </p:cNvPr>
@@ -3666,18 +4801,87 @@
         </p:blipFill>
         <p:spPr>
           <a:xfrm>
-            <a:off x="1281112" y="0"/>
-            <a:ext cx="9629775" cy="6858000"/>
+            <a:off x="6096000" y="727809"/>
+            <a:ext cx="5725691" cy="3809029"/>
           </a:xfrm>
           <a:prstGeom prst="rect">
             <a:avLst/>
           </a:prstGeom>
         </p:spPr>
       </p:pic>
+      <p:pic>
+        <p:nvPicPr>
+          <p:cNvPr id="6" name="Picture 5">
+            <a:extLst>
+              <a:ext uri="{FF2B5EF4-FFF2-40B4-BE49-F238E27FC236}">
+                <a16:creationId xmlns:a16="http://schemas.microsoft.com/office/drawing/2014/main" id="{CD58E2B3-1EAF-4FAB-B2AF-BE18273A6B1C}"/>
+              </a:ext>
+            </a:extLst>
+          </p:cNvPr>
+          <p:cNvPicPr>
+            <a:picLocks noChangeAspect="1"/>
+          </p:cNvPicPr>
+          <p:nvPr/>
+        </p:nvPicPr>
+        <p:blipFill>
+          <a:blip r:embed="rId3"/>
+          <a:stretch>
+            <a:fillRect/>
+          </a:stretch>
+        </p:blipFill>
+        <p:spPr>
+          <a:xfrm>
+            <a:off x="663569" y="727809"/>
+            <a:ext cx="5298692" cy="5055009"/>
+          </a:xfrm>
+          <a:prstGeom prst="rect">
+            <a:avLst/>
+          </a:prstGeom>
+        </p:spPr>
+      </p:pic>
+      <p:sp>
+        <p:nvSpPr>
+          <p:cNvPr id="4" name="TextBox 3">
+            <a:extLst>
+              <a:ext uri="{FF2B5EF4-FFF2-40B4-BE49-F238E27FC236}">
+                <a16:creationId xmlns:a16="http://schemas.microsoft.com/office/drawing/2014/main" id="{8C0E92CD-CAB8-484F-B1CB-5E44BD4BBD9E}"/>
+              </a:ext>
+            </a:extLst>
+          </p:cNvPr>
+          <p:cNvSpPr txBox="1"/>
+          <p:nvPr/>
+        </p:nvSpPr>
+        <p:spPr>
+          <a:xfrm>
+            <a:off x="6981038" y="4098866"/>
+            <a:ext cx="4620935" cy="2585323"/>
+          </a:xfrm>
+          <a:prstGeom prst="rect">
+            <a:avLst/>
+          </a:prstGeom>
+          <a:noFill/>
+        </p:spPr>
+        <p:txBody>
+          <a:bodyPr wrap="square" rtlCol="0">
+            <a:spAutoFit/>
+          </a:bodyPr>
+          <a:lstStyle/>
+          <a:p>
+            <a:r>
+              <a:rPr lang="en-GB" dirty="0">
+                <a:solidFill>
+                  <a:srgbClr val="FF0000"/>
+                </a:solidFill>
+              </a:rPr>
+              <a:t>This is more for future reference: soon I will run a model that will give a value on this network as to how the nodal attribute on a hotel, in this case a mixture of ratings from [TripAdvisor, Google Reviews, # Facebook Likes], affects the probability of a link  forming =&gt; answers whether the best rated hotels cluster together. They clearly don’t on Eigg but potentially in larger cities they would.</a:t>
+            </a:r>
+          </a:p>
+        </p:txBody>
+      </p:sp>
     </p:spTree>
     <p:extLst>
       <p:ext uri="{BB962C8B-B14F-4D97-AF65-F5344CB8AC3E}">
-        <p14:creationId xmlns:p14="http://schemas.microsoft.com/office/powerpoint/2010/main" val="368376588"/>
+        <p14:creationId xmlns:p14="http://schemas.microsoft.com/office/powerpoint/2010/main" val="1815135397"/>
       </p:ext>
     </p:extLst>
   </p:cSld>
@@ -3704,40 +4908,82 @@
           <a:chExt cx="0" cy="0"/>
         </a:xfrm>
       </p:grpSpPr>
-      <p:pic>
-        <p:nvPicPr>
-          <p:cNvPr id="4" name="Picture 3">
-            <a:extLst>
-              <a:ext uri="{FF2B5EF4-FFF2-40B4-BE49-F238E27FC236}">
-                <a16:creationId xmlns:a16="http://schemas.microsoft.com/office/drawing/2014/main" id="{F6943C79-374B-4802-B37F-98873C4BBE71}"/>
-              </a:ext>
-            </a:extLst>
-          </p:cNvPr>
-          <p:cNvPicPr>
-            <a:picLocks noChangeAspect="1"/>
-          </p:cNvPicPr>
+      <p:sp>
+        <p:nvSpPr>
+          <p:cNvPr id="2" name="Title 1">
+            <a:extLst>
+              <a:ext uri="{FF2B5EF4-FFF2-40B4-BE49-F238E27FC236}">
+                <a16:creationId xmlns:a16="http://schemas.microsoft.com/office/drawing/2014/main" id="{C3694D95-156A-40F1-A21C-63566497A2C1}"/>
+              </a:ext>
+            </a:extLst>
+          </p:cNvPr>
+          <p:cNvSpPr>
+            <a:spLocks noGrp="1"/>
+          </p:cNvSpPr>
+          <p:nvPr>
+            <p:ph type="title"/>
+          </p:nvPr>
+        </p:nvSpPr>
+        <p:spPr>
+          <a:xfrm>
+            <a:off x="2676330" y="2417860"/>
+            <a:ext cx="6477000" cy="1325563"/>
+          </a:xfrm>
+        </p:spPr>
+        <p:txBody>
+          <a:bodyPr/>
+          <a:lstStyle/>
+          <a:p>
+            <a:r>
+              <a:rPr lang="en-GB" dirty="0"/>
+              <a:t>Hotels vs Points of Interest</a:t>
+            </a:r>
+          </a:p>
+        </p:txBody>
+      </p:sp>
+      <p:sp>
+        <p:nvSpPr>
+          <p:cNvPr id="3" name="TextBox 2">
+            <a:extLst>
+              <a:ext uri="{FF2B5EF4-FFF2-40B4-BE49-F238E27FC236}">
+                <a16:creationId xmlns:a16="http://schemas.microsoft.com/office/drawing/2014/main" id="{C10AFF3B-375B-4C42-92AB-09F8CF2308DD}"/>
+              </a:ext>
+            </a:extLst>
+          </p:cNvPr>
+          <p:cNvSpPr txBox="1"/>
           <p:nvPr/>
-        </p:nvPicPr>
-        <p:blipFill>
-          <a:blip r:embed="rId2"/>
-          <a:stretch>
-            <a:fillRect/>
-          </a:stretch>
-        </p:blipFill>
-        <p:spPr>
-          <a:xfrm>
-            <a:off x="1400175" y="23812"/>
-            <a:ext cx="9391650" cy="6810375"/>
+        </p:nvSpPr>
+        <p:spPr>
+          <a:xfrm>
+            <a:off x="3927445" y="3977780"/>
+            <a:ext cx="3857537" cy="923330"/>
           </a:xfrm>
           <a:prstGeom prst="rect">
             <a:avLst/>
           </a:prstGeom>
-        </p:spPr>
-      </p:pic>
+          <a:noFill/>
+        </p:spPr>
+        <p:txBody>
+          <a:bodyPr wrap="square" rtlCol="0">
+            <a:spAutoFit/>
+          </a:bodyPr>
+          <a:lstStyle/>
+          <a:p>
+            <a:r>
+              <a:rPr lang="en-GB" dirty="0">
+                <a:solidFill>
+                  <a:srgbClr val="FF0000"/>
+                </a:solidFill>
+              </a:rPr>
+              <a:t>A very “urban planning” question of how well the hotels are serving the points of interest on the island</a:t>
+            </a:r>
+          </a:p>
+        </p:txBody>
+      </p:sp>
     </p:spTree>
     <p:extLst>
       <p:ext uri="{BB962C8B-B14F-4D97-AF65-F5344CB8AC3E}">
-        <p14:creationId xmlns:p14="http://schemas.microsoft.com/office/powerpoint/2010/main" val="2712153313"/>
+        <p14:creationId xmlns:p14="http://schemas.microsoft.com/office/powerpoint/2010/main" val="3076114620"/>
       </p:ext>
     </p:extLst>
   </p:cSld>
@@ -3769,7 +5015,7 @@
           <p:cNvPr id="4" name="Picture 3">
             <a:extLst>
               <a:ext uri="{FF2B5EF4-FFF2-40B4-BE49-F238E27FC236}">
-                <a16:creationId xmlns:a16="http://schemas.microsoft.com/office/drawing/2014/main" id="{AB9B8188-B094-4A59-B1A4-CE22A106F4B5}"/>
+                <a16:creationId xmlns:a16="http://schemas.microsoft.com/office/drawing/2014/main" id="{3647500C-82D1-4C2D-B7BC-4591B7F8E2F2}"/>
               </a:ext>
             </a:extLst>
           </p:cNvPr>
@@ -3786,18 +5032,126 @@
         </p:blipFill>
         <p:spPr>
           <a:xfrm>
-            <a:off x="0" y="472972"/>
-            <a:ext cx="12192000" cy="5912055"/>
+            <a:off x="534666" y="1149291"/>
+            <a:ext cx="5190047" cy="5578765"/>
           </a:xfrm>
           <a:prstGeom prst="rect">
             <a:avLst/>
           </a:prstGeom>
         </p:spPr>
       </p:pic>
+      <p:pic>
+        <p:nvPicPr>
+          <p:cNvPr id="5" name="Picture 4">
+            <a:extLst>
+              <a:ext uri="{FF2B5EF4-FFF2-40B4-BE49-F238E27FC236}">
+                <a16:creationId xmlns:a16="http://schemas.microsoft.com/office/drawing/2014/main" id="{4031A201-1592-4B8B-B49A-0F6F0789273D}"/>
+              </a:ext>
+            </a:extLst>
+          </p:cNvPr>
+          <p:cNvPicPr>
+            <a:picLocks noChangeAspect="1"/>
+          </p:cNvPicPr>
+          <p:nvPr/>
+        </p:nvPicPr>
+        <p:blipFill>
+          <a:blip r:embed="rId3"/>
+          <a:stretch>
+            <a:fillRect/>
+          </a:stretch>
+        </p:blipFill>
+        <p:spPr>
+          <a:xfrm>
+            <a:off x="6242660" y="1149291"/>
+            <a:ext cx="4842107" cy="5578765"/>
+          </a:xfrm>
+          <a:prstGeom prst="rect">
+            <a:avLst/>
+          </a:prstGeom>
+        </p:spPr>
+      </p:pic>
+      <p:sp>
+        <p:nvSpPr>
+          <p:cNvPr id="6" name="TextBox 5">
+            <a:extLst>
+              <a:ext uri="{FF2B5EF4-FFF2-40B4-BE49-F238E27FC236}">
+                <a16:creationId xmlns:a16="http://schemas.microsoft.com/office/drawing/2014/main" id="{D217F2A5-0D80-4A87-907D-AE4CD259235E}"/>
+              </a:ext>
+            </a:extLst>
+          </p:cNvPr>
+          <p:cNvSpPr txBox="1"/>
+          <p:nvPr/>
+        </p:nvSpPr>
+        <p:spPr>
+          <a:xfrm>
+            <a:off x="1107233" y="283671"/>
+            <a:ext cx="3857537" cy="923330"/>
+          </a:xfrm>
+          <a:prstGeom prst="rect">
+            <a:avLst/>
+          </a:prstGeom>
+          <a:noFill/>
+        </p:spPr>
+        <p:txBody>
+          <a:bodyPr wrap="square" rtlCol="0">
+            <a:spAutoFit/>
+          </a:bodyPr>
+          <a:lstStyle/>
+          <a:p>
+            <a:r>
+              <a:rPr lang="en-GB" dirty="0">
+                <a:solidFill>
+                  <a:srgbClr val="FF0000"/>
+                </a:solidFill>
+              </a:rPr>
+              <a:t>The optimal location is in blue for a new hotel that would minimise distance to unconnected points</a:t>
+            </a:r>
+          </a:p>
+        </p:txBody>
+      </p:sp>
+      <p:sp>
+        <p:nvSpPr>
+          <p:cNvPr id="7" name="TextBox 6">
+            <a:extLst>
+              <a:ext uri="{FF2B5EF4-FFF2-40B4-BE49-F238E27FC236}">
+                <a16:creationId xmlns:a16="http://schemas.microsoft.com/office/drawing/2014/main" id="{BACCEF84-21A3-469B-847C-96C8525BEA4C}"/>
+              </a:ext>
+            </a:extLst>
+          </p:cNvPr>
+          <p:cNvSpPr txBox="1"/>
+          <p:nvPr/>
+        </p:nvSpPr>
+        <p:spPr>
+          <a:xfrm>
+            <a:off x="7056425" y="275125"/>
+            <a:ext cx="3857537" cy="646331"/>
+          </a:xfrm>
+          <a:prstGeom prst="rect">
+            <a:avLst/>
+          </a:prstGeom>
+          <a:noFill/>
+        </p:spPr>
+        <p:txBody>
+          <a:bodyPr wrap="square" rtlCol="0">
+            <a:spAutoFit/>
+          </a:bodyPr>
+          <a:lstStyle/>
+          <a:p>
+            <a:r>
+              <a:rPr lang="en-GB" dirty="0">
+                <a:solidFill>
+                  <a:srgbClr val="FF0000"/>
+                </a:solidFill>
+              </a:rPr>
+              <a:t>The hotel that serves the most possible points directly</a:t>
+            </a:r>
+          </a:p>
+        </p:txBody>
+      </p:sp>
     </p:spTree>
     <p:extLst>
       <p:ext uri="{BB962C8B-B14F-4D97-AF65-F5344CB8AC3E}">
-        <p14:creationId xmlns:p14="http://schemas.microsoft.com/office/powerpoint/2010/main" val="2212962032"/>
+        <p14:creationId xmlns:p14="http://schemas.microsoft.com/office/powerpoint/2010/main" val="637866062"/>
       </p:ext>
     </p:extLst>
   </p:cSld>
@@ -3829,7 +5183,7 @@
           <p:cNvPr id="2" name="Title 1">
             <a:extLst>
               <a:ext uri="{FF2B5EF4-FFF2-40B4-BE49-F238E27FC236}">
-                <a16:creationId xmlns:a16="http://schemas.microsoft.com/office/drawing/2014/main" id="{093DA359-FF00-47D4-ADDD-6DBF7630E5C1}"/>
+                <a16:creationId xmlns:a16="http://schemas.microsoft.com/office/drawing/2014/main" id="{CCA91892-09F7-4B7E-A010-8B7CDB13462C}"/>
               </a:ext>
             </a:extLst>
           </p:cNvPr>
@@ -3842,8 +5196,8 @@
         </p:nvSpPr>
         <p:spPr>
           <a:xfrm>
-            <a:off x="3112316" y="2563041"/>
-            <a:ext cx="5629013" cy="1325563"/>
+            <a:off x="3908571" y="2766218"/>
+            <a:ext cx="4908258" cy="1325563"/>
           </a:xfrm>
         </p:spPr>
         <p:txBody>
@@ -3852,7 +5206,46 @@
           <a:p>
             <a:r>
               <a:rPr lang="en-GB" dirty="0"/>
-              <a:t>Eigg Observers (2015+)</a:t>
+              <a:t>Residences vs Hotels</a:t>
+            </a:r>
+          </a:p>
+        </p:txBody>
+      </p:sp>
+      <p:sp>
+        <p:nvSpPr>
+          <p:cNvPr id="3" name="TextBox 2">
+            <a:extLst>
+              <a:ext uri="{FF2B5EF4-FFF2-40B4-BE49-F238E27FC236}">
+                <a16:creationId xmlns:a16="http://schemas.microsoft.com/office/drawing/2014/main" id="{8D0E4DFC-B2B0-457A-977A-29129F237AE4}"/>
+              </a:ext>
+            </a:extLst>
+          </p:cNvPr>
+          <p:cNvSpPr txBox="1"/>
+          <p:nvPr/>
+        </p:nvSpPr>
+        <p:spPr>
+          <a:xfrm>
+            <a:off x="4806778" y="4511722"/>
+            <a:ext cx="3857537" cy="646331"/>
+          </a:xfrm>
+          <a:prstGeom prst="rect">
+            <a:avLst/>
+          </a:prstGeom>
+          <a:noFill/>
+        </p:spPr>
+        <p:txBody>
+          <a:bodyPr wrap="square" rtlCol="0">
+            <a:spAutoFit/>
+          </a:bodyPr>
+          <a:lstStyle/>
+          <a:p>
+            <a:r>
+              <a:rPr lang="en-GB" dirty="0">
+                <a:solidFill>
+                  <a:srgbClr val="FF0000"/>
+                </a:solidFill>
+              </a:rPr>
+              <a:t>How well do hotels and residences correlate in terms of proximity?</a:t>
             </a:r>
           </a:p>
         </p:txBody>
@@ -3860,7 +5253,7 @@
     </p:spTree>
     <p:extLst>
       <p:ext uri="{BB962C8B-B14F-4D97-AF65-F5344CB8AC3E}">
-        <p14:creationId xmlns:p14="http://schemas.microsoft.com/office/powerpoint/2010/main" val="1912608616"/>
+        <p14:creationId xmlns:p14="http://schemas.microsoft.com/office/powerpoint/2010/main" val="4211726059"/>
       </p:ext>
     </p:extLst>
   </p:cSld>
@@ -3892,7 +5285,7 @@
           <p:cNvPr id="4" name="Picture 3">
             <a:extLst>
               <a:ext uri="{FF2B5EF4-FFF2-40B4-BE49-F238E27FC236}">
-                <a16:creationId xmlns:a16="http://schemas.microsoft.com/office/drawing/2014/main" id="{5D370398-9EDE-450B-BB4E-E0D4B97D55BB}"/>
+                <a16:creationId xmlns:a16="http://schemas.microsoft.com/office/drawing/2014/main" id="{5C804052-D930-4E3D-8A28-A32B9B635C62}"/>
               </a:ext>
             </a:extLst>
           </p:cNvPr>
@@ -3909,18 +5302,115 @@
         </p:blipFill>
         <p:spPr>
           <a:xfrm>
-            <a:off x="1281112" y="204787"/>
-            <a:ext cx="9629775" cy="6448425"/>
+            <a:off x="5868955" y="1343215"/>
+            <a:ext cx="5812311" cy="4040940"/>
           </a:xfrm>
           <a:prstGeom prst="rect">
             <a:avLst/>
           </a:prstGeom>
         </p:spPr>
       </p:pic>
+      <p:pic>
+        <p:nvPicPr>
+          <p:cNvPr id="5" name="Picture 4">
+            <a:extLst>
+              <a:ext uri="{FF2B5EF4-FFF2-40B4-BE49-F238E27FC236}">
+                <a16:creationId xmlns:a16="http://schemas.microsoft.com/office/drawing/2014/main" id="{A0177D14-2297-4FC0-8565-94AAC2672812}"/>
+              </a:ext>
+            </a:extLst>
+          </p:cNvPr>
+          <p:cNvPicPr>
+            <a:picLocks noChangeAspect="1"/>
+          </p:cNvPicPr>
+          <p:nvPr/>
+        </p:nvPicPr>
+        <p:blipFill rotWithShape="1">
+          <a:blip r:embed="rId3"/>
+          <a:srcRect l="32219" r="32730"/>
+          <a:stretch/>
+        </p:blipFill>
+        <p:spPr>
+          <a:xfrm>
+            <a:off x="951723" y="407658"/>
+            <a:ext cx="4273420" cy="5912055"/>
+          </a:xfrm>
+          <a:prstGeom prst="rect">
+            <a:avLst/>
+          </a:prstGeom>
+        </p:spPr>
+      </p:pic>
+      <p:sp>
+        <p:nvSpPr>
+          <p:cNvPr id="6" name="TextBox 5">
+            <a:extLst>
+              <a:ext uri="{FF2B5EF4-FFF2-40B4-BE49-F238E27FC236}">
+                <a16:creationId xmlns:a16="http://schemas.microsoft.com/office/drawing/2014/main" id="{5C7FFA63-5F89-473F-96C3-C1B069B77A7D}"/>
+              </a:ext>
+            </a:extLst>
+          </p:cNvPr>
+          <p:cNvSpPr txBox="1"/>
+          <p:nvPr/>
+        </p:nvSpPr>
+        <p:spPr>
+          <a:xfrm>
+            <a:off x="6966859" y="5514785"/>
+            <a:ext cx="3857537" cy="646331"/>
+          </a:xfrm>
+          <a:prstGeom prst="rect">
+            <a:avLst/>
+          </a:prstGeom>
+          <a:noFill/>
+        </p:spPr>
+        <p:txBody>
+          <a:bodyPr wrap="square" rtlCol="0">
+            <a:spAutoFit/>
+          </a:bodyPr>
+          <a:lstStyle/>
+          <a:p>
+            <a:r>
+              <a:rPr lang="en-GB" dirty="0">
+                <a:solidFill>
+                  <a:srgbClr val="FF0000"/>
+                </a:solidFill>
+              </a:rPr>
+              <a:t>Main 2 clusters correspond to the small towns- </a:t>
+            </a:r>
+            <a:r>
+              <a:rPr lang="en-GB" dirty="0" err="1">
+                <a:solidFill>
+                  <a:srgbClr val="FF0000"/>
+                </a:solidFill>
+              </a:rPr>
+              <a:t>Cleadale</a:t>
+            </a:r>
+            <a:r>
+              <a:rPr lang="en-GB" dirty="0">
+                <a:solidFill>
+                  <a:srgbClr val="FF0000"/>
+                </a:solidFill>
+              </a:rPr>
+              <a:t> and </a:t>
+            </a:r>
+            <a:r>
+              <a:rPr lang="en-GB" dirty="0" err="1">
+                <a:solidFill>
+                  <a:srgbClr val="FF0000"/>
+                </a:solidFill>
+              </a:rPr>
+              <a:t>Galmisdale</a:t>
+            </a:r>
+            <a:endParaRPr lang="en-GB" dirty="0">
+              <a:solidFill>
+                <a:srgbClr val="FF0000"/>
+              </a:solidFill>
+            </a:endParaRPr>
+          </a:p>
+        </p:txBody>
+      </p:sp>
     </p:spTree>
     <p:extLst>
       <p:ext uri="{BB962C8B-B14F-4D97-AF65-F5344CB8AC3E}">
-        <p14:creationId xmlns:p14="http://schemas.microsoft.com/office/powerpoint/2010/main" val="1437063930"/>
+        <p14:creationId xmlns:p14="http://schemas.microsoft.com/office/powerpoint/2010/main" val="1092328663"/>
       </p:ext>
     </p:extLst>
   </p:cSld>
@@ -3947,40 +5437,84 @@
           <a:chExt cx="0" cy="0"/>
         </a:xfrm>
       </p:grpSpPr>
-      <p:pic>
-        <p:nvPicPr>
-          <p:cNvPr id="4" name="Picture 3">
-            <a:extLst>
-              <a:ext uri="{FF2B5EF4-FFF2-40B4-BE49-F238E27FC236}">
-                <a16:creationId xmlns:a16="http://schemas.microsoft.com/office/drawing/2014/main" id="{70073D09-40DF-40F7-BED5-BD435B330846}"/>
-              </a:ext>
-            </a:extLst>
-          </p:cNvPr>
-          <p:cNvPicPr>
-            <a:picLocks noChangeAspect="1"/>
-          </p:cNvPicPr>
+      <p:sp>
+        <p:nvSpPr>
+          <p:cNvPr id="4" name="Title 1">
+            <a:extLst>
+              <a:ext uri="{FF2B5EF4-FFF2-40B4-BE49-F238E27FC236}">
+                <a16:creationId xmlns:a16="http://schemas.microsoft.com/office/drawing/2014/main" id="{A71A0D46-40EA-47D8-9CCC-3BF0E23A863D}"/>
+              </a:ext>
+            </a:extLst>
+          </p:cNvPr>
+          <p:cNvSpPr>
+            <a:spLocks noGrp="1"/>
+          </p:cNvSpPr>
+          <p:nvPr>
+            <p:ph type="title"/>
+          </p:nvPr>
+        </p:nvSpPr>
+        <p:spPr>
+          <a:xfrm>
+            <a:off x="3193059" y="2286204"/>
+            <a:ext cx="5805881" cy="1325563"/>
+          </a:xfrm>
+        </p:spPr>
+        <p:txBody>
+          <a:bodyPr>
+            <a:normAutofit fontScale="90000"/>
+          </a:bodyPr>
+          <a:lstStyle/>
+          <a:p>
+            <a:r>
+              <a:rPr lang="en-GB" dirty="0"/>
+              <a:t>Proximity/density of observations vs residences</a:t>
+            </a:r>
+          </a:p>
+        </p:txBody>
+      </p:sp>
+      <p:sp>
+        <p:nvSpPr>
+          <p:cNvPr id="3" name="TextBox 2">
+            <a:extLst>
+              <a:ext uri="{FF2B5EF4-FFF2-40B4-BE49-F238E27FC236}">
+                <a16:creationId xmlns:a16="http://schemas.microsoft.com/office/drawing/2014/main" id="{6079E4DB-7A8C-47FC-9A19-AE042C9F9BAE}"/>
+              </a:ext>
+            </a:extLst>
+          </p:cNvPr>
+          <p:cNvSpPr txBox="1"/>
           <p:nvPr/>
-        </p:nvPicPr>
-        <p:blipFill>
-          <a:blip r:embed="rId2"/>
-          <a:stretch>
-            <a:fillRect/>
-          </a:stretch>
-        </p:blipFill>
-        <p:spPr>
-          <a:xfrm>
-            <a:off x="0" y="496991"/>
-            <a:ext cx="12192000" cy="5864017"/>
+        </p:nvSpPr>
+        <p:spPr>
+          <a:xfrm>
+            <a:off x="4806778" y="4511722"/>
+            <a:ext cx="3857537" cy="923330"/>
           </a:xfrm>
           <a:prstGeom prst="rect">
             <a:avLst/>
           </a:prstGeom>
-        </p:spPr>
-      </p:pic>
+          <a:noFill/>
+        </p:spPr>
+        <p:txBody>
+          <a:bodyPr wrap="square" rtlCol="0">
+            <a:spAutoFit/>
+          </a:bodyPr>
+          <a:lstStyle/>
+          <a:p>
+            <a:r>
+              <a:rPr lang="en-GB" dirty="0">
+                <a:solidFill>
+                  <a:srgbClr val="FF0000"/>
+                </a:solidFill>
+              </a:rPr>
+              <a:t>How close are the residences to the observations? Do they cluster enough to be problematic to the nature?</a:t>
+            </a:r>
+          </a:p>
+        </p:txBody>
+      </p:sp>
     </p:spTree>
     <p:extLst>
       <p:ext uri="{BB962C8B-B14F-4D97-AF65-F5344CB8AC3E}">
-        <p14:creationId xmlns:p14="http://schemas.microsoft.com/office/powerpoint/2010/main" val="1337766495"/>
+        <p14:creationId xmlns:p14="http://schemas.microsoft.com/office/powerpoint/2010/main" val="3246840393"/>
       </p:ext>
     </p:extLst>
   </p:cSld>
@@ -4007,35 +5541,100 @@
           <a:chExt cx="0" cy="0"/>
         </a:xfrm>
       </p:grpSpPr>
-      <p:sp>
-        <p:nvSpPr>
-          <p:cNvPr id="2" name="Title 1">
-            <a:extLst>
-              <a:ext uri="{FF2B5EF4-FFF2-40B4-BE49-F238E27FC236}">
-                <a16:creationId xmlns:a16="http://schemas.microsoft.com/office/drawing/2014/main" id="{2787B4C1-ADC6-476F-A524-7DEEF923EF99}"/>
-              </a:ext>
-            </a:extLst>
-          </p:cNvPr>
-          <p:cNvSpPr>
-            <a:spLocks noGrp="1"/>
-          </p:cNvSpPr>
-          <p:nvPr>
-            <p:ph type="title"/>
-          </p:nvPr>
-        </p:nvSpPr>
-        <p:spPr>
-          <a:xfrm>
-            <a:off x="4447214" y="2571430"/>
-            <a:ext cx="3297572" cy="1325563"/>
-          </a:xfrm>
-        </p:spPr>
-        <p:txBody>
-          <a:bodyPr/>
-          <a:lstStyle/>
-          <a:p>
-            <a:r>
-              <a:rPr lang="en-GB" dirty="0"/>
-              <a:t>Business Ties</a:t>
+      <p:pic>
+        <p:nvPicPr>
+          <p:cNvPr id="4" name="Picture 3">
+            <a:extLst>
+              <a:ext uri="{FF2B5EF4-FFF2-40B4-BE49-F238E27FC236}">
+                <a16:creationId xmlns:a16="http://schemas.microsoft.com/office/drawing/2014/main" id="{A34CBCB5-7B9E-4C3E-A084-950E20F2169B}"/>
+              </a:ext>
+            </a:extLst>
+          </p:cNvPr>
+          <p:cNvPicPr>
+            <a:picLocks noChangeAspect="1"/>
+          </p:cNvPicPr>
+          <p:nvPr/>
+        </p:nvPicPr>
+        <p:blipFill rotWithShape="1">
+          <a:blip r:embed="rId2"/>
+          <a:srcRect l="34885" r="28303"/>
+          <a:stretch/>
+        </p:blipFill>
+        <p:spPr>
+          <a:xfrm>
+            <a:off x="478172" y="329374"/>
+            <a:ext cx="4488110" cy="5880469"/>
+          </a:xfrm>
+          <a:prstGeom prst="rect">
+            <a:avLst/>
+          </a:prstGeom>
+        </p:spPr>
+      </p:pic>
+      <p:pic>
+        <p:nvPicPr>
+          <p:cNvPr id="5" name="Picture 4">
+            <a:extLst>
+              <a:ext uri="{FF2B5EF4-FFF2-40B4-BE49-F238E27FC236}">
+                <a16:creationId xmlns:a16="http://schemas.microsoft.com/office/drawing/2014/main" id="{22442F06-560C-44F7-8A7D-E9163423F884}"/>
+              </a:ext>
+            </a:extLst>
+          </p:cNvPr>
+          <p:cNvPicPr>
+            <a:picLocks noChangeAspect="1"/>
+          </p:cNvPicPr>
+          <p:nvPr/>
+        </p:nvPicPr>
+        <p:blipFill>
+          <a:blip r:embed="rId3"/>
+          <a:stretch>
+            <a:fillRect/>
+          </a:stretch>
+        </p:blipFill>
+        <p:spPr>
+          <a:xfrm>
+            <a:off x="5516771" y="1314143"/>
+            <a:ext cx="6197057" cy="3910930"/>
+          </a:xfrm>
+          <a:prstGeom prst="rect">
+            <a:avLst/>
+          </a:prstGeom>
+        </p:spPr>
+      </p:pic>
+      <p:sp>
+        <p:nvSpPr>
+          <p:cNvPr id="6" name="TextBox 5">
+            <a:extLst>
+              <a:ext uri="{FF2B5EF4-FFF2-40B4-BE49-F238E27FC236}">
+                <a16:creationId xmlns:a16="http://schemas.microsoft.com/office/drawing/2014/main" id="{32FC9B6E-1322-4A97-A026-8C5B48CE4F79}"/>
+              </a:ext>
+            </a:extLst>
+          </p:cNvPr>
+          <p:cNvSpPr txBox="1"/>
+          <p:nvPr/>
+        </p:nvSpPr>
+        <p:spPr>
+          <a:xfrm>
+            <a:off x="6096000" y="5711348"/>
+            <a:ext cx="3857537" cy="646331"/>
+          </a:xfrm>
+          <a:prstGeom prst="rect">
+            <a:avLst/>
+          </a:prstGeom>
+          <a:noFill/>
+        </p:spPr>
+        <p:txBody>
+          <a:bodyPr wrap="square" rtlCol="0">
+            <a:spAutoFit/>
+          </a:bodyPr>
+          <a:lstStyle/>
+          <a:p>
+            <a:r>
+              <a:rPr lang="en-GB" dirty="0">
+                <a:solidFill>
+                  <a:srgbClr val="FF0000"/>
+                </a:solidFill>
+              </a:rPr>
+              <a:t>There is a lot of nature that is not in a reasonable proximity of the residences.</a:t>
             </a:r>
           </a:p>
         </p:txBody>
@@ -4043,7 +5642,7 @@
     </p:spTree>
     <p:extLst>
       <p:ext uri="{BB962C8B-B14F-4D97-AF65-F5344CB8AC3E}">
-        <p14:creationId xmlns:p14="http://schemas.microsoft.com/office/powerpoint/2010/main" val="840213054"/>
+        <p14:creationId xmlns:p14="http://schemas.microsoft.com/office/powerpoint/2010/main" val="734471834"/>
       </p:ext>
     </p:extLst>
   </p:cSld>
@@ -4070,40 +5669,82 @@
           <a:chExt cx="0" cy="0"/>
         </a:xfrm>
       </p:grpSpPr>
-      <p:pic>
-        <p:nvPicPr>
-          <p:cNvPr id="4" name="Picture 3">
-            <a:extLst>
-              <a:ext uri="{FF2B5EF4-FFF2-40B4-BE49-F238E27FC236}">
-                <a16:creationId xmlns:a16="http://schemas.microsoft.com/office/drawing/2014/main" id="{AD14A886-9D61-47D1-980F-82FCDEE1FD16}"/>
-              </a:ext>
-            </a:extLst>
-          </p:cNvPr>
-          <p:cNvPicPr>
-            <a:picLocks noChangeAspect="1"/>
-          </p:cNvPicPr>
+      <p:sp>
+        <p:nvSpPr>
+          <p:cNvPr id="2" name="Title 1">
+            <a:extLst>
+              <a:ext uri="{FF2B5EF4-FFF2-40B4-BE49-F238E27FC236}">
+                <a16:creationId xmlns:a16="http://schemas.microsoft.com/office/drawing/2014/main" id="{73E0E955-CC9C-446C-9B71-C21E8FE142C1}"/>
+              </a:ext>
+            </a:extLst>
+          </p:cNvPr>
+          <p:cNvSpPr>
+            <a:spLocks noGrp="1"/>
+          </p:cNvSpPr>
+          <p:nvPr>
+            <p:ph type="title"/>
+          </p:nvPr>
+        </p:nvSpPr>
+        <p:spPr>
+          <a:xfrm>
+            <a:off x="3193059" y="2286204"/>
+            <a:ext cx="5805881" cy="1325563"/>
+          </a:xfrm>
+        </p:spPr>
+        <p:txBody>
+          <a:bodyPr/>
+          <a:lstStyle/>
+          <a:p>
+            <a:r>
+              <a:rPr lang="en-GB" dirty="0"/>
+              <a:t>Food webs (2015+ data) &amp; locations</a:t>
+            </a:r>
+          </a:p>
+        </p:txBody>
+      </p:sp>
+      <p:sp>
+        <p:nvSpPr>
+          <p:cNvPr id="3" name="TextBox 2">
+            <a:extLst>
+              <a:ext uri="{FF2B5EF4-FFF2-40B4-BE49-F238E27FC236}">
+                <a16:creationId xmlns:a16="http://schemas.microsoft.com/office/drawing/2014/main" id="{CE1F78F8-4600-451C-93F0-21E285E07691}"/>
+              </a:ext>
+            </a:extLst>
+          </p:cNvPr>
+          <p:cNvSpPr txBox="1"/>
           <p:nvPr/>
-        </p:nvPicPr>
-        <p:blipFill>
-          <a:blip r:embed="rId2"/>
-          <a:stretch>
-            <a:fillRect/>
-          </a:stretch>
-        </p:blipFill>
-        <p:spPr>
-          <a:xfrm>
-            <a:off x="0" y="527989"/>
-            <a:ext cx="12192000" cy="5802022"/>
+        </p:nvSpPr>
+        <p:spPr>
+          <a:xfrm>
+            <a:off x="4739780" y="4077050"/>
+            <a:ext cx="2357306" cy="923330"/>
           </a:xfrm>
           <a:prstGeom prst="rect">
             <a:avLst/>
           </a:prstGeom>
-        </p:spPr>
-      </p:pic>
+          <a:noFill/>
+        </p:spPr>
+        <p:txBody>
+          <a:bodyPr wrap="square" rtlCol="0">
+            <a:spAutoFit/>
+          </a:bodyPr>
+          <a:lstStyle/>
+          <a:p>
+            <a:r>
+              <a:rPr lang="en-GB" dirty="0">
+                <a:solidFill>
+                  <a:srgbClr val="FF0000"/>
+                </a:solidFill>
+              </a:rPr>
+              <a:t>Here is some simple analysis from the Eigg ecological dataset</a:t>
+            </a:r>
+          </a:p>
+        </p:txBody>
+      </p:sp>
     </p:spTree>
     <p:extLst>
       <p:ext uri="{BB962C8B-B14F-4D97-AF65-F5344CB8AC3E}">
-        <p14:creationId xmlns:p14="http://schemas.microsoft.com/office/powerpoint/2010/main" val="2864859640"/>
+        <p14:creationId xmlns:p14="http://schemas.microsoft.com/office/powerpoint/2010/main" val="3587614050"/>
       </p:ext>
     </p:extLst>
   </p:cSld>
@@ -4130,40 +5771,109 @@
           <a:chExt cx="0" cy="0"/>
         </a:xfrm>
       </p:grpSpPr>
-      <p:pic>
-        <p:nvPicPr>
-          <p:cNvPr id="4" name="Picture 3">
-            <a:extLst>
-              <a:ext uri="{FF2B5EF4-FFF2-40B4-BE49-F238E27FC236}">
-                <a16:creationId xmlns:a16="http://schemas.microsoft.com/office/drawing/2014/main" id="{D90B3FD8-D537-48F8-8E7E-CB2894C8BA6B}"/>
-              </a:ext>
-            </a:extLst>
-          </p:cNvPr>
-          <p:cNvPicPr>
-            <a:picLocks noChangeAspect="1"/>
-          </p:cNvPicPr>
+      <p:sp>
+        <p:nvSpPr>
+          <p:cNvPr id="2" name="Title 1">
+            <a:extLst>
+              <a:ext uri="{FF2B5EF4-FFF2-40B4-BE49-F238E27FC236}">
+                <a16:creationId xmlns:a16="http://schemas.microsoft.com/office/drawing/2014/main" id="{2787B4C1-ADC6-476F-A524-7DEEF923EF99}"/>
+              </a:ext>
+            </a:extLst>
+          </p:cNvPr>
+          <p:cNvSpPr>
+            <a:spLocks noGrp="1"/>
+          </p:cNvSpPr>
+          <p:nvPr>
+            <p:ph type="title"/>
+          </p:nvPr>
+        </p:nvSpPr>
+        <p:spPr>
+          <a:xfrm>
+            <a:off x="4447214" y="2571430"/>
+            <a:ext cx="3297572" cy="1325563"/>
+          </a:xfrm>
+        </p:spPr>
+        <p:txBody>
+          <a:bodyPr/>
+          <a:lstStyle/>
+          <a:p>
+            <a:r>
+              <a:rPr lang="en-GB" dirty="0"/>
+              <a:t>Business Ties</a:t>
+            </a:r>
+          </a:p>
+        </p:txBody>
+      </p:sp>
+      <p:sp>
+        <p:nvSpPr>
+          <p:cNvPr id="3" name="TextBox 2">
+            <a:extLst>
+              <a:ext uri="{FF2B5EF4-FFF2-40B4-BE49-F238E27FC236}">
+                <a16:creationId xmlns:a16="http://schemas.microsoft.com/office/drawing/2014/main" id="{2B9AE81C-B2C6-41F7-903A-8427C1FA7D4C}"/>
+              </a:ext>
+            </a:extLst>
+          </p:cNvPr>
+          <p:cNvSpPr txBox="1"/>
           <p:nvPr/>
-        </p:nvPicPr>
-        <p:blipFill>
-          <a:blip r:embed="rId2"/>
-          <a:stretch>
-            <a:fillRect/>
-          </a:stretch>
-        </p:blipFill>
-        <p:spPr>
-          <a:xfrm>
-            <a:off x="0" y="451275"/>
-            <a:ext cx="12192000" cy="5955449"/>
+        </p:nvSpPr>
+        <p:spPr>
+          <a:xfrm>
+            <a:off x="4447214" y="4461388"/>
+            <a:ext cx="3857537" cy="1754326"/>
           </a:xfrm>
           <a:prstGeom prst="rect">
             <a:avLst/>
           </a:prstGeom>
-        </p:spPr>
-      </p:pic>
+          <a:noFill/>
+        </p:spPr>
+        <p:txBody>
+          <a:bodyPr wrap="square" rtlCol="0">
+            <a:spAutoFit/>
+          </a:bodyPr>
+          <a:lstStyle/>
+          <a:p>
+            <a:r>
+              <a:rPr lang="en-GB" dirty="0">
+                <a:solidFill>
+                  <a:srgbClr val="FF0000"/>
+                </a:solidFill>
+              </a:rPr>
+              <a:t>The below business network is defined as follows:</a:t>
+            </a:r>
+          </a:p>
+          <a:p>
+            <a:endParaRPr lang="en-GB" dirty="0">
+              <a:solidFill>
+                <a:srgbClr val="FF0000"/>
+              </a:solidFill>
+            </a:endParaRPr>
+          </a:p>
+          <a:p>
+            <a:r>
+              <a:rPr lang="en-GB" dirty="0">
+                <a:solidFill>
+                  <a:srgbClr val="FF0000"/>
+                </a:solidFill>
+              </a:rPr>
+              <a:t>Node =&gt; Eigg Resident</a:t>
+            </a:r>
+          </a:p>
+          <a:p>
+            <a:r>
+              <a:rPr lang="en-GB" dirty="0">
+                <a:solidFill>
+                  <a:srgbClr val="FF0000"/>
+                </a:solidFill>
+              </a:rPr>
+              <a:t>Edge =&gt; Are involved in some kind of mutual business</a:t>
+            </a:r>
+          </a:p>
+        </p:txBody>
+      </p:sp>
     </p:spTree>
     <p:extLst>
       <p:ext uri="{BB962C8B-B14F-4D97-AF65-F5344CB8AC3E}">
-        <p14:creationId xmlns:p14="http://schemas.microsoft.com/office/powerpoint/2010/main" val="1836801972"/>
+        <p14:creationId xmlns:p14="http://schemas.microsoft.com/office/powerpoint/2010/main" val="840213054"/>
       </p:ext>
     </p:extLst>
   </p:cSld>
@@ -4190,35 +5900,100 @@
           <a:chExt cx="0" cy="0"/>
         </a:xfrm>
       </p:grpSpPr>
-      <p:sp>
-        <p:nvSpPr>
-          <p:cNvPr id="2" name="Title 1">
-            <a:extLst>
-              <a:ext uri="{FF2B5EF4-FFF2-40B4-BE49-F238E27FC236}">
-                <a16:creationId xmlns:a16="http://schemas.microsoft.com/office/drawing/2014/main" id="{384E694F-7694-4687-B8FD-A4F8C0DD0A89}"/>
-              </a:ext>
-            </a:extLst>
-          </p:cNvPr>
-          <p:cNvSpPr>
-            <a:spLocks noGrp="1"/>
-          </p:cNvSpPr>
-          <p:nvPr>
-            <p:ph type="title"/>
-          </p:nvPr>
-        </p:nvSpPr>
-        <p:spPr>
-          <a:xfrm>
-            <a:off x="4229100" y="2529485"/>
-            <a:ext cx="3733800" cy="1325563"/>
-          </a:xfrm>
-        </p:spPr>
-        <p:txBody>
-          <a:bodyPr/>
-          <a:lstStyle/>
-          <a:p>
-            <a:r>
-              <a:rPr lang="en-GB" dirty="0"/>
-              <a:t>Business vs Eco</a:t>
+      <p:pic>
+        <p:nvPicPr>
+          <p:cNvPr id="4" name="Picture 3">
+            <a:extLst>
+              <a:ext uri="{FF2B5EF4-FFF2-40B4-BE49-F238E27FC236}">
+                <a16:creationId xmlns:a16="http://schemas.microsoft.com/office/drawing/2014/main" id="{D90B3FD8-D537-48F8-8E7E-CB2894C8BA6B}"/>
+              </a:ext>
+            </a:extLst>
+          </p:cNvPr>
+          <p:cNvPicPr>
+            <a:picLocks noChangeAspect="1"/>
+          </p:cNvPicPr>
+          <p:nvPr/>
+        </p:nvPicPr>
+        <p:blipFill rotWithShape="1">
+          <a:blip r:embed="rId2"/>
+          <a:srcRect l="34267" t="5523" r="32362" b="3339"/>
+          <a:stretch/>
+        </p:blipFill>
+        <p:spPr>
+          <a:xfrm>
+            <a:off x="129139" y="215063"/>
+            <a:ext cx="4068662" cy="5427677"/>
+          </a:xfrm>
+          <a:prstGeom prst="rect">
+            <a:avLst/>
+          </a:prstGeom>
+        </p:spPr>
+      </p:pic>
+      <p:pic>
+        <p:nvPicPr>
+          <p:cNvPr id="6" name="Picture 5">
+            <a:extLst>
+              <a:ext uri="{FF2B5EF4-FFF2-40B4-BE49-F238E27FC236}">
+                <a16:creationId xmlns:a16="http://schemas.microsoft.com/office/drawing/2014/main" id="{2C5E1293-2558-400F-B91D-EA576459EE1D}"/>
+              </a:ext>
+            </a:extLst>
+          </p:cNvPr>
+          <p:cNvPicPr>
+            <a:picLocks noChangeAspect="1"/>
+          </p:cNvPicPr>
+          <p:nvPr/>
+        </p:nvPicPr>
+        <p:blipFill>
+          <a:blip r:embed="rId3"/>
+          <a:stretch>
+            <a:fillRect/>
+          </a:stretch>
+        </p:blipFill>
+        <p:spPr>
+          <a:xfrm>
+            <a:off x="4645890" y="822740"/>
+            <a:ext cx="7045493" cy="5212519"/>
+          </a:xfrm>
+          <a:prstGeom prst="rect">
+            <a:avLst/>
+          </a:prstGeom>
+        </p:spPr>
+      </p:pic>
+      <p:sp>
+        <p:nvSpPr>
+          <p:cNvPr id="5" name="TextBox 4">
+            <a:extLst>
+              <a:ext uri="{FF2B5EF4-FFF2-40B4-BE49-F238E27FC236}">
+                <a16:creationId xmlns:a16="http://schemas.microsoft.com/office/drawing/2014/main" id="{11E99D16-12D5-4EFB-BD52-584624F6C37A}"/>
+              </a:ext>
+            </a:extLst>
+          </p:cNvPr>
+          <p:cNvSpPr txBox="1"/>
+          <p:nvPr/>
+        </p:nvSpPr>
+        <p:spPr>
+          <a:xfrm>
+            <a:off x="4462829" y="5286018"/>
+            <a:ext cx="4647615" cy="1200329"/>
+          </a:xfrm>
+          <a:prstGeom prst="rect">
+            <a:avLst/>
+          </a:prstGeom>
+          <a:noFill/>
+        </p:spPr>
+        <p:txBody>
+          <a:bodyPr wrap="square" rtlCol="0">
+            <a:spAutoFit/>
+          </a:bodyPr>
+          <a:lstStyle/>
+          <a:p>
+            <a:r>
+              <a:rPr lang="en-GB" dirty="0">
+                <a:solidFill>
+                  <a:srgbClr val="FF0000"/>
+                </a:solidFill>
+              </a:rPr>
+              <a:t>Notice the ~10 key players in the network that are responsible for causing the large component, and the smaller component to the right (essentially people running the craft shop)</a:t>
             </a:r>
           </a:p>
         </p:txBody>
@@ -4226,7 +6001,7 @@
     </p:spTree>
     <p:extLst>
       <p:ext uri="{BB962C8B-B14F-4D97-AF65-F5344CB8AC3E}">
-        <p14:creationId xmlns:p14="http://schemas.microsoft.com/office/powerpoint/2010/main" val="2172512650"/>
+        <p14:creationId xmlns:p14="http://schemas.microsoft.com/office/powerpoint/2010/main" val="1836801972"/>
       </p:ext>
     </p:extLst>
   </p:cSld>
@@ -4253,40 +6028,82 @@
           <a:chExt cx="0" cy="0"/>
         </a:xfrm>
       </p:grpSpPr>
-      <p:pic>
-        <p:nvPicPr>
-          <p:cNvPr id="4" name="Picture 3">
-            <a:extLst>
-              <a:ext uri="{FF2B5EF4-FFF2-40B4-BE49-F238E27FC236}">
-                <a16:creationId xmlns:a16="http://schemas.microsoft.com/office/drawing/2014/main" id="{0608CC29-BF04-4675-AEFA-FF50D1A3713E}"/>
-              </a:ext>
-            </a:extLst>
-          </p:cNvPr>
-          <p:cNvPicPr>
-            <a:picLocks noChangeAspect="1"/>
-          </p:cNvPicPr>
+      <p:sp>
+        <p:nvSpPr>
+          <p:cNvPr id="2" name="Title 1">
+            <a:extLst>
+              <a:ext uri="{FF2B5EF4-FFF2-40B4-BE49-F238E27FC236}">
+                <a16:creationId xmlns:a16="http://schemas.microsoft.com/office/drawing/2014/main" id="{384E694F-7694-4687-B8FD-A4F8C0DD0A89}"/>
+              </a:ext>
+            </a:extLst>
+          </p:cNvPr>
+          <p:cNvSpPr>
+            <a:spLocks noGrp="1"/>
+          </p:cNvSpPr>
+          <p:nvPr>
+            <p:ph type="title"/>
+          </p:nvPr>
+        </p:nvSpPr>
+        <p:spPr>
+          <a:xfrm>
+            <a:off x="4229100" y="2529485"/>
+            <a:ext cx="3733800" cy="1325563"/>
+          </a:xfrm>
+        </p:spPr>
+        <p:txBody>
+          <a:bodyPr/>
+          <a:lstStyle/>
+          <a:p>
+            <a:r>
+              <a:rPr lang="en-GB" dirty="0"/>
+              <a:t>Business vs Eco</a:t>
+            </a:r>
+          </a:p>
+        </p:txBody>
+      </p:sp>
+      <p:sp>
+        <p:nvSpPr>
+          <p:cNvPr id="3" name="TextBox 2">
+            <a:extLst>
+              <a:ext uri="{FF2B5EF4-FFF2-40B4-BE49-F238E27FC236}">
+                <a16:creationId xmlns:a16="http://schemas.microsoft.com/office/drawing/2014/main" id="{728E5EA4-BC01-4D57-A1FA-E0E900ECD19E}"/>
+              </a:ext>
+            </a:extLst>
+          </p:cNvPr>
+          <p:cNvSpPr txBox="1"/>
           <p:nvPr/>
-        </p:nvPicPr>
-        <p:blipFill>
-          <a:blip r:embed="rId2"/>
-          <a:stretch>
-            <a:fillRect/>
-          </a:stretch>
-        </p:blipFill>
-        <p:spPr>
-          <a:xfrm>
-            <a:off x="0" y="481093"/>
-            <a:ext cx="12192000" cy="5895814"/>
+        </p:nvSpPr>
+        <p:spPr>
+          <a:xfrm>
+            <a:off x="4105363" y="4461388"/>
+            <a:ext cx="3857537" cy="646331"/>
           </a:xfrm>
           <a:prstGeom prst="rect">
             <a:avLst/>
           </a:prstGeom>
-        </p:spPr>
-      </p:pic>
+          <a:noFill/>
+        </p:spPr>
+        <p:txBody>
+          <a:bodyPr wrap="square" rtlCol="0">
+            <a:spAutoFit/>
+          </a:bodyPr>
+          <a:lstStyle/>
+          <a:p>
+            <a:r>
+              <a:rPr lang="en-GB" dirty="0">
+                <a:solidFill>
+                  <a:srgbClr val="FF0000"/>
+                </a:solidFill>
+              </a:rPr>
+              <a:t>An example of correlating 2 networks together on the map</a:t>
+            </a:r>
+          </a:p>
+        </p:txBody>
+      </p:sp>
     </p:spTree>
     <p:extLst>
       <p:ext uri="{BB962C8B-B14F-4D97-AF65-F5344CB8AC3E}">
-        <p14:creationId xmlns:p14="http://schemas.microsoft.com/office/powerpoint/2010/main" val="2873272557"/>
+        <p14:creationId xmlns:p14="http://schemas.microsoft.com/office/powerpoint/2010/main" val="2172512650"/>
       </p:ext>
     </p:extLst>
   </p:cSld>
@@ -4318,7 +6135,7 @@
           <p:cNvPr id="4" name="Picture 3">
             <a:extLst>
               <a:ext uri="{FF2B5EF4-FFF2-40B4-BE49-F238E27FC236}">
-                <a16:creationId xmlns:a16="http://schemas.microsoft.com/office/drawing/2014/main" id="{C14ADA3D-BAFC-4CBC-85C8-B118CF6DD665}"/>
+                <a16:creationId xmlns:a16="http://schemas.microsoft.com/office/drawing/2014/main" id="{0608CC29-BF04-4675-AEFA-FF50D1A3713E}"/>
               </a:ext>
             </a:extLst>
           </p:cNvPr>
@@ -4335,8 +6152,8 @@
         </p:blipFill>
         <p:spPr>
           <a:xfrm>
-            <a:off x="1702965" y="880844"/>
-            <a:ext cx="9134801" cy="5977156"/>
+            <a:off x="0" y="481093"/>
+            <a:ext cx="12192000" cy="5895814"/>
           </a:xfrm>
           <a:prstGeom prst="rect">
             <a:avLst/>
@@ -4345,10 +6162,10 @@
       </p:pic>
       <p:sp>
         <p:nvSpPr>
-          <p:cNvPr id="5" name="TextBox 4">
-            <a:extLst>
-              <a:ext uri="{FF2B5EF4-FFF2-40B4-BE49-F238E27FC236}">
-                <a16:creationId xmlns:a16="http://schemas.microsoft.com/office/drawing/2014/main" id="{AA39145E-FBF6-4726-9FA1-1909187DA1A6}"/>
+          <p:cNvPr id="3" name="TextBox 2">
+            <a:extLst>
+              <a:ext uri="{FF2B5EF4-FFF2-40B4-BE49-F238E27FC236}">
+                <a16:creationId xmlns:a16="http://schemas.microsoft.com/office/drawing/2014/main" id="{2FF9065F-FB31-445B-9CBD-5718A6CCB872}"/>
               </a:ext>
             </a:extLst>
           </p:cNvPr>
@@ -4357,8 +6174,8 @@
         </p:nvSpPr>
         <p:spPr>
           <a:xfrm>
-            <a:off x="5461234" y="335560"/>
-            <a:ext cx="1744910" cy="369332"/>
+            <a:off x="201222" y="4729836"/>
+            <a:ext cx="3857537" cy="1200329"/>
           </a:xfrm>
           <a:prstGeom prst="rect">
             <a:avLst/>
@@ -4372,8 +6189,146 @@
           <a:lstStyle/>
           <a:p>
             <a:r>
+              <a:rPr lang="en-GB" dirty="0">
+                <a:solidFill>
+                  <a:srgbClr val="FF0000"/>
+                </a:solidFill>
+              </a:rPr>
+              <a:t>The most interesting thing this chart shows us that most (recent) observations are in the towns, as are all the businesses (as we’d expect)</a:t>
+            </a:r>
+          </a:p>
+        </p:txBody>
+      </p:sp>
+    </p:spTree>
+    <p:extLst>
+      <p:ext uri="{BB962C8B-B14F-4D97-AF65-F5344CB8AC3E}">
+        <p14:creationId xmlns:p14="http://schemas.microsoft.com/office/powerpoint/2010/main" val="2873272557"/>
+      </p:ext>
+    </p:extLst>
+  </p:cSld>
+  <p:clrMapOvr>
+    <a:masterClrMapping/>
+  </p:clrMapOvr>
+</p:sld>
+</file>
+
+<file path=ppt/slides/slide24.xml><?xml version="1.0" encoding="utf-8"?>
+<p:sld xmlns:a="http://schemas.openxmlformats.org/drawingml/2006/main" xmlns:r="http://schemas.openxmlformats.org/officeDocument/2006/relationships" xmlns:p="http://schemas.openxmlformats.org/presentationml/2006/main">
+  <p:cSld>
+    <p:spTree>
+      <p:nvGrpSpPr>
+        <p:cNvPr id="1" name=""/>
+        <p:cNvGrpSpPr/>
+        <p:nvPr/>
+      </p:nvGrpSpPr>
+      <p:grpSpPr>
+        <a:xfrm>
+          <a:off x="0" y="0"/>
+          <a:ext cx="0" cy="0"/>
+          <a:chOff x="0" y="0"/>
+          <a:chExt cx="0" cy="0"/>
+        </a:xfrm>
+      </p:grpSpPr>
+      <p:pic>
+        <p:nvPicPr>
+          <p:cNvPr id="4" name="Picture 3">
+            <a:extLst>
+              <a:ext uri="{FF2B5EF4-FFF2-40B4-BE49-F238E27FC236}">
+                <a16:creationId xmlns:a16="http://schemas.microsoft.com/office/drawing/2014/main" id="{C14ADA3D-BAFC-4CBC-85C8-B118CF6DD665}"/>
+              </a:ext>
+            </a:extLst>
+          </p:cNvPr>
+          <p:cNvPicPr>
+            <a:picLocks noChangeAspect="1"/>
+          </p:cNvPicPr>
+          <p:nvPr/>
+        </p:nvPicPr>
+        <p:blipFill>
+          <a:blip r:embed="rId2"/>
+          <a:stretch>
+            <a:fillRect/>
+          </a:stretch>
+        </p:blipFill>
+        <p:spPr>
+          <a:xfrm>
+            <a:off x="1702965" y="880844"/>
+            <a:ext cx="9134801" cy="5977156"/>
+          </a:xfrm>
+          <a:prstGeom prst="rect">
+            <a:avLst/>
+          </a:prstGeom>
+        </p:spPr>
+      </p:pic>
+      <p:sp>
+        <p:nvSpPr>
+          <p:cNvPr id="5" name="TextBox 4">
+            <a:extLst>
+              <a:ext uri="{FF2B5EF4-FFF2-40B4-BE49-F238E27FC236}">
+                <a16:creationId xmlns:a16="http://schemas.microsoft.com/office/drawing/2014/main" id="{AA39145E-FBF6-4726-9FA1-1909187DA1A6}"/>
+              </a:ext>
+            </a:extLst>
+          </p:cNvPr>
+          <p:cNvSpPr txBox="1"/>
+          <p:nvPr/>
+        </p:nvSpPr>
+        <p:spPr>
+          <a:xfrm>
+            <a:off x="5461234" y="335560"/>
+            <a:ext cx="1744910" cy="369332"/>
+          </a:xfrm>
+          <a:prstGeom prst="rect">
+            <a:avLst/>
+          </a:prstGeom>
+          <a:noFill/>
+        </p:spPr>
+        <p:txBody>
+          <a:bodyPr wrap="square" rtlCol="0">
+            <a:spAutoFit/>
+          </a:bodyPr>
+          <a:lstStyle/>
+          <a:p>
+            <a:r>
               <a:rPr lang="en-GB" dirty="0"/>
               <a:t>Investigate this?</a:t>
+            </a:r>
+          </a:p>
+        </p:txBody>
+      </p:sp>
+      <p:sp>
+        <p:nvSpPr>
+          <p:cNvPr id="6" name="TextBox 5">
+            <a:extLst>
+              <a:ext uri="{FF2B5EF4-FFF2-40B4-BE49-F238E27FC236}">
+                <a16:creationId xmlns:a16="http://schemas.microsoft.com/office/drawing/2014/main" id="{4715592D-8ABC-41E1-966F-987462CCFBB3}"/>
+              </a:ext>
+            </a:extLst>
+          </p:cNvPr>
+          <p:cNvSpPr txBox="1"/>
+          <p:nvPr/>
+        </p:nvSpPr>
+        <p:spPr>
+          <a:xfrm>
+            <a:off x="2541750" y="1818856"/>
+            <a:ext cx="3857537" cy="1200329"/>
+          </a:xfrm>
+          <a:prstGeom prst="rect">
+            <a:avLst/>
+          </a:prstGeom>
+          <a:noFill/>
+        </p:spPr>
+        <p:txBody>
+          <a:bodyPr wrap="square" rtlCol="0">
+            <a:spAutoFit/>
+          </a:bodyPr>
+          <a:lstStyle/>
+          <a:p>
+            <a:r>
+              <a:rPr lang="en-GB" dirty="0">
+                <a:solidFill>
+                  <a:srgbClr val="FF0000"/>
+                </a:solidFill>
+              </a:rPr>
+              <a:t>As per Jane’s suggestion, I will investigate the impact on number of recorded species made by the spike at 1997, and any reasons I can find for it</a:t>
             </a:r>
           </a:p>
         </p:txBody>
@@ -4382,6 +6337,1085 @@
     <p:extLst>
       <p:ext uri="{BB962C8B-B14F-4D97-AF65-F5344CB8AC3E}">
         <p14:creationId xmlns:p14="http://schemas.microsoft.com/office/powerpoint/2010/main" val="2366252243"/>
+      </p:ext>
+    </p:extLst>
+  </p:cSld>
+  <p:clrMapOvr>
+    <a:masterClrMapping/>
+  </p:clrMapOvr>
+</p:sld>
+</file>
+
+<file path=ppt/slides/slide25.xml><?xml version="1.0" encoding="utf-8"?>
+<p:sld xmlns:a="http://schemas.openxmlformats.org/drawingml/2006/main" xmlns:r="http://schemas.openxmlformats.org/officeDocument/2006/relationships" xmlns:p="http://schemas.openxmlformats.org/presentationml/2006/main">
+  <p:cSld>
+    <p:spTree>
+      <p:nvGrpSpPr>
+        <p:cNvPr id="1" name=""/>
+        <p:cNvGrpSpPr/>
+        <p:nvPr/>
+      </p:nvGrpSpPr>
+      <p:grpSpPr>
+        <a:xfrm>
+          <a:off x="0" y="0"/>
+          <a:ext cx="0" cy="0"/>
+          <a:chOff x="0" y="0"/>
+          <a:chExt cx="0" cy="0"/>
+        </a:xfrm>
+      </p:grpSpPr>
+      <p:sp>
+        <p:nvSpPr>
+          <p:cNvPr id="2" name="Title 1">
+            <a:extLst>
+              <a:ext uri="{FF2B5EF4-FFF2-40B4-BE49-F238E27FC236}">
+                <a16:creationId xmlns:a16="http://schemas.microsoft.com/office/drawing/2014/main" id="{6AA1ACE6-E8F2-4921-9155-9BA250F78C99}"/>
+              </a:ext>
+            </a:extLst>
+          </p:cNvPr>
+          <p:cNvSpPr>
+            <a:spLocks noGrp="1"/>
+          </p:cNvSpPr>
+          <p:nvPr>
+            <p:ph type="title"/>
+          </p:nvPr>
+        </p:nvSpPr>
+        <p:spPr>
+          <a:xfrm>
+            <a:off x="4791162" y="381903"/>
+            <a:ext cx="2609675" cy="1325563"/>
+          </a:xfrm>
+        </p:spPr>
+        <p:txBody>
+          <a:bodyPr/>
+          <a:lstStyle/>
+          <a:p>
+            <a:r>
+              <a:rPr lang="en-GB" dirty="0"/>
+              <a:t>Modelling</a:t>
+            </a:r>
+          </a:p>
+        </p:txBody>
+      </p:sp>
+      <p:sp>
+        <p:nvSpPr>
+          <p:cNvPr id="3" name="TextBox 2">
+            <a:extLst>
+              <a:ext uri="{FF2B5EF4-FFF2-40B4-BE49-F238E27FC236}">
+                <a16:creationId xmlns:a16="http://schemas.microsoft.com/office/drawing/2014/main" id="{5F280401-C497-4B1D-B841-4D6091948978}"/>
+              </a:ext>
+            </a:extLst>
+          </p:cNvPr>
+          <p:cNvSpPr txBox="1"/>
+          <p:nvPr/>
+        </p:nvSpPr>
+        <p:spPr>
+          <a:xfrm>
+            <a:off x="4496385" y="3320485"/>
+            <a:ext cx="3857537" cy="646331"/>
+          </a:xfrm>
+          <a:prstGeom prst="rect">
+            <a:avLst/>
+          </a:prstGeom>
+          <a:noFill/>
+        </p:spPr>
+        <p:txBody>
+          <a:bodyPr wrap="square" rtlCol="0">
+            <a:spAutoFit/>
+          </a:bodyPr>
+          <a:lstStyle/>
+          <a:p>
+            <a:r>
+              <a:rPr lang="en-GB" dirty="0">
+                <a:solidFill>
+                  <a:srgbClr val="FF0000"/>
+                </a:solidFill>
+              </a:rPr>
+              <a:t>Some preliminary models and inference from the data</a:t>
+            </a:r>
+          </a:p>
+        </p:txBody>
+      </p:sp>
+    </p:spTree>
+    <p:extLst>
+      <p:ext uri="{BB962C8B-B14F-4D97-AF65-F5344CB8AC3E}">
+        <p14:creationId xmlns:p14="http://schemas.microsoft.com/office/powerpoint/2010/main" val="2876952806"/>
+      </p:ext>
+    </p:extLst>
+  </p:cSld>
+  <p:clrMapOvr>
+    <a:masterClrMapping/>
+  </p:clrMapOvr>
+</p:sld>
+</file>
+
+<file path=ppt/slides/slide26.xml><?xml version="1.0" encoding="utf-8"?>
+<p:sld xmlns:a="http://schemas.openxmlformats.org/drawingml/2006/main" xmlns:r="http://schemas.openxmlformats.org/officeDocument/2006/relationships" xmlns:p="http://schemas.openxmlformats.org/presentationml/2006/main">
+  <p:cSld>
+    <p:spTree>
+      <p:nvGrpSpPr>
+        <p:cNvPr id="1" name=""/>
+        <p:cNvGrpSpPr/>
+        <p:nvPr/>
+      </p:nvGrpSpPr>
+      <p:grpSpPr>
+        <a:xfrm>
+          <a:off x="0" y="0"/>
+          <a:ext cx="0" cy="0"/>
+          <a:chOff x="0" y="0"/>
+          <a:chExt cx="0" cy="0"/>
+        </a:xfrm>
+      </p:grpSpPr>
+      <p:sp>
+        <p:nvSpPr>
+          <p:cNvPr id="2" name="Title 1">
+            <a:extLst>
+              <a:ext uri="{FF2B5EF4-FFF2-40B4-BE49-F238E27FC236}">
+                <a16:creationId xmlns:a16="http://schemas.microsoft.com/office/drawing/2014/main" id="{B653C4F1-C034-42CD-B3A0-8CC4A8D83151}"/>
+              </a:ext>
+            </a:extLst>
+          </p:cNvPr>
+          <p:cNvSpPr>
+            <a:spLocks noGrp="1"/>
+          </p:cNvSpPr>
+          <p:nvPr>
+            <p:ph type="title"/>
+          </p:nvPr>
+        </p:nvSpPr>
+        <p:spPr>
+          <a:xfrm>
+            <a:off x="2081518" y="2512706"/>
+            <a:ext cx="8028963" cy="1325563"/>
+          </a:xfrm>
+        </p:spPr>
+        <p:txBody>
+          <a:bodyPr/>
+          <a:lstStyle/>
+          <a:p>
+            <a:r>
+              <a:rPr lang="en-GB" dirty="0"/>
+              <a:t>Power Grid as a tourist attraction?</a:t>
+            </a:r>
+          </a:p>
+        </p:txBody>
+      </p:sp>
+      <p:sp>
+        <p:nvSpPr>
+          <p:cNvPr id="3" name="TextBox 2">
+            <a:extLst>
+              <a:ext uri="{FF2B5EF4-FFF2-40B4-BE49-F238E27FC236}">
+                <a16:creationId xmlns:a16="http://schemas.microsoft.com/office/drawing/2014/main" id="{777D49C0-4869-434B-9B8D-4EBA9874FC1A}"/>
+              </a:ext>
+            </a:extLst>
+          </p:cNvPr>
+          <p:cNvSpPr txBox="1"/>
+          <p:nvPr/>
+        </p:nvSpPr>
+        <p:spPr>
+          <a:xfrm>
+            <a:off x="4806778" y="4511722"/>
+            <a:ext cx="3857537" cy="646331"/>
+          </a:xfrm>
+          <a:prstGeom prst="rect">
+            <a:avLst/>
+          </a:prstGeom>
+          <a:noFill/>
+        </p:spPr>
+        <p:txBody>
+          <a:bodyPr wrap="square" rtlCol="0">
+            <a:spAutoFit/>
+          </a:bodyPr>
+          <a:lstStyle/>
+          <a:p>
+            <a:r>
+              <a:rPr lang="en-GB" dirty="0">
+                <a:solidFill>
+                  <a:srgbClr val="FF0000"/>
+                </a:solidFill>
+              </a:rPr>
+              <a:t>How well do hotels and residences correlate in terms of proximity?</a:t>
+            </a:r>
+          </a:p>
+        </p:txBody>
+      </p:sp>
+    </p:spTree>
+    <p:extLst>
+      <p:ext uri="{BB962C8B-B14F-4D97-AF65-F5344CB8AC3E}">
+        <p14:creationId xmlns:p14="http://schemas.microsoft.com/office/powerpoint/2010/main" val="3658140646"/>
+      </p:ext>
+    </p:extLst>
+  </p:cSld>
+  <p:clrMapOvr>
+    <a:masterClrMapping/>
+  </p:clrMapOvr>
+</p:sld>
+</file>
+
+<file path=ppt/slides/slide27.xml><?xml version="1.0" encoding="utf-8"?>
+<p:sld xmlns:a="http://schemas.openxmlformats.org/drawingml/2006/main" xmlns:r="http://schemas.openxmlformats.org/officeDocument/2006/relationships" xmlns:p="http://schemas.openxmlformats.org/presentationml/2006/main">
+  <p:cSld>
+    <p:spTree>
+      <p:nvGrpSpPr>
+        <p:cNvPr id="1" name=""/>
+        <p:cNvGrpSpPr/>
+        <p:nvPr/>
+      </p:nvGrpSpPr>
+      <p:grpSpPr>
+        <a:xfrm>
+          <a:off x="0" y="0"/>
+          <a:ext cx="0" cy="0"/>
+          <a:chOff x="0" y="0"/>
+          <a:chExt cx="0" cy="0"/>
+        </a:xfrm>
+      </p:grpSpPr>
+      <p:pic>
+        <p:nvPicPr>
+          <p:cNvPr id="7" name="Picture 6">
+            <a:extLst>
+              <a:ext uri="{FF2B5EF4-FFF2-40B4-BE49-F238E27FC236}">
+                <a16:creationId xmlns:a16="http://schemas.microsoft.com/office/drawing/2014/main" id="{E163FC38-5B91-4FBA-ACF7-33205F55A220}"/>
+              </a:ext>
+            </a:extLst>
+          </p:cNvPr>
+          <p:cNvPicPr>
+            <a:picLocks noChangeAspect="1"/>
+          </p:cNvPicPr>
+          <p:nvPr/>
+        </p:nvPicPr>
+        <p:blipFill>
+          <a:blip r:embed="rId2"/>
+          <a:stretch>
+            <a:fillRect/>
+          </a:stretch>
+        </p:blipFill>
+        <p:spPr>
+          <a:xfrm>
+            <a:off x="1014674" y="2881312"/>
+            <a:ext cx="4391025" cy="1095375"/>
+          </a:xfrm>
+          <a:prstGeom prst="rect">
+            <a:avLst/>
+          </a:prstGeom>
+        </p:spPr>
+      </p:pic>
+      <p:pic>
+        <p:nvPicPr>
+          <p:cNvPr id="8" name="Picture 7">
+            <a:extLst>
+              <a:ext uri="{FF2B5EF4-FFF2-40B4-BE49-F238E27FC236}">
+                <a16:creationId xmlns:a16="http://schemas.microsoft.com/office/drawing/2014/main" id="{A32A850E-D3E3-487B-9137-67E86AE20FC0}"/>
+              </a:ext>
+            </a:extLst>
+          </p:cNvPr>
+          <p:cNvPicPr>
+            <a:picLocks noChangeAspect="1"/>
+          </p:cNvPicPr>
+          <p:nvPr/>
+        </p:nvPicPr>
+        <p:blipFill>
+          <a:blip r:embed="rId3"/>
+          <a:stretch>
+            <a:fillRect/>
+          </a:stretch>
+        </p:blipFill>
+        <p:spPr>
+          <a:xfrm>
+            <a:off x="5977156" y="2881312"/>
+            <a:ext cx="3962400" cy="1104900"/>
+          </a:xfrm>
+          <a:prstGeom prst="rect">
+            <a:avLst/>
+          </a:prstGeom>
+        </p:spPr>
+      </p:pic>
+      <p:sp>
+        <p:nvSpPr>
+          <p:cNvPr id="4" name="TextBox 3">
+            <a:extLst>
+              <a:ext uri="{FF2B5EF4-FFF2-40B4-BE49-F238E27FC236}">
+                <a16:creationId xmlns:a16="http://schemas.microsoft.com/office/drawing/2014/main" id="{D86E5F39-FCEA-418A-855A-2732259DCEA2}"/>
+              </a:ext>
+            </a:extLst>
+          </p:cNvPr>
+          <p:cNvSpPr txBox="1"/>
+          <p:nvPr/>
+        </p:nvSpPr>
+        <p:spPr>
+          <a:xfrm>
+            <a:off x="3155658" y="443061"/>
+            <a:ext cx="5022209" cy="1754326"/>
+          </a:xfrm>
+          <a:prstGeom prst="rect">
+            <a:avLst/>
+          </a:prstGeom>
+          <a:noFill/>
+        </p:spPr>
+        <p:txBody>
+          <a:bodyPr wrap="square" rtlCol="0">
+            <a:spAutoFit/>
+          </a:bodyPr>
+          <a:lstStyle/>
+          <a:p>
+            <a:r>
+              <a:rPr lang="en-GB" dirty="0">
+                <a:solidFill>
+                  <a:srgbClr val="FF0000"/>
+                </a:solidFill>
+              </a:rPr>
+              <a:t>The two text blocks show some quick statistics for observations near the power grids </a:t>
+            </a:r>
+          </a:p>
+          <a:p>
+            <a:r>
+              <a:rPr lang="en-GB" dirty="0">
+                <a:solidFill>
+                  <a:srgbClr val="FF0000"/>
+                </a:solidFill>
+              </a:rPr>
+              <a:t>=&gt; Did building the power grid provide some kind of tourism value, aka, are a significant number of people going down the paths used for power grid </a:t>
+            </a:r>
+            <a:r>
+              <a:rPr lang="en-GB" dirty="0" err="1">
+                <a:solidFill>
+                  <a:srgbClr val="FF0000"/>
+                </a:solidFill>
+              </a:rPr>
+              <a:t>maiantenance</a:t>
+            </a:r>
+            <a:r>
+              <a:rPr lang="en-GB" dirty="0">
+                <a:solidFill>
+                  <a:srgbClr val="FF0000"/>
+                </a:solidFill>
+              </a:rPr>
+              <a:t> to make observations?</a:t>
+            </a:r>
+          </a:p>
+        </p:txBody>
+      </p:sp>
+    </p:spTree>
+    <p:extLst>
+      <p:ext uri="{BB962C8B-B14F-4D97-AF65-F5344CB8AC3E}">
+        <p14:creationId xmlns:p14="http://schemas.microsoft.com/office/powerpoint/2010/main" val="2631069797"/>
+      </p:ext>
+    </p:extLst>
+  </p:cSld>
+  <p:clrMapOvr>
+    <a:masterClrMapping/>
+  </p:clrMapOvr>
+</p:sld>
+</file>
+
+<file path=ppt/slides/slide28.xml><?xml version="1.0" encoding="utf-8"?>
+<p:sld xmlns:a="http://schemas.openxmlformats.org/drawingml/2006/main" xmlns:r="http://schemas.openxmlformats.org/officeDocument/2006/relationships" xmlns:p="http://schemas.openxmlformats.org/presentationml/2006/main">
+  <p:cSld>
+    <p:spTree>
+      <p:nvGrpSpPr>
+        <p:cNvPr id="1" name=""/>
+        <p:cNvGrpSpPr/>
+        <p:nvPr/>
+      </p:nvGrpSpPr>
+      <p:grpSpPr>
+        <a:xfrm>
+          <a:off x="0" y="0"/>
+          <a:ext cx="0" cy="0"/>
+          <a:chOff x="0" y="0"/>
+          <a:chExt cx="0" cy="0"/>
+        </a:xfrm>
+      </p:grpSpPr>
+      <p:sp>
+        <p:nvSpPr>
+          <p:cNvPr id="2" name="Title 1">
+            <a:extLst>
+              <a:ext uri="{FF2B5EF4-FFF2-40B4-BE49-F238E27FC236}">
+                <a16:creationId xmlns:a16="http://schemas.microsoft.com/office/drawing/2014/main" id="{2DADBA56-8A1F-4C28-8A0E-F99BBBBA770A}"/>
+              </a:ext>
+            </a:extLst>
+          </p:cNvPr>
+          <p:cNvSpPr>
+            <a:spLocks noGrp="1"/>
+          </p:cNvSpPr>
+          <p:nvPr>
+            <p:ph type="title"/>
+          </p:nvPr>
+        </p:nvSpPr>
+        <p:spPr/>
+        <p:txBody>
+          <a:bodyPr/>
+          <a:lstStyle/>
+          <a:p>
+            <a:r>
+              <a:rPr lang="en-GB" dirty="0"/>
+              <a:t>Density on structures vs observations</a:t>
+            </a:r>
+          </a:p>
+        </p:txBody>
+      </p:sp>
+      <p:pic>
+        <p:nvPicPr>
+          <p:cNvPr id="4" name="Picture 3">
+            <a:extLst>
+              <a:ext uri="{FF2B5EF4-FFF2-40B4-BE49-F238E27FC236}">
+                <a16:creationId xmlns:a16="http://schemas.microsoft.com/office/drawing/2014/main" id="{C7A89429-BA45-4FE3-919A-B0A7D1EA1E47}"/>
+              </a:ext>
+            </a:extLst>
+          </p:cNvPr>
+          <p:cNvPicPr>
+            <a:picLocks noChangeAspect="1"/>
+          </p:cNvPicPr>
+          <p:nvPr/>
+        </p:nvPicPr>
+        <p:blipFill rotWithShape="1">
+          <a:blip r:embed="rId2"/>
+          <a:srcRect l="10783" t="6023" r="7766" b="7798"/>
+          <a:stretch/>
+        </p:blipFill>
+        <p:spPr>
+          <a:xfrm>
+            <a:off x="679507" y="1690688"/>
+            <a:ext cx="2684477" cy="2648103"/>
+          </a:xfrm>
+          <a:prstGeom prst="rect">
+            <a:avLst/>
+          </a:prstGeom>
+        </p:spPr>
+      </p:pic>
+      <p:pic>
+        <p:nvPicPr>
+          <p:cNvPr id="5" name="Picture 4">
+            <a:extLst>
+              <a:ext uri="{FF2B5EF4-FFF2-40B4-BE49-F238E27FC236}">
+                <a16:creationId xmlns:a16="http://schemas.microsoft.com/office/drawing/2014/main" id="{6E1348FF-0B96-4AFC-8AAA-2DDC87F180FD}"/>
+              </a:ext>
+            </a:extLst>
+          </p:cNvPr>
+          <p:cNvPicPr>
+            <a:picLocks noChangeAspect="1"/>
+          </p:cNvPicPr>
+          <p:nvPr/>
+        </p:nvPicPr>
+        <p:blipFill rotWithShape="1">
+          <a:blip r:embed="rId3"/>
+          <a:srcRect l="7636" t="6758" r="8397" b="6637"/>
+          <a:stretch/>
+        </p:blipFill>
+        <p:spPr>
+          <a:xfrm>
+            <a:off x="4332786" y="1559248"/>
+            <a:ext cx="3026105" cy="2910980"/>
+          </a:xfrm>
+          <a:prstGeom prst="rect">
+            <a:avLst/>
+          </a:prstGeom>
+        </p:spPr>
+      </p:pic>
+      <p:pic>
+        <p:nvPicPr>
+          <p:cNvPr id="6" name="Picture 5">
+            <a:extLst>
+              <a:ext uri="{FF2B5EF4-FFF2-40B4-BE49-F238E27FC236}">
+                <a16:creationId xmlns:a16="http://schemas.microsoft.com/office/drawing/2014/main" id="{9967BB9A-9EE5-4270-94BE-CE892AB66275}"/>
+              </a:ext>
+            </a:extLst>
+          </p:cNvPr>
+          <p:cNvPicPr>
+            <a:picLocks noChangeAspect="1"/>
+          </p:cNvPicPr>
+          <p:nvPr/>
+        </p:nvPicPr>
+        <p:blipFill rotWithShape="1">
+          <a:blip r:embed="rId4"/>
+          <a:srcRect l="6002" r="3226"/>
+          <a:stretch/>
+        </p:blipFill>
+        <p:spPr>
+          <a:xfrm>
+            <a:off x="8327694" y="1457401"/>
+            <a:ext cx="3026106" cy="3114675"/>
+          </a:xfrm>
+          <a:prstGeom prst="rect">
+            <a:avLst/>
+          </a:prstGeom>
+        </p:spPr>
+      </p:pic>
+      <p:sp>
+        <p:nvSpPr>
+          <p:cNvPr id="9" name="TextBox 8">
+            <a:extLst>
+              <a:ext uri="{FF2B5EF4-FFF2-40B4-BE49-F238E27FC236}">
+                <a16:creationId xmlns:a16="http://schemas.microsoft.com/office/drawing/2014/main" id="{0B610196-C40B-465B-AC38-5FA02967B71F}"/>
+              </a:ext>
+            </a:extLst>
+          </p:cNvPr>
+          <p:cNvSpPr txBox="1"/>
+          <p:nvPr/>
+        </p:nvSpPr>
+        <p:spPr>
+          <a:xfrm>
+            <a:off x="4653093" y="4760753"/>
+            <a:ext cx="2885813" cy="923330"/>
+          </a:xfrm>
+          <a:prstGeom prst="rect">
+            <a:avLst/>
+          </a:prstGeom>
+          <a:noFill/>
+          <a:ln>
+            <a:solidFill>
+              <a:schemeClr val="tx1"/>
+            </a:solidFill>
+          </a:ln>
+        </p:spPr>
+        <p:txBody>
+          <a:bodyPr wrap="square" rtlCol="0">
+            <a:spAutoFit/>
+          </a:bodyPr>
+          <a:lstStyle/>
+          <a:p>
+            <a:r>
+              <a:rPr lang="en-GB" dirty="0"/>
+              <a:t>Ecological vs Residences</a:t>
+            </a:r>
+          </a:p>
+          <a:p>
+            <a:endParaRPr lang="en-GB" dirty="0"/>
+          </a:p>
+          <a:p>
+            <a:r>
+              <a:rPr lang="en-GB" dirty="0"/>
+              <a:t>P(edge) = 0.019</a:t>
+            </a:r>
+          </a:p>
+        </p:txBody>
+      </p:sp>
+      <p:sp>
+        <p:nvSpPr>
+          <p:cNvPr id="10" name="TextBox 9">
+            <a:extLst>
+              <a:ext uri="{FF2B5EF4-FFF2-40B4-BE49-F238E27FC236}">
+                <a16:creationId xmlns:a16="http://schemas.microsoft.com/office/drawing/2014/main" id="{07513712-5363-41FE-9845-4816845C83E7}"/>
+              </a:ext>
+            </a:extLst>
+          </p:cNvPr>
+          <p:cNvSpPr txBox="1"/>
+          <p:nvPr/>
+        </p:nvSpPr>
+        <p:spPr>
+          <a:xfrm>
+            <a:off x="838200" y="4760753"/>
+            <a:ext cx="2885813" cy="923330"/>
+          </a:xfrm>
+          <a:prstGeom prst="rect">
+            <a:avLst/>
+          </a:prstGeom>
+          <a:noFill/>
+          <a:ln>
+            <a:solidFill>
+              <a:schemeClr val="tx1"/>
+            </a:solidFill>
+          </a:ln>
+        </p:spPr>
+        <p:txBody>
+          <a:bodyPr wrap="square" rtlCol="0">
+            <a:spAutoFit/>
+          </a:bodyPr>
+          <a:lstStyle/>
+          <a:p>
+            <a:r>
+              <a:rPr lang="en-GB" dirty="0"/>
+              <a:t>Ecological vs Hotels</a:t>
+            </a:r>
+          </a:p>
+          <a:p>
+            <a:endParaRPr lang="en-GB" dirty="0"/>
+          </a:p>
+          <a:p>
+            <a:r>
+              <a:rPr lang="en-GB" dirty="0"/>
+              <a:t>P(edge) = 0.017</a:t>
+            </a:r>
+          </a:p>
+        </p:txBody>
+      </p:sp>
+      <p:sp>
+        <p:nvSpPr>
+          <p:cNvPr id="11" name="TextBox 10">
+            <a:extLst>
+              <a:ext uri="{FF2B5EF4-FFF2-40B4-BE49-F238E27FC236}">
+                <a16:creationId xmlns:a16="http://schemas.microsoft.com/office/drawing/2014/main" id="{206F8976-70F4-423C-861E-AD882599385C}"/>
+              </a:ext>
+            </a:extLst>
+          </p:cNvPr>
+          <p:cNvSpPr txBox="1"/>
+          <p:nvPr/>
+        </p:nvSpPr>
+        <p:spPr>
+          <a:xfrm>
+            <a:off x="8467986" y="4760753"/>
+            <a:ext cx="2885813" cy="923330"/>
+          </a:xfrm>
+          <a:prstGeom prst="rect">
+            <a:avLst/>
+          </a:prstGeom>
+          <a:noFill/>
+          <a:ln>
+            <a:solidFill>
+              <a:schemeClr val="tx1"/>
+            </a:solidFill>
+          </a:ln>
+        </p:spPr>
+        <p:txBody>
+          <a:bodyPr wrap="square" rtlCol="0">
+            <a:spAutoFit/>
+          </a:bodyPr>
+          <a:lstStyle/>
+          <a:p>
+            <a:r>
+              <a:rPr lang="en-GB" dirty="0"/>
+              <a:t>Residentials vs Hotels</a:t>
+            </a:r>
+          </a:p>
+          <a:p>
+            <a:endParaRPr lang="en-GB" dirty="0"/>
+          </a:p>
+          <a:p>
+            <a:r>
+              <a:rPr lang="en-GB" dirty="0"/>
+              <a:t>P(edge) = 0.07</a:t>
+            </a:r>
+          </a:p>
+        </p:txBody>
+      </p:sp>
+      <p:sp>
+        <p:nvSpPr>
+          <p:cNvPr id="12" name="TextBox 11">
+            <a:extLst>
+              <a:ext uri="{FF2B5EF4-FFF2-40B4-BE49-F238E27FC236}">
+                <a16:creationId xmlns:a16="http://schemas.microsoft.com/office/drawing/2014/main" id="{7D44F558-6A05-466B-A5D9-2DD900D07A0F}"/>
+              </a:ext>
+            </a:extLst>
+          </p:cNvPr>
+          <p:cNvSpPr txBox="1"/>
+          <p:nvPr/>
+        </p:nvSpPr>
+        <p:spPr>
+          <a:xfrm>
+            <a:off x="1140905" y="5695434"/>
+            <a:ext cx="10036726" cy="1200329"/>
+          </a:xfrm>
+          <a:prstGeom prst="rect">
+            <a:avLst/>
+          </a:prstGeom>
+          <a:noFill/>
+        </p:spPr>
+        <p:txBody>
+          <a:bodyPr wrap="square" rtlCol="0">
+            <a:spAutoFit/>
+          </a:bodyPr>
+          <a:lstStyle/>
+          <a:p>
+            <a:r>
+              <a:rPr lang="en-GB" dirty="0">
+                <a:solidFill>
+                  <a:srgbClr val="FF0000"/>
+                </a:solidFill>
+              </a:rPr>
+              <a:t>Here is the output of the ERGMs to calculate density (only) of the following networks: Ecological vs Hotels, Ecological vs Residential, and Residential vs Hotels. Idea is that we can show the connections between these man-made structures are much closer than any structure to the ecological world, and hence, that building on Eigg is staying reasonable far away from the nature.</a:t>
+            </a:r>
+          </a:p>
+        </p:txBody>
+      </p:sp>
+    </p:spTree>
+    <p:extLst>
+      <p:ext uri="{BB962C8B-B14F-4D97-AF65-F5344CB8AC3E}">
+        <p14:creationId xmlns:p14="http://schemas.microsoft.com/office/powerpoint/2010/main" val="678162326"/>
+      </p:ext>
+    </p:extLst>
+  </p:cSld>
+  <p:clrMapOvr>
+    <a:masterClrMapping/>
+  </p:clrMapOvr>
+</p:sld>
+</file>
+
+<file path=ppt/slides/slide29.xml><?xml version="1.0" encoding="utf-8"?>
+<p:sld xmlns:a="http://schemas.openxmlformats.org/drawingml/2006/main" xmlns:r="http://schemas.openxmlformats.org/officeDocument/2006/relationships" xmlns:p="http://schemas.openxmlformats.org/presentationml/2006/main">
+  <p:cSld>
+    <p:spTree>
+      <p:nvGrpSpPr>
+        <p:cNvPr id="1" name=""/>
+        <p:cNvGrpSpPr/>
+        <p:nvPr/>
+      </p:nvGrpSpPr>
+      <p:grpSpPr>
+        <a:xfrm>
+          <a:off x="0" y="0"/>
+          <a:ext cx="0" cy="0"/>
+          <a:chOff x="0" y="0"/>
+          <a:chExt cx="0" cy="0"/>
+        </a:xfrm>
+      </p:grpSpPr>
+      <p:sp>
+        <p:nvSpPr>
+          <p:cNvPr id="6" name="TextBox 5">
+            <a:extLst>
+              <a:ext uri="{FF2B5EF4-FFF2-40B4-BE49-F238E27FC236}">
+                <a16:creationId xmlns:a16="http://schemas.microsoft.com/office/drawing/2014/main" id="{3329213F-B3DA-4E6C-ABAE-E01E3AA9F44A}"/>
+              </a:ext>
+            </a:extLst>
+          </p:cNvPr>
+          <p:cNvSpPr txBox="1"/>
+          <p:nvPr/>
+        </p:nvSpPr>
+        <p:spPr>
+          <a:xfrm>
+            <a:off x="951345" y="1690688"/>
+            <a:ext cx="1182255" cy="369332"/>
+          </a:xfrm>
+          <a:prstGeom prst="rect">
+            <a:avLst/>
+          </a:prstGeom>
+          <a:noFill/>
+        </p:spPr>
+        <p:txBody>
+          <a:bodyPr wrap="square" rtlCol="0">
+            <a:spAutoFit/>
+          </a:bodyPr>
+          <a:lstStyle/>
+          <a:p>
+            <a:r>
+              <a:rPr lang="en-GB" dirty="0"/>
+              <a:t>Triangles</a:t>
+            </a:r>
+          </a:p>
+        </p:txBody>
+      </p:sp>
+      <p:pic>
+        <p:nvPicPr>
+          <p:cNvPr id="7" name="Picture 6">
+            <a:extLst>
+              <a:ext uri="{FF2B5EF4-FFF2-40B4-BE49-F238E27FC236}">
+                <a16:creationId xmlns:a16="http://schemas.microsoft.com/office/drawing/2014/main" id="{A4CA9569-A839-4B56-9728-2F7FE23F66E0}"/>
+              </a:ext>
+            </a:extLst>
+          </p:cNvPr>
+          <p:cNvPicPr>
+            <a:picLocks noChangeAspect="1"/>
+          </p:cNvPicPr>
+          <p:nvPr/>
+        </p:nvPicPr>
+        <p:blipFill>
+          <a:blip r:embed="rId2"/>
+          <a:stretch>
+            <a:fillRect/>
+          </a:stretch>
+        </p:blipFill>
+        <p:spPr>
+          <a:xfrm>
+            <a:off x="951345" y="2196667"/>
+            <a:ext cx="4829175" cy="1781175"/>
+          </a:xfrm>
+          <a:prstGeom prst="rect">
+            <a:avLst/>
+          </a:prstGeom>
+        </p:spPr>
+      </p:pic>
+      <p:pic>
+        <p:nvPicPr>
+          <p:cNvPr id="8" name="Picture 7">
+            <a:extLst>
+              <a:ext uri="{FF2B5EF4-FFF2-40B4-BE49-F238E27FC236}">
+                <a16:creationId xmlns:a16="http://schemas.microsoft.com/office/drawing/2014/main" id="{CF14827D-1546-49DF-841E-907CB76608EE}"/>
+              </a:ext>
+            </a:extLst>
+          </p:cNvPr>
+          <p:cNvPicPr>
+            <a:picLocks noChangeAspect="1"/>
+          </p:cNvPicPr>
+          <p:nvPr/>
+        </p:nvPicPr>
+        <p:blipFill>
+          <a:blip r:embed="rId3"/>
+          <a:stretch>
+            <a:fillRect/>
+          </a:stretch>
+        </p:blipFill>
+        <p:spPr>
+          <a:xfrm>
+            <a:off x="7894204" y="477404"/>
+            <a:ext cx="4133850" cy="3438525"/>
+          </a:xfrm>
+          <a:prstGeom prst="rect">
+            <a:avLst/>
+          </a:prstGeom>
+        </p:spPr>
+      </p:pic>
+      <p:sp>
+        <p:nvSpPr>
+          <p:cNvPr id="9" name="TextBox 8">
+            <a:extLst>
+              <a:ext uri="{FF2B5EF4-FFF2-40B4-BE49-F238E27FC236}">
+                <a16:creationId xmlns:a16="http://schemas.microsoft.com/office/drawing/2014/main" id="{42AC03FA-89F8-4646-8176-77E6DA5C508C}"/>
+              </a:ext>
+            </a:extLst>
+          </p:cNvPr>
+          <p:cNvSpPr txBox="1"/>
+          <p:nvPr/>
+        </p:nvSpPr>
+        <p:spPr>
+          <a:xfrm>
+            <a:off x="951345" y="4797980"/>
+            <a:ext cx="3195782" cy="369332"/>
+          </a:xfrm>
+          <a:prstGeom prst="rect">
+            <a:avLst/>
+          </a:prstGeom>
+          <a:noFill/>
+        </p:spPr>
+        <p:txBody>
+          <a:bodyPr wrap="square" rtlCol="0">
+            <a:spAutoFit/>
+          </a:bodyPr>
+          <a:lstStyle/>
+          <a:p>
+            <a:r>
+              <a:rPr lang="en-GB" dirty="0"/>
+              <a:t>P (involvement in triad) = 0.47</a:t>
+            </a:r>
+          </a:p>
+        </p:txBody>
+      </p:sp>
+      <p:sp>
+        <p:nvSpPr>
+          <p:cNvPr id="2" name="Title 1">
+            <a:extLst>
+              <a:ext uri="{FF2B5EF4-FFF2-40B4-BE49-F238E27FC236}">
+                <a16:creationId xmlns:a16="http://schemas.microsoft.com/office/drawing/2014/main" id="{8D2ECDA8-03CF-45EB-8E7E-E56AABE4F197}"/>
+              </a:ext>
+            </a:extLst>
+          </p:cNvPr>
+          <p:cNvSpPr>
+            <a:spLocks noGrp="1"/>
+          </p:cNvSpPr>
+          <p:nvPr>
+            <p:ph type="title"/>
+          </p:nvPr>
+        </p:nvSpPr>
+        <p:spPr>
+          <a:xfrm>
+            <a:off x="522720" y="365125"/>
+            <a:ext cx="10515600" cy="1325563"/>
+          </a:xfrm>
+        </p:spPr>
+        <p:txBody>
+          <a:bodyPr/>
+          <a:lstStyle/>
+          <a:p>
+            <a:r>
+              <a:rPr lang="en-GB" dirty="0"/>
+              <a:t>Business Network Analysis (Named)</a:t>
+            </a:r>
+          </a:p>
+        </p:txBody>
+      </p:sp>
+      <p:pic>
+        <p:nvPicPr>
+          <p:cNvPr id="11" name="Picture 10">
+            <a:extLst>
+              <a:ext uri="{FF2B5EF4-FFF2-40B4-BE49-F238E27FC236}">
+                <a16:creationId xmlns:a16="http://schemas.microsoft.com/office/drawing/2014/main" id="{74FB5B8C-CD96-4C25-92A1-DAD3FE9EA132}"/>
+              </a:ext>
+            </a:extLst>
+          </p:cNvPr>
+          <p:cNvPicPr>
+            <a:picLocks noChangeAspect="1"/>
+          </p:cNvPicPr>
+          <p:nvPr/>
+        </p:nvPicPr>
+        <p:blipFill>
+          <a:blip r:embed="rId4"/>
+          <a:stretch>
+            <a:fillRect/>
+          </a:stretch>
+        </p:blipFill>
+        <p:spPr>
+          <a:xfrm>
+            <a:off x="5444417" y="3126788"/>
+            <a:ext cx="3498483" cy="3342383"/>
+          </a:xfrm>
+          <a:prstGeom prst="rect">
+            <a:avLst/>
+          </a:prstGeom>
+        </p:spPr>
+      </p:pic>
+      <p:sp>
+        <p:nvSpPr>
+          <p:cNvPr id="10" name="TextBox 9">
+            <a:extLst>
+              <a:ext uri="{FF2B5EF4-FFF2-40B4-BE49-F238E27FC236}">
+                <a16:creationId xmlns:a16="http://schemas.microsoft.com/office/drawing/2014/main" id="{2BA56080-6128-4387-BBF5-9193B4DB2D70}"/>
+              </a:ext>
+            </a:extLst>
+          </p:cNvPr>
+          <p:cNvSpPr txBox="1"/>
+          <p:nvPr/>
+        </p:nvSpPr>
+        <p:spPr>
+          <a:xfrm>
+            <a:off x="2979825" y="1417266"/>
+            <a:ext cx="3857537" cy="923330"/>
+          </a:xfrm>
+          <a:prstGeom prst="rect">
+            <a:avLst/>
+          </a:prstGeom>
+          <a:noFill/>
+        </p:spPr>
+        <p:txBody>
+          <a:bodyPr wrap="square" rtlCol="0">
+            <a:spAutoFit/>
+          </a:bodyPr>
+          <a:lstStyle/>
+          <a:p>
+            <a:r>
+              <a:rPr lang="en-GB" dirty="0">
+                <a:solidFill>
+                  <a:srgbClr val="FF0000"/>
+                </a:solidFill>
+              </a:rPr>
+              <a:t>Now we try to reconstruct the business network presented earlier with ERGM models</a:t>
+            </a:r>
+          </a:p>
+        </p:txBody>
+      </p:sp>
+      <p:sp>
+        <p:nvSpPr>
+          <p:cNvPr id="12" name="TextBox 11">
+            <a:extLst>
+              <a:ext uri="{FF2B5EF4-FFF2-40B4-BE49-F238E27FC236}">
+                <a16:creationId xmlns:a16="http://schemas.microsoft.com/office/drawing/2014/main" id="{6997BD78-97CA-4AF9-B21E-72A22E75FCC1}"/>
+              </a:ext>
+            </a:extLst>
+          </p:cNvPr>
+          <p:cNvSpPr txBox="1"/>
+          <p:nvPr/>
+        </p:nvSpPr>
+        <p:spPr>
+          <a:xfrm>
+            <a:off x="142613" y="5317065"/>
+            <a:ext cx="5234729" cy="1477328"/>
+          </a:xfrm>
+          <a:prstGeom prst="rect">
+            <a:avLst/>
+          </a:prstGeom>
+          <a:noFill/>
+        </p:spPr>
+        <p:txBody>
+          <a:bodyPr wrap="square" rtlCol="0">
+            <a:spAutoFit/>
+          </a:bodyPr>
+          <a:lstStyle/>
+          <a:p>
+            <a:r>
+              <a:rPr lang="en-GB" dirty="0">
+                <a:solidFill>
+                  <a:srgbClr val="FF0000"/>
+                </a:solidFill>
+              </a:rPr>
+              <a:t>First attempt: how well does a model in which triangles are dominant reproduce our business network?</a:t>
+            </a:r>
+          </a:p>
+          <a:p>
+            <a:r>
+              <a:rPr lang="en-GB" dirty="0">
+                <a:solidFill>
+                  <a:srgbClr val="FF0000"/>
+                </a:solidFill>
+              </a:rPr>
+              <a:t>=&gt; Not very well. Also as pointed out by Angela, using one term in the ERGM is not normal practice.</a:t>
+            </a:r>
+          </a:p>
+        </p:txBody>
+      </p:sp>
+      <p:sp>
+        <p:nvSpPr>
+          <p:cNvPr id="13" name="TextBox 12">
+            <a:extLst>
+              <a:ext uri="{FF2B5EF4-FFF2-40B4-BE49-F238E27FC236}">
+                <a16:creationId xmlns:a16="http://schemas.microsoft.com/office/drawing/2014/main" id="{364020ED-D7E2-404A-9784-BB7D1B9F0F22}"/>
+              </a:ext>
+            </a:extLst>
+          </p:cNvPr>
+          <p:cNvSpPr txBox="1"/>
+          <p:nvPr/>
+        </p:nvSpPr>
+        <p:spPr>
+          <a:xfrm>
+            <a:off x="5444417" y="5934670"/>
+            <a:ext cx="3857537" cy="369332"/>
+          </a:xfrm>
+          <a:prstGeom prst="rect">
+            <a:avLst/>
+          </a:prstGeom>
+          <a:noFill/>
+        </p:spPr>
+        <p:txBody>
+          <a:bodyPr wrap="square" rtlCol="0">
+            <a:spAutoFit/>
+          </a:bodyPr>
+          <a:lstStyle/>
+          <a:p>
+            <a:r>
+              <a:rPr lang="en-GB" dirty="0">
+                <a:solidFill>
+                  <a:srgbClr val="FF0000"/>
+                </a:solidFill>
+              </a:rPr>
+              <a:t>(The original business network)</a:t>
+            </a:r>
+          </a:p>
+        </p:txBody>
+      </p:sp>
+      <p:sp>
+        <p:nvSpPr>
+          <p:cNvPr id="14" name="TextBox 13">
+            <a:extLst>
+              <a:ext uri="{FF2B5EF4-FFF2-40B4-BE49-F238E27FC236}">
+                <a16:creationId xmlns:a16="http://schemas.microsoft.com/office/drawing/2014/main" id="{7DBBFB2C-44CE-4B0F-8570-4532EA251D6E}"/>
+              </a:ext>
+            </a:extLst>
+          </p:cNvPr>
+          <p:cNvSpPr txBox="1"/>
+          <p:nvPr/>
+        </p:nvSpPr>
+        <p:spPr>
+          <a:xfrm>
+            <a:off x="8247738" y="3415984"/>
+            <a:ext cx="3857537" cy="369332"/>
+          </a:xfrm>
+          <a:prstGeom prst="rect">
+            <a:avLst/>
+          </a:prstGeom>
+          <a:noFill/>
+        </p:spPr>
+        <p:txBody>
+          <a:bodyPr wrap="square" rtlCol="0">
+            <a:spAutoFit/>
+          </a:bodyPr>
+          <a:lstStyle/>
+          <a:p>
+            <a:r>
+              <a:rPr lang="en-GB" dirty="0">
+                <a:solidFill>
+                  <a:srgbClr val="FF0000"/>
+                </a:solidFill>
+              </a:rPr>
+              <a:t>The simulated model network</a:t>
+            </a:r>
+          </a:p>
+        </p:txBody>
+      </p:sp>
+    </p:spTree>
+    <p:extLst>
+      <p:ext uri="{BB962C8B-B14F-4D97-AF65-F5344CB8AC3E}">
+        <p14:creationId xmlns:p14="http://schemas.microsoft.com/office/powerpoint/2010/main" val="2097070486"/>
       </p:ext>
     </p:extLst>
   </p:cSld>
@@ -4408,35 +7442,107 @@
           <a:chExt cx="0" cy="0"/>
         </a:xfrm>
       </p:grpSpPr>
-      <p:sp>
-        <p:nvSpPr>
-          <p:cNvPr id="2" name="Title 1">
-            <a:extLst>
-              <a:ext uri="{FF2B5EF4-FFF2-40B4-BE49-F238E27FC236}">
-                <a16:creationId xmlns:a16="http://schemas.microsoft.com/office/drawing/2014/main" id="{57E283AF-9353-4D15-8A66-AA41E1329225}"/>
-              </a:ext>
-            </a:extLst>
-          </p:cNvPr>
-          <p:cNvSpPr>
-            <a:spLocks noGrp="1"/>
-          </p:cNvSpPr>
-          <p:nvPr>
-            <p:ph type="title"/>
-          </p:nvPr>
-        </p:nvSpPr>
-        <p:spPr>
-          <a:xfrm>
-            <a:off x="4098471" y="2539158"/>
-            <a:ext cx="3995057" cy="1325563"/>
-          </a:xfrm>
-        </p:spPr>
-        <p:txBody>
-          <a:bodyPr/>
-          <a:lstStyle/>
-          <a:p>
-            <a:r>
-              <a:rPr lang="en-GB" dirty="0"/>
-              <a:t>Hotels &amp; Ratings</a:t>
+      <p:pic>
+        <p:nvPicPr>
+          <p:cNvPr id="4" name="Picture 3">
+            <a:extLst>
+              <a:ext uri="{FF2B5EF4-FFF2-40B4-BE49-F238E27FC236}">
+                <a16:creationId xmlns:a16="http://schemas.microsoft.com/office/drawing/2014/main" id="{AD14A886-9D61-47D1-980F-82FCDEE1FD16}"/>
+              </a:ext>
+            </a:extLst>
+          </p:cNvPr>
+          <p:cNvPicPr>
+            <a:picLocks noChangeAspect="1"/>
+          </p:cNvPicPr>
+          <p:nvPr/>
+        </p:nvPicPr>
+        <p:blipFill rotWithShape="1">
+          <a:blip r:embed="rId2"/>
+          <a:srcRect l="23258" r="26651"/>
+          <a:stretch/>
+        </p:blipFill>
+        <p:spPr>
+          <a:xfrm>
+            <a:off x="209777" y="675770"/>
+            <a:ext cx="5442814" cy="5170847"/>
+          </a:xfrm>
+          <a:prstGeom prst="rect">
+            <a:avLst/>
+          </a:prstGeom>
+        </p:spPr>
+      </p:pic>
+      <p:pic>
+        <p:nvPicPr>
+          <p:cNvPr id="3" name="Picture 2">
+            <a:extLst>
+              <a:ext uri="{FF2B5EF4-FFF2-40B4-BE49-F238E27FC236}">
+                <a16:creationId xmlns:a16="http://schemas.microsoft.com/office/drawing/2014/main" id="{593285B3-3C29-42E2-8D37-0889E8A83346}"/>
+              </a:ext>
+            </a:extLst>
+          </p:cNvPr>
+          <p:cNvPicPr>
+            <a:picLocks noChangeAspect="1"/>
+          </p:cNvPicPr>
+          <p:nvPr/>
+        </p:nvPicPr>
+        <p:blipFill rotWithShape="1">
+          <a:blip r:embed="rId3"/>
+          <a:srcRect l="3416" t="5589" r="1415" b="6892"/>
+          <a:stretch/>
+        </p:blipFill>
+        <p:spPr>
+          <a:xfrm>
+            <a:off x="5919064" y="1289229"/>
+            <a:ext cx="5875772" cy="3943927"/>
+          </a:xfrm>
+          <a:prstGeom prst="rect">
+            <a:avLst/>
+          </a:prstGeom>
+        </p:spPr>
+      </p:pic>
+      <p:sp>
+        <p:nvSpPr>
+          <p:cNvPr id="5" name="TextBox 4">
+            <a:extLst>
+              <a:ext uri="{FF2B5EF4-FFF2-40B4-BE49-F238E27FC236}">
+                <a16:creationId xmlns:a16="http://schemas.microsoft.com/office/drawing/2014/main" id="{1493BD6B-3699-41ED-A038-75E4465720FB}"/>
+              </a:ext>
+            </a:extLst>
+          </p:cNvPr>
+          <p:cNvSpPr txBox="1"/>
+          <p:nvPr/>
+        </p:nvSpPr>
+        <p:spPr>
+          <a:xfrm>
+            <a:off x="5829670" y="5846617"/>
+            <a:ext cx="2357306" cy="923330"/>
+          </a:xfrm>
+          <a:prstGeom prst="rect">
+            <a:avLst/>
+          </a:prstGeom>
+          <a:noFill/>
+        </p:spPr>
+        <p:txBody>
+          <a:bodyPr wrap="square" rtlCol="0">
+            <a:spAutoFit/>
+          </a:bodyPr>
+          <a:lstStyle/>
+          <a:p>
+            <a:r>
+              <a:rPr lang="en-GB" dirty="0">
+                <a:solidFill>
+                  <a:srgbClr val="FF0000"/>
+                </a:solidFill>
+              </a:rPr>
+              <a:t>Thresholded values from 2015+, plotted as a </a:t>
+            </a:r>
+            <a:r>
+              <a:rPr lang="en-GB" u="sng" dirty="0">
+                <a:solidFill>
+                  <a:srgbClr val="FF0000"/>
+                </a:solidFill>
+              </a:rPr>
+              <a:t>food web</a:t>
             </a:r>
           </a:p>
         </p:txBody>
@@ -4444,7 +7550,631 @@
     </p:spTree>
     <p:extLst>
       <p:ext uri="{BB962C8B-B14F-4D97-AF65-F5344CB8AC3E}">
-        <p14:creationId xmlns:p14="http://schemas.microsoft.com/office/powerpoint/2010/main" val="3906973874"/>
+        <p14:creationId xmlns:p14="http://schemas.microsoft.com/office/powerpoint/2010/main" val="2864859640"/>
+      </p:ext>
+    </p:extLst>
+  </p:cSld>
+  <p:clrMapOvr>
+    <a:masterClrMapping/>
+  </p:clrMapOvr>
+</p:sld>
+</file>
+
+<file path=ppt/slides/slide30.xml><?xml version="1.0" encoding="utf-8"?>
+<p:sld xmlns:a="http://schemas.openxmlformats.org/drawingml/2006/main" xmlns:r="http://schemas.openxmlformats.org/officeDocument/2006/relationships" xmlns:p="http://schemas.openxmlformats.org/presentationml/2006/main">
+  <p:cSld>
+    <p:spTree>
+      <p:nvGrpSpPr>
+        <p:cNvPr id="1" name=""/>
+        <p:cNvGrpSpPr/>
+        <p:nvPr/>
+      </p:nvGrpSpPr>
+      <p:grpSpPr>
+        <a:xfrm>
+          <a:off x="0" y="0"/>
+          <a:ext cx="0" cy="0"/>
+          <a:chOff x="0" y="0"/>
+          <a:chExt cx="0" cy="0"/>
+        </a:xfrm>
+      </p:grpSpPr>
+      <p:sp>
+        <p:nvSpPr>
+          <p:cNvPr id="4" name="TextBox 3">
+            <a:extLst>
+              <a:ext uri="{FF2B5EF4-FFF2-40B4-BE49-F238E27FC236}">
+                <a16:creationId xmlns:a16="http://schemas.microsoft.com/office/drawing/2014/main" id="{E13D3FC2-5CE6-49D2-9A78-9A8A216ED845}"/>
+              </a:ext>
+            </a:extLst>
+          </p:cNvPr>
+          <p:cNvSpPr txBox="1"/>
+          <p:nvPr/>
+        </p:nvSpPr>
+        <p:spPr>
+          <a:xfrm>
+            <a:off x="951345" y="997961"/>
+            <a:ext cx="1182255" cy="369332"/>
+          </a:xfrm>
+          <a:prstGeom prst="rect">
+            <a:avLst/>
+          </a:prstGeom>
+          <a:noFill/>
+        </p:spPr>
+        <p:txBody>
+          <a:bodyPr wrap="square" rtlCol="0">
+            <a:spAutoFit/>
+          </a:bodyPr>
+          <a:lstStyle/>
+          <a:p>
+            <a:r>
+              <a:rPr lang="en-GB" dirty="0"/>
+              <a:t>Edges</a:t>
+            </a:r>
+          </a:p>
+        </p:txBody>
+      </p:sp>
+      <p:pic>
+        <p:nvPicPr>
+          <p:cNvPr id="5" name="Picture 4">
+            <a:extLst>
+              <a:ext uri="{FF2B5EF4-FFF2-40B4-BE49-F238E27FC236}">
+                <a16:creationId xmlns:a16="http://schemas.microsoft.com/office/drawing/2014/main" id="{1D802519-9D48-4895-B1DA-1A9E94EE53EB}"/>
+              </a:ext>
+            </a:extLst>
+          </p:cNvPr>
+          <p:cNvPicPr>
+            <a:picLocks noChangeAspect="1"/>
+          </p:cNvPicPr>
+          <p:nvPr/>
+        </p:nvPicPr>
+        <p:blipFill>
+          <a:blip r:embed="rId2"/>
+          <a:stretch>
+            <a:fillRect/>
+          </a:stretch>
+        </p:blipFill>
+        <p:spPr>
+          <a:xfrm>
+            <a:off x="801255" y="1798637"/>
+            <a:ext cx="5029200" cy="1838325"/>
+          </a:xfrm>
+          <a:prstGeom prst="rect">
+            <a:avLst/>
+          </a:prstGeom>
+        </p:spPr>
+      </p:pic>
+      <p:pic>
+        <p:nvPicPr>
+          <p:cNvPr id="6" name="Picture 5">
+            <a:extLst>
+              <a:ext uri="{FF2B5EF4-FFF2-40B4-BE49-F238E27FC236}">
+                <a16:creationId xmlns:a16="http://schemas.microsoft.com/office/drawing/2014/main" id="{A861760A-9EDF-4458-858B-B56C0AEDCC4D}"/>
+              </a:ext>
+            </a:extLst>
+          </p:cNvPr>
+          <p:cNvPicPr>
+            <a:picLocks noChangeAspect="1"/>
+          </p:cNvPicPr>
+          <p:nvPr/>
+        </p:nvPicPr>
+        <p:blipFill>
+          <a:blip r:embed="rId3"/>
+          <a:stretch>
+            <a:fillRect/>
+          </a:stretch>
+        </p:blipFill>
+        <p:spPr>
+          <a:xfrm>
+            <a:off x="6851913" y="74612"/>
+            <a:ext cx="4648200" cy="3562350"/>
+          </a:xfrm>
+          <a:prstGeom prst="rect">
+            <a:avLst/>
+          </a:prstGeom>
+        </p:spPr>
+      </p:pic>
+      <p:sp>
+        <p:nvSpPr>
+          <p:cNvPr id="7" name="TextBox 6">
+            <a:extLst>
+              <a:ext uri="{FF2B5EF4-FFF2-40B4-BE49-F238E27FC236}">
+                <a16:creationId xmlns:a16="http://schemas.microsoft.com/office/drawing/2014/main" id="{EFFBEB94-9388-4A6D-82F0-698F264B4329}"/>
+              </a:ext>
+            </a:extLst>
+          </p:cNvPr>
+          <p:cNvSpPr txBox="1"/>
+          <p:nvPr/>
+        </p:nvSpPr>
+        <p:spPr>
+          <a:xfrm>
+            <a:off x="951345" y="4637520"/>
+            <a:ext cx="1911927" cy="369332"/>
+          </a:xfrm>
+          <a:prstGeom prst="rect">
+            <a:avLst/>
+          </a:prstGeom>
+          <a:noFill/>
+        </p:spPr>
+        <p:txBody>
+          <a:bodyPr wrap="square" rtlCol="0">
+            <a:spAutoFit/>
+          </a:bodyPr>
+          <a:lstStyle/>
+          <a:p>
+            <a:r>
+              <a:rPr lang="en-GB" dirty="0"/>
+              <a:t>P(edge) = 0.1249</a:t>
+            </a:r>
+          </a:p>
+        </p:txBody>
+      </p:sp>
+      <p:pic>
+        <p:nvPicPr>
+          <p:cNvPr id="10" name="Picture 9">
+            <a:extLst>
+              <a:ext uri="{FF2B5EF4-FFF2-40B4-BE49-F238E27FC236}">
+                <a16:creationId xmlns:a16="http://schemas.microsoft.com/office/drawing/2014/main" id="{B9243A38-0F26-4434-935F-B39F8019F4C7}"/>
+              </a:ext>
+            </a:extLst>
+          </p:cNvPr>
+          <p:cNvPicPr>
+            <a:picLocks noChangeAspect="1"/>
+          </p:cNvPicPr>
+          <p:nvPr/>
+        </p:nvPicPr>
+        <p:blipFill>
+          <a:blip r:embed="rId4"/>
+          <a:stretch>
+            <a:fillRect/>
+          </a:stretch>
+        </p:blipFill>
+        <p:spPr>
+          <a:xfrm>
+            <a:off x="5102671" y="3150994"/>
+            <a:ext cx="3498483" cy="3342383"/>
+          </a:xfrm>
+          <a:prstGeom prst="rect">
+            <a:avLst/>
+          </a:prstGeom>
+        </p:spPr>
+      </p:pic>
+      <p:sp>
+        <p:nvSpPr>
+          <p:cNvPr id="8" name="TextBox 7">
+            <a:extLst>
+              <a:ext uri="{FF2B5EF4-FFF2-40B4-BE49-F238E27FC236}">
+                <a16:creationId xmlns:a16="http://schemas.microsoft.com/office/drawing/2014/main" id="{47FB0EBF-5E64-4E9A-A51F-5832AAFB1552}"/>
+              </a:ext>
+            </a:extLst>
+          </p:cNvPr>
+          <p:cNvSpPr txBox="1"/>
+          <p:nvPr/>
+        </p:nvSpPr>
+        <p:spPr>
+          <a:xfrm>
+            <a:off x="5444417" y="5934670"/>
+            <a:ext cx="3857537" cy="369332"/>
+          </a:xfrm>
+          <a:prstGeom prst="rect">
+            <a:avLst/>
+          </a:prstGeom>
+          <a:noFill/>
+        </p:spPr>
+        <p:txBody>
+          <a:bodyPr wrap="square" rtlCol="0">
+            <a:spAutoFit/>
+          </a:bodyPr>
+          <a:lstStyle/>
+          <a:p>
+            <a:r>
+              <a:rPr lang="en-GB" dirty="0">
+                <a:solidFill>
+                  <a:srgbClr val="FF0000"/>
+                </a:solidFill>
+              </a:rPr>
+              <a:t>(The original business network)</a:t>
+            </a:r>
+          </a:p>
+        </p:txBody>
+      </p:sp>
+      <p:sp>
+        <p:nvSpPr>
+          <p:cNvPr id="9" name="TextBox 8">
+            <a:extLst>
+              <a:ext uri="{FF2B5EF4-FFF2-40B4-BE49-F238E27FC236}">
+                <a16:creationId xmlns:a16="http://schemas.microsoft.com/office/drawing/2014/main" id="{07D4B4C8-DAA7-44AE-B8F8-EC03FF1C74DA}"/>
+              </a:ext>
+            </a:extLst>
+          </p:cNvPr>
+          <p:cNvSpPr txBox="1"/>
+          <p:nvPr/>
+        </p:nvSpPr>
+        <p:spPr>
+          <a:xfrm>
+            <a:off x="7693843" y="3244334"/>
+            <a:ext cx="3857537" cy="646331"/>
+          </a:xfrm>
+          <a:prstGeom prst="rect">
+            <a:avLst/>
+          </a:prstGeom>
+          <a:noFill/>
+        </p:spPr>
+        <p:txBody>
+          <a:bodyPr wrap="square" rtlCol="0">
+            <a:spAutoFit/>
+          </a:bodyPr>
+          <a:lstStyle/>
+          <a:p>
+            <a:r>
+              <a:rPr lang="en-GB" dirty="0">
+                <a:solidFill>
+                  <a:srgbClr val="FF0000"/>
+                </a:solidFill>
+              </a:rPr>
+              <a:t>The network rebuilt with independent edge probabilities instead</a:t>
+            </a:r>
+          </a:p>
+        </p:txBody>
+      </p:sp>
+      <p:sp>
+        <p:nvSpPr>
+          <p:cNvPr id="11" name="TextBox 10">
+            <a:extLst>
+              <a:ext uri="{FF2B5EF4-FFF2-40B4-BE49-F238E27FC236}">
+                <a16:creationId xmlns:a16="http://schemas.microsoft.com/office/drawing/2014/main" id="{6BE70148-B443-4BEC-808E-BB875FC36EE7}"/>
+              </a:ext>
+            </a:extLst>
+          </p:cNvPr>
+          <p:cNvSpPr txBox="1"/>
+          <p:nvPr/>
+        </p:nvSpPr>
+        <p:spPr>
+          <a:xfrm>
+            <a:off x="655701" y="5196006"/>
+            <a:ext cx="3857537" cy="1477328"/>
+          </a:xfrm>
+          <a:prstGeom prst="rect">
+            <a:avLst/>
+          </a:prstGeom>
+          <a:noFill/>
+        </p:spPr>
+        <p:txBody>
+          <a:bodyPr wrap="square" rtlCol="0">
+            <a:spAutoFit/>
+          </a:bodyPr>
+          <a:lstStyle/>
+          <a:p>
+            <a:r>
+              <a:rPr lang="en-GB" dirty="0">
+                <a:solidFill>
+                  <a:srgbClr val="FF0000"/>
+                </a:solidFill>
+              </a:rPr>
+              <a:t>This model simply simulated what would happen if each edge is independently drawn with some probability P (in this case, the model calculated it as 0.1249)</a:t>
+            </a:r>
+          </a:p>
+        </p:txBody>
+      </p:sp>
+    </p:spTree>
+    <p:extLst>
+      <p:ext uri="{BB962C8B-B14F-4D97-AF65-F5344CB8AC3E}">
+        <p14:creationId xmlns:p14="http://schemas.microsoft.com/office/powerpoint/2010/main" val="3447779996"/>
+      </p:ext>
+    </p:extLst>
+  </p:cSld>
+  <p:clrMapOvr>
+    <a:masterClrMapping/>
+  </p:clrMapOvr>
+</p:sld>
+</file>
+
+<file path=ppt/slides/slide31.xml><?xml version="1.0" encoding="utf-8"?>
+<p:sld xmlns:a="http://schemas.openxmlformats.org/drawingml/2006/main" xmlns:r="http://schemas.openxmlformats.org/officeDocument/2006/relationships" xmlns:p="http://schemas.openxmlformats.org/presentationml/2006/main">
+  <p:cSld>
+    <p:spTree>
+      <p:nvGrpSpPr>
+        <p:cNvPr id="1" name=""/>
+        <p:cNvGrpSpPr/>
+        <p:nvPr/>
+      </p:nvGrpSpPr>
+      <p:grpSpPr>
+        <a:xfrm>
+          <a:off x="0" y="0"/>
+          <a:ext cx="0" cy="0"/>
+          <a:chOff x="0" y="0"/>
+          <a:chExt cx="0" cy="0"/>
+        </a:xfrm>
+      </p:grpSpPr>
+      <p:pic>
+        <p:nvPicPr>
+          <p:cNvPr id="6" name="Picture 5">
+            <a:extLst>
+              <a:ext uri="{FF2B5EF4-FFF2-40B4-BE49-F238E27FC236}">
+                <a16:creationId xmlns:a16="http://schemas.microsoft.com/office/drawing/2014/main" id="{599A734E-FDA5-42BF-A658-EA9844314BF7}"/>
+              </a:ext>
+            </a:extLst>
+          </p:cNvPr>
+          <p:cNvPicPr>
+            <a:picLocks noChangeAspect="1"/>
+          </p:cNvPicPr>
+          <p:nvPr/>
+        </p:nvPicPr>
+        <p:blipFill>
+          <a:blip r:embed="rId2"/>
+          <a:stretch>
+            <a:fillRect/>
+          </a:stretch>
+        </p:blipFill>
+        <p:spPr>
+          <a:xfrm>
+            <a:off x="7475538" y="125556"/>
+            <a:ext cx="4352925" cy="3448050"/>
+          </a:xfrm>
+          <a:prstGeom prst="rect">
+            <a:avLst/>
+          </a:prstGeom>
+        </p:spPr>
+      </p:pic>
+      <p:pic>
+        <p:nvPicPr>
+          <p:cNvPr id="7" name="Picture 6">
+            <a:extLst>
+              <a:ext uri="{FF2B5EF4-FFF2-40B4-BE49-F238E27FC236}">
+                <a16:creationId xmlns:a16="http://schemas.microsoft.com/office/drawing/2014/main" id="{39BC2275-2C1F-4399-BD08-551139217DDD}"/>
+              </a:ext>
+            </a:extLst>
+          </p:cNvPr>
+          <p:cNvPicPr>
+            <a:picLocks noChangeAspect="1"/>
+          </p:cNvPicPr>
+          <p:nvPr/>
+        </p:nvPicPr>
+        <p:blipFill>
+          <a:blip r:embed="rId3"/>
+          <a:stretch>
+            <a:fillRect/>
+          </a:stretch>
+        </p:blipFill>
+        <p:spPr>
+          <a:xfrm>
+            <a:off x="5691699" y="3639128"/>
+            <a:ext cx="2957722" cy="2825750"/>
+          </a:xfrm>
+          <a:prstGeom prst="rect">
+            <a:avLst/>
+          </a:prstGeom>
+        </p:spPr>
+      </p:pic>
+      <p:pic>
+        <p:nvPicPr>
+          <p:cNvPr id="8" name="Picture 7">
+            <a:extLst>
+              <a:ext uri="{FF2B5EF4-FFF2-40B4-BE49-F238E27FC236}">
+                <a16:creationId xmlns:a16="http://schemas.microsoft.com/office/drawing/2014/main" id="{CDAD3392-5091-48A4-AB5D-804AAB4546FE}"/>
+              </a:ext>
+            </a:extLst>
+          </p:cNvPr>
+          <p:cNvPicPr>
+            <a:picLocks noChangeAspect="1"/>
+          </p:cNvPicPr>
+          <p:nvPr/>
+        </p:nvPicPr>
+        <p:blipFill>
+          <a:blip r:embed="rId4"/>
+          <a:stretch>
+            <a:fillRect/>
+          </a:stretch>
+        </p:blipFill>
+        <p:spPr>
+          <a:xfrm>
+            <a:off x="1080799" y="1119908"/>
+            <a:ext cx="5172075" cy="2057400"/>
+          </a:xfrm>
+          <a:prstGeom prst="rect">
+            <a:avLst/>
+          </a:prstGeom>
+        </p:spPr>
+      </p:pic>
+      <p:sp>
+        <p:nvSpPr>
+          <p:cNvPr id="9" name="TextBox 8">
+            <a:extLst>
+              <a:ext uri="{FF2B5EF4-FFF2-40B4-BE49-F238E27FC236}">
+                <a16:creationId xmlns:a16="http://schemas.microsoft.com/office/drawing/2014/main" id="{0687C87D-695A-48A0-A862-6BC1B3559C26}"/>
+              </a:ext>
+            </a:extLst>
+          </p:cNvPr>
+          <p:cNvSpPr txBox="1"/>
+          <p:nvPr/>
+        </p:nvSpPr>
+        <p:spPr>
+          <a:xfrm>
+            <a:off x="951345" y="4637520"/>
+            <a:ext cx="3168073" cy="646331"/>
+          </a:xfrm>
+          <a:prstGeom prst="rect">
+            <a:avLst/>
+          </a:prstGeom>
+          <a:noFill/>
+        </p:spPr>
+        <p:txBody>
+          <a:bodyPr wrap="square" rtlCol="0">
+            <a:spAutoFit/>
+          </a:bodyPr>
+          <a:lstStyle/>
+          <a:p>
+            <a:r>
+              <a:rPr lang="en-GB" dirty="0"/>
+              <a:t>P(involved in 2 star) = 0.47</a:t>
+            </a:r>
+          </a:p>
+          <a:p>
+            <a:r>
+              <a:rPr lang="en-GB" dirty="0"/>
+              <a:t>P(isolates) = …</a:t>
+            </a:r>
+          </a:p>
+        </p:txBody>
+      </p:sp>
+      <p:sp>
+        <p:nvSpPr>
+          <p:cNvPr id="10" name="TextBox 9">
+            <a:extLst>
+              <a:ext uri="{FF2B5EF4-FFF2-40B4-BE49-F238E27FC236}">
+                <a16:creationId xmlns:a16="http://schemas.microsoft.com/office/drawing/2014/main" id="{6A32C9D8-C936-4506-9BB6-843B4C669A99}"/>
+              </a:ext>
+            </a:extLst>
+          </p:cNvPr>
+          <p:cNvSpPr txBox="1"/>
+          <p:nvPr/>
+        </p:nvSpPr>
+        <p:spPr>
+          <a:xfrm>
+            <a:off x="5444417" y="5934670"/>
+            <a:ext cx="3857537" cy="369332"/>
+          </a:xfrm>
+          <a:prstGeom prst="rect">
+            <a:avLst/>
+          </a:prstGeom>
+          <a:noFill/>
+        </p:spPr>
+        <p:txBody>
+          <a:bodyPr wrap="square" rtlCol="0">
+            <a:spAutoFit/>
+          </a:bodyPr>
+          <a:lstStyle/>
+          <a:p>
+            <a:r>
+              <a:rPr lang="en-GB" dirty="0">
+                <a:solidFill>
+                  <a:srgbClr val="FF0000"/>
+                </a:solidFill>
+              </a:rPr>
+              <a:t>(The original business network)</a:t>
+            </a:r>
+          </a:p>
+        </p:txBody>
+      </p:sp>
+      <p:sp>
+        <p:nvSpPr>
+          <p:cNvPr id="11" name="TextBox 10">
+            <a:extLst>
+              <a:ext uri="{FF2B5EF4-FFF2-40B4-BE49-F238E27FC236}">
+                <a16:creationId xmlns:a16="http://schemas.microsoft.com/office/drawing/2014/main" id="{560E2839-7EAF-44B4-9A30-1180D4E18EE5}"/>
+              </a:ext>
+            </a:extLst>
+          </p:cNvPr>
+          <p:cNvSpPr txBox="1"/>
+          <p:nvPr/>
+        </p:nvSpPr>
+        <p:spPr>
+          <a:xfrm>
+            <a:off x="8741700" y="3177308"/>
+            <a:ext cx="3857537" cy="369332"/>
+          </a:xfrm>
+          <a:prstGeom prst="rect">
+            <a:avLst/>
+          </a:prstGeom>
+          <a:noFill/>
+        </p:spPr>
+        <p:txBody>
+          <a:bodyPr wrap="square" rtlCol="0">
+            <a:spAutoFit/>
+          </a:bodyPr>
+          <a:lstStyle/>
+          <a:p>
+            <a:r>
+              <a:rPr lang="en-GB" dirty="0">
+                <a:solidFill>
+                  <a:srgbClr val="FF0000"/>
+                </a:solidFill>
+              </a:rPr>
+              <a:t>The model (2-stars, isolates)</a:t>
+            </a:r>
+          </a:p>
+        </p:txBody>
+      </p:sp>
+      <p:sp>
+        <p:nvSpPr>
+          <p:cNvPr id="12" name="TextBox 11">
+            <a:extLst>
+              <a:ext uri="{FF2B5EF4-FFF2-40B4-BE49-F238E27FC236}">
+                <a16:creationId xmlns:a16="http://schemas.microsoft.com/office/drawing/2014/main" id="{636D0D99-BB05-43CE-84C5-A173B209F3B9}"/>
+              </a:ext>
+            </a:extLst>
+          </p:cNvPr>
+          <p:cNvSpPr txBox="1"/>
+          <p:nvPr/>
+        </p:nvSpPr>
+        <p:spPr>
+          <a:xfrm>
+            <a:off x="371721" y="5334505"/>
+            <a:ext cx="4737174" cy="1477328"/>
+          </a:xfrm>
+          <a:prstGeom prst="rect">
+            <a:avLst/>
+          </a:prstGeom>
+          <a:noFill/>
+        </p:spPr>
+        <p:txBody>
+          <a:bodyPr wrap="square" rtlCol="0">
+            <a:spAutoFit/>
+          </a:bodyPr>
+          <a:lstStyle/>
+          <a:p>
+            <a:r>
+              <a:rPr lang="en-GB" dirty="0">
+                <a:solidFill>
+                  <a:srgbClr val="FF0000"/>
+                </a:solidFill>
+              </a:rPr>
+              <a:t>This model shows what would happen if we assumed the business network is formed with 2-stars and isolates =&gt; 2 stars reflecting centrality, and isolates indicating people not involved with the main component of the network</a:t>
+            </a:r>
+          </a:p>
+        </p:txBody>
+      </p:sp>
+      <p:sp>
+        <p:nvSpPr>
+          <p:cNvPr id="13" name="TextBox 12">
+            <a:extLst>
+              <a:ext uri="{FF2B5EF4-FFF2-40B4-BE49-F238E27FC236}">
+                <a16:creationId xmlns:a16="http://schemas.microsoft.com/office/drawing/2014/main" id="{267AA08A-687F-4F99-BA65-CABBD0B66E19}"/>
+              </a:ext>
+            </a:extLst>
+          </p:cNvPr>
+          <p:cNvSpPr txBox="1"/>
+          <p:nvPr/>
+        </p:nvSpPr>
+        <p:spPr>
+          <a:xfrm>
+            <a:off x="9045146" y="3672512"/>
+            <a:ext cx="2353111" cy="3139321"/>
+          </a:xfrm>
+          <a:prstGeom prst="rect">
+            <a:avLst/>
+          </a:prstGeom>
+          <a:noFill/>
+        </p:spPr>
+        <p:txBody>
+          <a:bodyPr wrap="square" rtlCol="0">
+            <a:spAutoFit/>
+          </a:bodyPr>
+          <a:lstStyle/>
+          <a:p>
+            <a:r>
+              <a:rPr lang="en-GB" dirty="0">
+                <a:solidFill>
+                  <a:srgbClr val="FF0000"/>
+                </a:solidFill>
+              </a:rPr>
+              <a:t>This result is the best to replicate the original business network- but I will continue to interpret the network in different ways, for example as Angela suggested, splitting the business network into co-ownership and exchange networks.</a:t>
+            </a:r>
+          </a:p>
+        </p:txBody>
+      </p:sp>
+    </p:spTree>
+    <p:extLst>
+      <p:ext uri="{BB962C8B-B14F-4D97-AF65-F5344CB8AC3E}">
+        <p14:creationId xmlns:p14="http://schemas.microsoft.com/office/powerpoint/2010/main" val="1284405372"/>
       </p:ext>
     </p:extLst>
   </p:cSld>
@@ -4473,10 +8203,10 @@
       </p:grpSpPr>
       <p:pic>
         <p:nvPicPr>
-          <p:cNvPr id="5" name="Picture 4">
-            <a:extLst>
-              <a:ext uri="{FF2B5EF4-FFF2-40B4-BE49-F238E27FC236}">
-                <a16:creationId xmlns:a16="http://schemas.microsoft.com/office/drawing/2014/main" id="{4344E5CF-E432-4142-BB7E-83ADD01672F5}"/>
+          <p:cNvPr id="4" name="Picture 3">
+            <a:extLst>
+              <a:ext uri="{FF2B5EF4-FFF2-40B4-BE49-F238E27FC236}">
+                <a16:creationId xmlns:a16="http://schemas.microsoft.com/office/drawing/2014/main" id="{3B5753CF-70B3-4ECE-996E-42191C6A5872}"/>
               </a:ext>
             </a:extLst>
           </p:cNvPr>
@@ -4485,16 +8215,15 @@
           </p:cNvPicPr>
           <p:nvPr/>
         </p:nvPicPr>
-        <p:blipFill>
+        <p:blipFill rotWithShape="1">
           <a:blip r:embed="rId2"/>
-          <a:stretch>
-            <a:fillRect/>
-          </a:stretch>
+          <a:srcRect l="8817" t="3529" r="5179" b="4819"/>
+          <a:stretch/>
         </p:blipFill>
         <p:spPr>
           <a:xfrm>
-            <a:off x="5962261" y="1350800"/>
-            <a:ext cx="5725691" cy="3809029"/>
+            <a:off x="5874328" y="1055254"/>
+            <a:ext cx="6068292" cy="4611254"/>
           </a:xfrm>
           <a:prstGeom prst="rect">
             <a:avLst/>
@@ -4503,10 +8232,10 @@
       </p:pic>
       <p:pic>
         <p:nvPicPr>
-          <p:cNvPr id="6" name="Picture 5">
-            <a:extLst>
-              <a:ext uri="{FF2B5EF4-FFF2-40B4-BE49-F238E27FC236}">
-                <a16:creationId xmlns:a16="http://schemas.microsoft.com/office/drawing/2014/main" id="{CD58E2B3-1EAF-4FAB-B2AF-BE18273A6B1C}"/>
+          <p:cNvPr id="5" name="Picture 4">
+            <a:extLst>
+              <a:ext uri="{FF2B5EF4-FFF2-40B4-BE49-F238E27FC236}">
+                <a16:creationId xmlns:a16="http://schemas.microsoft.com/office/drawing/2014/main" id="{8CF52CDD-7EC3-432B-9629-B539CAED0C84}"/>
               </a:ext>
             </a:extLst>
           </p:cNvPr>
@@ -4523,18 +8252,65 @@
         </p:blipFill>
         <p:spPr>
           <a:xfrm>
-            <a:off x="663569" y="727809"/>
-            <a:ext cx="5298692" cy="5055009"/>
+            <a:off x="331281" y="832426"/>
+            <a:ext cx="5259636" cy="5056909"/>
           </a:xfrm>
           <a:prstGeom prst="rect">
             <a:avLst/>
           </a:prstGeom>
         </p:spPr>
       </p:pic>
+      <p:sp>
+        <p:nvSpPr>
+          <p:cNvPr id="6" name="TextBox 5">
+            <a:extLst>
+              <a:ext uri="{FF2B5EF4-FFF2-40B4-BE49-F238E27FC236}">
+                <a16:creationId xmlns:a16="http://schemas.microsoft.com/office/drawing/2014/main" id="{9090493B-85F2-45DA-BA29-3C7218EB3325}"/>
+              </a:ext>
+            </a:extLst>
+          </p:cNvPr>
+          <p:cNvSpPr txBox="1"/>
+          <p:nvPr/>
+        </p:nvSpPr>
+        <p:spPr>
+          <a:xfrm>
+            <a:off x="5829670" y="5846617"/>
+            <a:ext cx="2357306" cy="923330"/>
+          </a:xfrm>
+          <a:prstGeom prst="rect">
+            <a:avLst/>
+          </a:prstGeom>
+          <a:noFill/>
+        </p:spPr>
+        <p:txBody>
+          <a:bodyPr wrap="square" rtlCol="0">
+            <a:spAutoFit/>
+          </a:bodyPr>
+          <a:lstStyle/>
+          <a:p>
+            <a:r>
+              <a:rPr lang="en-GB" dirty="0">
+                <a:solidFill>
+                  <a:srgbClr val="FF0000"/>
+                </a:solidFill>
+              </a:rPr>
+              <a:t>Thresholded values from 2015+, plotted on </a:t>
+            </a:r>
+            <a:r>
+              <a:rPr lang="en-GB" u="sng" dirty="0">
+                <a:solidFill>
+                  <a:srgbClr val="FF0000"/>
+                </a:solidFill>
+              </a:rPr>
+              <a:t>proximity</a:t>
+            </a:r>
+          </a:p>
+        </p:txBody>
+      </p:sp>
     </p:spTree>
     <p:extLst>
       <p:ext uri="{BB962C8B-B14F-4D97-AF65-F5344CB8AC3E}">
-        <p14:creationId xmlns:p14="http://schemas.microsoft.com/office/powerpoint/2010/main" val="1815135397"/>
+        <p14:creationId xmlns:p14="http://schemas.microsoft.com/office/powerpoint/2010/main" val="2202101518"/>
       </p:ext>
     </p:extLst>
   </p:cSld>
@@ -4566,7 +8342,7 @@
           <p:cNvPr id="2" name="Title 1">
             <a:extLst>
               <a:ext uri="{FF2B5EF4-FFF2-40B4-BE49-F238E27FC236}">
-                <a16:creationId xmlns:a16="http://schemas.microsoft.com/office/drawing/2014/main" id="{C3694D95-156A-40F1-A21C-63566497A2C1}"/>
+                <a16:creationId xmlns:a16="http://schemas.microsoft.com/office/drawing/2014/main" id="{9F06B8A0-661C-4D41-A634-50CC658EA1DB}"/>
               </a:ext>
             </a:extLst>
           </p:cNvPr>
@@ -4579,8 +8355,8 @@
         </p:nvSpPr>
         <p:spPr>
           <a:xfrm>
-            <a:off x="2676330" y="2417860"/>
-            <a:ext cx="6477000" cy="1325563"/>
+            <a:off x="2916572" y="2554652"/>
+            <a:ext cx="6358855" cy="1325563"/>
           </a:xfrm>
         </p:spPr>
         <p:txBody>
@@ -4589,7 +8365,46 @@
           <a:p>
             <a:r>
               <a:rPr lang="en-GB" dirty="0"/>
-              <a:t>Hotels vs Points of Interest</a:t>
+              <a:t>Clustering on observations</a:t>
+            </a:r>
+          </a:p>
+        </p:txBody>
+      </p:sp>
+      <p:sp>
+        <p:nvSpPr>
+          <p:cNvPr id="4" name="TextBox 3">
+            <a:extLst>
+              <a:ext uri="{FF2B5EF4-FFF2-40B4-BE49-F238E27FC236}">
+                <a16:creationId xmlns:a16="http://schemas.microsoft.com/office/drawing/2014/main" id="{BB67D3EA-4BE7-4DD8-8BD6-E0CE8B5C50B2}"/>
+              </a:ext>
+            </a:extLst>
+          </p:cNvPr>
+          <p:cNvSpPr txBox="1"/>
+          <p:nvPr/>
+        </p:nvSpPr>
+        <p:spPr>
+          <a:xfrm>
+            <a:off x="4739780" y="4077050"/>
+            <a:ext cx="2357306" cy="2031325"/>
+          </a:xfrm>
+          <a:prstGeom prst="rect">
+            <a:avLst/>
+          </a:prstGeom>
+          <a:noFill/>
+        </p:spPr>
+        <p:txBody>
+          <a:bodyPr wrap="square" rtlCol="0">
+            <a:spAutoFit/>
+          </a:bodyPr>
+          <a:lstStyle/>
+          <a:p>
+            <a:r>
+              <a:rPr lang="en-GB" dirty="0">
+                <a:solidFill>
+                  <a:srgbClr val="FF0000"/>
+                </a:solidFill>
+              </a:rPr>
+              <a:t>Where are the observations themselves being made? Idea is to reveal popular points for observation of species on Eigg.</a:t>
             </a:r>
           </a:p>
         </p:txBody>
@@ -4597,7 +8412,7 @@
     </p:spTree>
     <p:extLst>
       <p:ext uri="{BB962C8B-B14F-4D97-AF65-F5344CB8AC3E}">
-        <p14:creationId xmlns:p14="http://schemas.microsoft.com/office/powerpoint/2010/main" val="3076114620"/>
+        <p14:creationId xmlns:p14="http://schemas.microsoft.com/office/powerpoint/2010/main" val="2268903456"/>
       </p:ext>
     </p:extLst>
   </p:cSld>
@@ -4629,7 +8444,7 @@
           <p:cNvPr id="4" name="Picture 3">
             <a:extLst>
               <a:ext uri="{FF2B5EF4-FFF2-40B4-BE49-F238E27FC236}">
-                <a16:creationId xmlns:a16="http://schemas.microsoft.com/office/drawing/2014/main" id="{3647500C-82D1-4C2D-B7BC-4591B7F8E2F2}"/>
+                <a16:creationId xmlns:a16="http://schemas.microsoft.com/office/drawing/2014/main" id="{8B055442-F517-44BC-93A7-60170AAAB639}"/>
               </a:ext>
             </a:extLst>
           </p:cNvPr>
@@ -4646,48 +8461,57 @@
         </p:blipFill>
         <p:spPr>
           <a:xfrm>
-            <a:off x="484332" y="569168"/>
-            <a:ext cx="5190047" cy="5915608"/>
+            <a:off x="2449059" y="0"/>
+            <a:ext cx="9676356" cy="6858000"/>
           </a:xfrm>
           <a:prstGeom prst="rect">
             <a:avLst/>
           </a:prstGeom>
         </p:spPr>
       </p:pic>
-      <p:pic>
-        <p:nvPicPr>
-          <p:cNvPr id="5" name="Picture 4">
-            <a:extLst>
-              <a:ext uri="{FF2B5EF4-FFF2-40B4-BE49-F238E27FC236}">
-                <a16:creationId xmlns:a16="http://schemas.microsoft.com/office/drawing/2014/main" id="{4031A201-1592-4B8B-B49A-0F6F0789273D}"/>
-              </a:ext>
-            </a:extLst>
-          </p:cNvPr>
-          <p:cNvPicPr>
-            <a:picLocks noChangeAspect="1"/>
-          </p:cNvPicPr>
+      <p:sp>
+        <p:nvSpPr>
+          <p:cNvPr id="3" name="TextBox 2">
+            <a:extLst>
+              <a:ext uri="{FF2B5EF4-FFF2-40B4-BE49-F238E27FC236}">
+                <a16:creationId xmlns:a16="http://schemas.microsoft.com/office/drawing/2014/main" id="{D668F219-6DA6-43E4-9363-CE36092BCC4F}"/>
+              </a:ext>
+            </a:extLst>
+          </p:cNvPr>
+          <p:cNvSpPr txBox="1"/>
           <p:nvPr/>
-        </p:nvPicPr>
-        <p:blipFill>
-          <a:blip r:embed="rId3"/>
-          <a:stretch>
-            <a:fillRect/>
-          </a:stretch>
-        </p:blipFill>
-        <p:spPr>
-          <a:xfrm>
-            <a:off x="6242660" y="569168"/>
-            <a:ext cx="4842107" cy="5913021"/>
+        </p:nvSpPr>
+        <p:spPr>
+          <a:xfrm>
+            <a:off x="260059" y="2533475"/>
+            <a:ext cx="2357306" cy="646331"/>
           </a:xfrm>
           <a:prstGeom prst="rect">
             <a:avLst/>
           </a:prstGeom>
-        </p:spPr>
-      </p:pic>
+          <a:noFill/>
+        </p:spPr>
+        <p:txBody>
+          <a:bodyPr wrap="square" rtlCol="0">
+            <a:spAutoFit/>
+          </a:bodyPr>
+          <a:lstStyle/>
+          <a:p>
+            <a:r>
+              <a:rPr lang="en-GB" dirty="0">
+                <a:solidFill>
+                  <a:srgbClr val="FF0000"/>
+                </a:solidFill>
+              </a:rPr>
+              <a:t>Lat/Lon coordinates (Normalised)</a:t>
+            </a:r>
+          </a:p>
+        </p:txBody>
+      </p:sp>
     </p:spTree>
     <p:extLst>
       <p:ext uri="{BB962C8B-B14F-4D97-AF65-F5344CB8AC3E}">
-        <p14:creationId xmlns:p14="http://schemas.microsoft.com/office/powerpoint/2010/main" val="637866062"/>
+        <p14:creationId xmlns:p14="http://schemas.microsoft.com/office/powerpoint/2010/main" val="2966317692"/>
       </p:ext>
     </p:extLst>
   </p:cSld>
@@ -4714,35 +8538,71 @@
           <a:chExt cx="0" cy="0"/>
         </a:xfrm>
       </p:grpSpPr>
-      <p:sp>
-        <p:nvSpPr>
-          <p:cNvPr id="2" name="Title 1">
-            <a:extLst>
-              <a:ext uri="{FF2B5EF4-FFF2-40B4-BE49-F238E27FC236}">
-                <a16:creationId xmlns:a16="http://schemas.microsoft.com/office/drawing/2014/main" id="{CCA91892-09F7-4B7E-A010-8B7CDB13462C}"/>
-              </a:ext>
-            </a:extLst>
-          </p:cNvPr>
-          <p:cNvSpPr>
-            <a:spLocks noGrp="1"/>
-          </p:cNvSpPr>
-          <p:nvPr>
-            <p:ph type="title"/>
-          </p:nvPr>
-        </p:nvSpPr>
-        <p:spPr>
-          <a:xfrm>
-            <a:off x="3908571" y="2766218"/>
-            <a:ext cx="4908258" cy="1325563"/>
-          </a:xfrm>
-        </p:spPr>
-        <p:txBody>
-          <a:bodyPr/>
-          <a:lstStyle/>
-          <a:p>
-            <a:r>
-              <a:rPr lang="en-GB" dirty="0"/>
-              <a:t>Residences vs Hotels</a:t>
+      <p:pic>
+        <p:nvPicPr>
+          <p:cNvPr id="4" name="Picture 3">
+            <a:extLst>
+              <a:ext uri="{FF2B5EF4-FFF2-40B4-BE49-F238E27FC236}">
+                <a16:creationId xmlns:a16="http://schemas.microsoft.com/office/drawing/2014/main" id="{B8AE51F6-A23E-4D95-9C6D-5D729E0CDCF9}"/>
+              </a:ext>
+            </a:extLst>
+          </p:cNvPr>
+          <p:cNvPicPr>
+            <a:picLocks noChangeAspect="1"/>
+          </p:cNvPicPr>
+          <p:nvPr/>
+        </p:nvPicPr>
+        <p:blipFill>
+          <a:blip r:embed="rId2"/>
+          <a:stretch>
+            <a:fillRect/>
+          </a:stretch>
+        </p:blipFill>
+        <p:spPr>
+          <a:xfrm>
+            <a:off x="2562225" y="0"/>
+            <a:ext cx="9629775" cy="6858000"/>
+          </a:xfrm>
+          <a:prstGeom prst="rect">
+            <a:avLst/>
+          </a:prstGeom>
+        </p:spPr>
+      </p:pic>
+      <p:sp>
+        <p:nvSpPr>
+          <p:cNvPr id="3" name="TextBox 2">
+            <a:extLst>
+              <a:ext uri="{FF2B5EF4-FFF2-40B4-BE49-F238E27FC236}">
+                <a16:creationId xmlns:a16="http://schemas.microsoft.com/office/drawing/2014/main" id="{36C55962-3646-479E-8FF5-A1DA271667ED}"/>
+              </a:ext>
+            </a:extLst>
+          </p:cNvPr>
+          <p:cNvSpPr txBox="1"/>
+          <p:nvPr/>
+        </p:nvSpPr>
+        <p:spPr>
+          <a:xfrm>
+            <a:off x="260059" y="2533475"/>
+            <a:ext cx="2357306" cy="646331"/>
+          </a:xfrm>
+          <a:prstGeom prst="rect">
+            <a:avLst/>
+          </a:prstGeom>
+          <a:noFill/>
+        </p:spPr>
+        <p:txBody>
+          <a:bodyPr wrap="square" rtlCol="0">
+            <a:spAutoFit/>
+          </a:bodyPr>
+          <a:lstStyle/>
+          <a:p>
+            <a:r>
+              <a:rPr lang="en-GB" dirty="0">
+                <a:solidFill>
+                  <a:srgbClr val="FF0000"/>
+                </a:solidFill>
+              </a:rPr>
+              <a:t>Kind of looks like 3 clusters…</a:t>
             </a:r>
           </a:p>
         </p:txBody>
@@ -4750,7 +8610,7 @@
     </p:spTree>
     <p:extLst>
       <p:ext uri="{BB962C8B-B14F-4D97-AF65-F5344CB8AC3E}">
-        <p14:creationId xmlns:p14="http://schemas.microsoft.com/office/powerpoint/2010/main" val="4211726059"/>
+        <p14:creationId xmlns:p14="http://schemas.microsoft.com/office/powerpoint/2010/main" val="368376588"/>
       </p:ext>
     </p:extLst>
   </p:cSld>
@@ -4782,7 +8642,7 @@
           <p:cNvPr id="4" name="Picture 3">
             <a:extLst>
               <a:ext uri="{FF2B5EF4-FFF2-40B4-BE49-F238E27FC236}">
-                <a16:creationId xmlns:a16="http://schemas.microsoft.com/office/drawing/2014/main" id="{5C804052-D930-4E3D-8A28-A32B9B635C62}"/>
+                <a16:creationId xmlns:a16="http://schemas.microsoft.com/office/drawing/2014/main" id="{F6943C79-374B-4802-B37F-98873C4BBE71}"/>
               </a:ext>
             </a:extLst>
           </p:cNvPr>
@@ -4799,47 +8659,57 @@
         </p:blipFill>
         <p:spPr>
           <a:xfrm>
-            <a:off x="5868955" y="1343215"/>
-            <a:ext cx="5812311" cy="4040940"/>
+            <a:off x="2800350" y="47625"/>
+            <a:ext cx="9391650" cy="6810375"/>
           </a:xfrm>
           <a:prstGeom prst="rect">
             <a:avLst/>
           </a:prstGeom>
         </p:spPr>
       </p:pic>
-      <p:pic>
-        <p:nvPicPr>
-          <p:cNvPr id="5" name="Picture 4">
-            <a:extLst>
-              <a:ext uri="{FF2B5EF4-FFF2-40B4-BE49-F238E27FC236}">
-                <a16:creationId xmlns:a16="http://schemas.microsoft.com/office/drawing/2014/main" id="{A0177D14-2297-4FC0-8565-94AAC2672812}"/>
-              </a:ext>
-            </a:extLst>
-          </p:cNvPr>
-          <p:cNvPicPr>
-            <a:picLocks noChangeAspect="1"/>
-          </p:cNvPicPr>
+      <p:sp>
+        <p:nvSpPr>
+          <p:cNvPr id="3" name="TextBox 2">
+            <a:extLst>
+              <a:ext uri="{FF2B5EF4-FFF2-40B4-BE49-F238E27FC236}">
+                <a16:creationId xmlns:a16="http://schemas.microsoft.com/office/drawing/2014/main" id="{05F9B722-9AF3-4287-AECF-0697B3904AE7}"/>
+              </a:ext>
+            </a:extLst>
+          </p:cNvPr>
+          <p:cNvSpPr txBox="1"/>
           <p:nvPr/>
-        </p:nvPicPr>
-        <p:blipFill rotWithShape="1">
-          <a:blip r:embed="rId3"/>
-          <a:srcRect l="32219" r="32730"/>
-          <a:stretch/>
-        </p:blipFill>
-        <p:spPr>
-          <a:xfrm>
-            <a:off x="951723" y="407658"/>
-            <a:ext cx="4273420" cy="5912055"/>
+        </p:nvSpPr>
+        <p:spPr>
+          <a:xfrm>
+            <a:off x="260059" y="2533475"/>
+            <a:ext cx="2357306" cy="923330"/>
           </a:xfrm>
           <a:prstGeom prst="rect">
             <a:avLst/>
           </a:prstGeom>
-        </p:spPr>
-      </p:pic>
+          <a:noFill/>
+        </p:spPr>
+        <p:txBody>
+          <a:bodyPr wrap="square" rtlCol="0">
+            <a:spAutoFit/>
+          </a:bodyPr>
+          <a:lstStyle/>
+          <a:p>
+            <a:r>
+              <a:rPr lang="en-GB" dirty="0">
+                <a:solidFill>
+                  <a:srgbClr val="FF0000"/>
+                </a:solidFill>
+              </a:rPr>
+              <a:t>These clusters appear whenever in time you look</a:t>
+            </a:r>
+          </a:p>
+        </p:txBody>
+      </p:sp>
     </p:spTree>
     <p:extLst>
       <p:ext uri="{BB962C8B-B14F-4D97-AF65-F5344CB8AC3E}">
-        <p14:creationId xmlns:p14="http://schemas.microsoft.com/office/powerpoint/2010/main" val="1092328663"/>
+        <p14:creationId xmlns:p14="http://schemas.microsoft.com/office/powerpoint/2010/main" val="2712153313"/>
       </p:ext>
     </p:extLst>
   </p:cSld>
@@ -4866,37 +8736,71 @@
           <a:chExt cx="0" cy="0"/>
         </a:xfrm>
       </p:grpSpPr>
-      <p:sp>
-        <p:nvSpPr>
-          <p:cNvPr id="4" name="Title 1">
-            <a:extLst>
-              <a:ext uri="{FF2B5EF4-FFF2-40B4-BE49-F238E27FC236}">
-                <a16:creationId xmlns:a16="http://schemas.microsoft.com/office/drawing/2014/main" id="{A71A0D46-40EA-47D8-9CCC-3BF0E23A863D}"/>
-              </a:ext>
-            </a:extLst>
-          </p:cNvPr>
-          <p:cNvSpPr>
-            <a:spLocks noGrp="1"/>
-          </p:cNvSpPr>
-          <p:nvPr>
-            <p:ph type="title"/>
-          </p:nvPr>
-        </p:nvSpPr>
-        <p:spPr>
-          <a:xfrm>
-            <a:off x="3193059" y="2286204"/>
-            <a:ext cx="5805881" cy="1325563"/>
-          </a:xfrm>
-        </p:spPr>
-        <p:txBody>
-          <a:bodyPr>
-            <a:normAutofit fontScale="90000"/>
+      <p:pic>
+        <p:nvPicPr>
+          <p:cNvPr id="4" name="Picture 3">
+            <a:extLst>
+              <a:ext uri="{FF2B5EF4-FFF2-40B4-BE49-F238E27FC236}">
+                <a16:creationId xmlns:a16="http://schemas.microsoft.com/office/drawing/2014/main" id="{AB9B8188-B094-4A59-B1A4-CE22A106F4B5}"/>
+              </a:ext>
+            </a:extLst>
+          </p:cNvPr>
+          <p:cNvPicPr>
+            <a:picLocks noChangeAspect="1"/>
+          </p:cNvPicPr>
+          <p:nvPr/>
+        </p:nvPicPr>
+        <p:blipFill>
+          <a:blip r:embed="rId2"/>
+          <a:stretch>
+            <a:fillRect/>
+          </a:stretch>
+        </p:blipFill>
+        <p:spPr>
+          <a:xfrm>
+            <a:off x="0" y="472972"/>
+            <a:ext cx="12192000" cy="5912055"/>
+          </a:xfrm>
+          <a:prstGeom prst="rect">
+            <a:avLst/>
+          </a:prstGeom>
+        </p:spPr>
+      </p:pic>
+      <p:sp>
+        <p:nvSpPr>
+          <p:cNvPr id="3" name="TextBox 2">
+            <a:extLst>
+              <a:ext uri="{FF2B5EF4-FFF2-40B4-BE49-F238E27FC236}">
+                <a16:creationId xmlns:a16="http://schemas.microsoft.com/office/drawing/2014/main" id="{F2598A04-50FE-4E26-9186-9AE23C775468}"/>
+              </a:ext>
+            </a:extLst>
+          </p:cNvPr>
+          <p:cNvSpPr txBox="1"/>
+          <p:nvPr/>
+        </p:nvSpPr>
+        <p:spPr>
+          <a:xfrm>
+            <a:off x="721454" y="4026715"/>
+            <a:ext cx="2357306" cy="923330"/>
+          </a:xfrm>
+          <a:prstGeom prst="rect">
+            <a:avLst/>
+          </a:prstGeom>
+          <a:noFill/>
+        </p:spPr>
+        <p:txBody>
+          <a:bodyPr wrap="square" rtlCol="0">
+            <a:spAutoFit/>
           </a:bodyPr>
           <a:lstStyle/>
           <a:p>
             <a:r>
-              <a:rPr lang="en-GB" dirty="0"/>
-              <a:t>Proximity/density of observations vs residences</a:t>
+              <a:rPr lang="en-GB" dirty="0">
+                <a:solidFill>
+                  <a:srgbClr val="FF0000"/>
+                </a:solidFill>
+              </a:rPr>
+              <a:t>These are the corresponding points of the clusters</a:t>
             </a:r>
           </a:p>
         </p:txBody>
@@ -4904,7 +8808,7 @@
     </p:spTree>
     <p:extLst>
       <p:ext uri="{BB962C8B-B14F-4D97-AF65-F5344CB8AC3E}">
-        <p14:creationId xmlns:p14="http://schemas.microsoft.com/office/powerpoint/2010/main" val="3246840393"/>
+        <p14:creationId xmlns:p14="http://schemas.microsoft.com/office/powerpoint/2010/main" val="2212962032"/>
       </p:ext>
     </p:extLst>
   </p:cSld>
